--- a/trunk/documents/v2.0/Presentation final ASD - Tower Defense v2.0.pptx
+++ b/trunk/documents/v2.0/Presentation final ASD - Tower Defense v2.0.pptx
@@ -5,7 +5,7 @@
     <p:sldMasterId id="2147483648" r:id="rId1"/>
   </p:sldMasterIdLst>
   <p:notesMasterIdLst>
-    <p:notesMasterId r:id="rId14"/>
+    <p:notesMasterId r:id="rId15"/>
   </p:notesMasterIdLst>
   <p:sldIdLst>
     <p:sldId id="256" r:id="rId2"/>
@@ -16,10 +16,11 @@
     <p:sldId id="266" r:id="rId7"/>
     <p:sldId id="267" r:id="rId8"/>
     <p:sldId id="269" r:id="rId9"/>
-    <p:sldId id="275" r:id="rId10"/>
-    <p:sldId id="270" r:id="rId11"/>
-    <p:sldId id="268" r:id="rId12"/>
-    <p:sldId id="264" r:id="rId13"/>
+    <p:sldId id="277" r:id="rId10"/>
+    <p:sldId id="278" r:id="rId11"/>
+    <p:sldId id="270" r:id="rId12"/>
+    <p:sldId id="268" r:id="rId13"/>
+    <p:sldId id="264" r:id="rId14"/>
   </p:sldIdLst>
   <p:sldSz cx="9144000" cy="6858000" type="screen4x3"/>
   <p:notesSz cx="6797675" cy="9874250"/>
@@ -651,6 +652,88 @@
               <a:rPr lang="fr-CH" smtClean="0"/>
               <a:pPr/>
               <a:t>9</a:t>
+            </a:fld>
+            <a:endParaRPr lang="fr-CH"/>
+          </a:p>
+        </p:txBody>
+      </p:sp>
+    </p:spTree>
+  </p:cSld>
+  <p:clrMapOvr>
+    <a:masterClrMapping/>
+  </p:clrMapOvr>
+</p:notes>
+</file>
+
+<file path=ppt/notesSlides/notesSlide3.xml><?xml version="1.0" encoding="utf-8"?>
+<p:notes xmlns:a="http://schemas.openxmlformats.org/drawingml/2006/main" xmlns:r="http://schemas.openxmlformats.org/officeDocument/2006/relationships" xmlns:p="http://schemas.openxmlformats.org/presentationml/2006/main">
+  <p:cSld>
+    <p:spTree>
+      <p:nvGrpSpPr>
+        <p:cNvPr id="1" name=""/>
+        <p:cNvGrpSpPr/>
+        <p:nvPr/>
+      </p:nvGrpSpPr>
+      <p:grpSpPr>
+        <a:xfrm>
+          <a:off x="0" y="0"/>
+          <a:ext cx="0" cy="0"/>
+          <a:chOff x="0" y="0"/>
+          <a:chExt cx="0" cy="0"/>
+        </a:xfrm>
+      </p:grpSpPr>
+      <p:sp>
+        <p:nvSpPr>
+          <p:cNvPr id="2" name="Espace réservé de l'image des diapositives 1"/>
+          <p:cNvSpPr>
+            <a:spLocks noGrp="1" noRot="1" noChangeAspect="1"/>
+          </p:cNvSpPr>
+          <p:nvPr>
+            <p:ph type="sldImg"/>
+          </p:nvPr>
+        </p:nvSpPr>
+        <p:spPr/>
+      </p:sp>
+      <p:sp>
+        <p:nvSpPr>
+          <p:cNvPr id="3" name="Espace réservé des commentaires 2"/>
+          <p:cNvSpPr>
+            <a:spLocks noGrp="1"/>
+          </p:cNvSpPr>
+          <p:nvPr>
+            <p:ph type="body" idx="1"/>
+          </p:nvPr>
+        </p:nvSpPr>
+        <p:spPr/>
+        <p:txBody>
+          <a:bodyPr>
+            <a:normAutofit/>
+          </a:bodyPr>
+          <a:lstStyle/>
+          <a:p>
+            <a:endParaRPr lang="fr-CH" dirty="0"/>
+          </a:p>
+        </p:txBody>
+      </p:sp>
+      <p:sp>
+        <p:nvSpPr>
+          <p:cNvPr id="4" name="Espace réservé du numéro de diapositive 3"/>
+          <p:cNvSpPr>
+            <a:spLocks noGrp="1"/>
+          </p:cNvSpPr>
+          <p:nvPr>
+            <p:ph type="sldNum" sz="quarter" idx="10"/>
+          </p:nvPr>
+        </p:nvSpPr>
+        <p:spPr/>
+        <p:txBody>
+          <a:bodyPr/>
+          <a:lstStyle/>
+          <a:p>
+            <a:fld id="{BA64795F-8A88-462F-B7DA-E81DC07A4301}" type="slidenum">
+              <a:rPr lang="fr-CH" smtClean="0"/>
+              <a:pPr/>
+              <a:t>10</a:t>
             </a:fld>
             <a:endParaRPr lang="fr-CH"/>
           </a:p>
@@ -4864,9 +4947,251 @@
           <a:chExt cx="0" cy="0"/>
         </a:xfrm>
       </p:grpSpPr>
-      <p:sp>
-        <p:nvSpPr>
-          <p:cNvPr id="14" name="Rectangle 4"/>
+      <p:grpSp>
+        <p:nvGrpSpPr>
+          <p:cNvPr id="2" name="Groupe 23"/>
+          <p:cNvGrpSpPr/>
+          <p:nvPr/>
+        </p:nvGrpSpPr>
+        <p:grpSpPr>
+          <a:xfrm>
+            <a:off x="1043608" y="1881052"/>
+            <a:ext cx="1116124" cy="530275"/>
+            <a:chOff x="827584" y="2240868"/>
+            <a:chExt cx="1116124" cy="530275"/>
+          </a:xfrm>
+        </p:grpSpPr>
+        <p:sp>
+          <p:nvSpPr>
+            <p:cNvPr id="22" name="Flèche droite 21"/>
+            <p:cNvSpPr/>
+            <p:nvPr/>
+          </p:nvSpPr>
+          <p:spPr bwMode="auto">
+            <a:xfrm>
+              <a:off x="827584" y="2240868"/>
+              <a:ext cx="1116124" cy="251916"/>
+            </a:xfrm>
+            <a:prstGeom prst="rightArrow">
+              <a:avLst/>
+            </a:prstGeom>
+            <a:solidFill>
+              <a:schemeClr val="accent1"/>
+            </a:solidFill>
+            <a:ln w="9525" cap="flat" cmpd="sng" algn="ctr">
+              <a:solidFill>
+                <a:schemeClr val="tx1"/>
+              </a:solidFill>
+              <a:prstDash val="solid"/>
+              <a:round/>
+              <a:headEnd type="none" w="med" len="med"/>
+              <a:tailEnd type="none" w="med" len="med"/>
+            </a:ln>
+            <a:effectLst/>
+          </p:spPr>
+          <p:txBody>
+            <a:bodyPr vert="horz" wrap="square" lIns="91440" tIns="45720" rIns="91440" bIns="45720" numCol="1" rtlCol="0" anchor="t" anchorCtr="0" compatLnSpc="1">
+              <a:prstTxWarp prst="textNoShape">
+                <a:avLst/>
+              </a:prstTxWarp>
+            </a:bodyPr>
+            <a:lstStyle/>
+            <a:p>
+              <a:pPr marL="0" marR="0" indent="0" algn="l" defTabSz="914400" rtl="0" eaLnBrk="1" fontAlgn="base" latinLnBrk="0" hangingPunct="1">
+                <a:lnSpc>
+                  <a:spcPct val="100000"/>
+                </a:lnSpc>
+                <a:spcBef>
+                  <a:spcPct val="0"/>
+                </a:spcBef>
+                <a:spcAft>
+                  <a:spcPct val="0"/>
+                </a:spcAft>
+                <a:buClrTx/>
+                <a:buSzTx/>
+                <a:buFontTx/>
+                <a:buNone/>
+                <a:tabLst/>
+              </a:pPr>
+              <a:endParaRPr kumimoji="0" lang="fr-CH" sz="1800" b="0" i="0" u="sng" strike="noStrike" cap="none" normalizeH="0" baseline="0" smtClean="0">
+                <a:ln>
+                  <a:noFill/>
+                </a:ln>
+                <a:solidFill>
+                  <a:schemeClr val="tx1"/>
+                </a:solidFill>
+                <a:effectLst/>
+                <a:latin typeface="Arial" charset="0"/>
+              </a:endParaRPr>
+            </a:p>
+          </p:txBody>
+        </p:sp>
+        <p:sp>
+          <p:nvSpPr>
+            <p:cNvPr id="23" name="Flèche droite 22"/>
+            <p:cNvSpPr/>
+            <p:nvPr/>
+          </p:nvSpPr>
+          <p:spPr bwMode="auto">
+            <a:xfrm rot="10800000">
+              <a:off x="827584" y="2519227"/>
+              <a:ext cx="1116124" cy="251916"/>
+            </a:xfrm>
+            <a:prstGeom prst="rightArrow">
+              <a:avLst/>
+            </a:prstGeom>
+            <a:solidFill>
+              <a:schemeClr val="accent1"/>
+            </a:solidFill>
+            <a:ln w="9525" cap="flat" cmpd="sng" algn="ctr">
+              <a:solidFill>
+                <a:schemeClr val="tx1"/>
+              </a:solidFill>
+              <a:prstDash val="solid"/>
+              <a:round/>
+              <a:headEnd type="none" w="med" len="med"/>
+              <a:tailEnd type="none" w="med" len="med"/>
+            </a:ln>
+            <a:effectLst/>
+          </p:spPr>
+          <p:txBody>
+            <a:bodyPr vert="horz" wrap="square" lIns="91440" tIns="45720" rIns="91440" bIns="45720" numCol="1" rtlCol="0" anchor="t" anchorCtr="0" compatLnSpc="1">
+              <a:prstTxWarp prst="textNoShape">
+                <a:avLst/>
+              </a:prstTxWarp>
+            </a:bodyPr>
+            <a:lstStyle/>
+            <a:p>
+              <a:pPr marL="0" marR="0" indent="0" algn="l" defTabSz="914400" rtl="0" eaLnBrk="1" fontAlgn="base" latinLnBrk="0" hangingPunct="1">
+                <a:lnSpc>
+                  <a:spcPct val="100000"/>
+                </a:lnSpc>
+                <a:spcBef>
+                  <a:spcPct val="0"/>
+                </a:spcBef>
+                <a:spcAft>
+                  <a:spcPct val="0"/>
+                </a:spcAft>
+                <a:buClrTx/>
+                <a:buSzTx/>
+                <a:buFontTx/>
+                <a:buNone/>
+                <a:tabLst/>
+              </a:pPr>
+              <a:endParaRPr kumimoji="0" lang="fr-CH" sz="1800" b="0" i="0" u="sng" strike="noStrike" cap="none" normalizeH="0" baseline="0" smtClean="0">
+                <a:ln>
+                  <a:noFill/>
+                </a:ln>
+                <a:solidFill>
+                  <a:schemeClr val="tx1"/>
+                </a:solidFill>
+                <a:effectLst/>
+                <a:latin typeface="Arial" charset="0"/>
+              </a:endParaRPr>
+            </a:p>
+          </p:txBody>
+        </p:sp>
+      </p:grpSp>
+      <p:sp>
+        <p:nvSpPr>
+          <p:cNvPr id="4" name="Espace réservé de la date 3"/>
+          <p:cNvSpPr>
+            <a:spLocks noGrp="1"/>
+          </p:cNvSpPr>
+          <p:nvPr>
+            <p:ph type="dt" sz="half" idx="10"/>
+          </p:nvPr>
+        </p:nvSpPr>
+        <p:spPr>
+          <a:xfrm>
+            <a:off x="457200" y="6384972"/>
+            <a:ext cx="2133600" cy="476250"/>
+          </a:xfrm>
+        </p:spPr>
+        <p:txBody>
+          <a:bodyPr/>
+          <a:lstStyle/>
+          <a:p>
+            <a:fld id="{DE3EECC3-BAC3-4A29-8636-7743FF9A3806}" type="datetime1">
+              <a:rPr lang="fr-CH" smtClean="0">
+                <a:solidFill>
+                  <a:schemeClr val="tx1">
+                    <a:lumMod val="65000"/>
+                    <a:lumOff val="35000"/>
+                  </a:schemeClr>
+                </a:solidFill>
+              </a:rPr>
+              <a:pPr/>
+              <a:t>11.06.2010</a:t>
+            </a:fld>
+            <a:endParaRPr lang="fr-FR" dirty="0">
+              <a:solidFill>
+                <a:schemeClr val="tx1">
+                  <a:lumMod val="65000"/>
+                  <a:lumOff val="35000"/>
+                </a:schemeClr>
+              </a:solidFill>
+            </a:endParaRPr>
+          </a:p>
+        </p:txBody>
+      </p:sp>
+      <p:sp>
+        <p:nvSpPr>
+          <p:cNvPr id="6" name="Espace réservé du numéro de diapositive 5"/>
+          <p:cNvSpPr>
+            <a:spLocks noGrp="1"/>
+          </p:cNvSpPr>
+          <p:nvPr>
+            <p:ph type="sldNum" sz="quarter" idx="12"/>
+          </p:nvPr>
+        </p:nvSpPr>
+        <p:spPr>
+          <a:xfrm>
+            <a:off x="6553200" y="6384972"/>
+            <a:ext cx="2133600" cy="476250"/>
+          </a:xfrm>
+        </p:spPr>
+        <p:txBody>
+          <a:bodyPr/>
+          <a:lstStyle/>
+          <a:p>
+            <a:fld id="{420F5742-7484-4AFF-BE5C-C36DF30CE89D}" type="slidenum">
+              <a:rPr lang="fr-FR" smtClean="0">
+                <a:solidFill>
+                  <a:schemeClr val="tx1">
+                    <a:lumMod val="65000"/>
+                    <a:lumOff val="35000"/>
+                  </a:schemeClr>
+                </a:solidFill>
+              </a:rPr>
+              <a:pPr/>
+              <a:t>10</a:t>
+            </a:fld>
+            <a:r>
+              <a:rPr lang="fr-FR" dirty="0" smtClean="0">
+                <a:solidFill>
+                  <a:schemeClr val="tx1">
+                    <a:lumMod val="65000"/>
+                    <a:lumOff val="35000"/>
+                  </a:schemeClr>
+                </a:solidFill>
+              </a:rPr>
+              <a:t>/13</a:t>
+            </a:r>
+            <a:endParaRPr lang="fr-FR" dirty="0">
+              <a:solidFill>
+                <a:schemeClr val="tx1">
+                  <a:lumMod val="65000"/>
+                  <a:lumOff val="35000"/>
+                </a:schemeClr>
+              </a:solidFill>
+            </a:endParaRPr>
+          </a:p>
+        </p:txBody>
+      </p:sp>
+      <p:sp>
+        <p:nvSpPr>
+          <p:cNvPr id="7" name="Rectangle 4"/>
           <p:cNvSpPr>
             <a:spLocks noChangeArrowheads="1"/>
           </p:cNvSpPr>
@@ -4909,7 +5234,7 @@
       </p:sp>
       <p:sp>
         <p:nvSpPr>
-          <p:cNvPr id="17" name="Rectangle 13"/>
+          <p:cNvPr id="8" name="Rectangle 33"/>
           <p:cNvSpPr>
             <a:spLocks noChangeArrowheads="1"/>
           </p:cNvSpPr>
@@ -4954,7 +5279,67 @@
       </p:sp>
       <p:sp>
         <p:nvSpPr>
-          <p:cNvPr id="18" name="Rectangle 14"/>
+          <p:cNvPr id="11" name="Text Box 5"/>
+          <p:cNvSpPr txBox="1">
+            <a:spLocks noChangeArrowheads="1"/>
+          </p:cNvSpPr>
+          <p:nvPr/>
+        </p:nvSpPr>
+        <p:spPr bwMode="auto">
+          <a:xfrm>
+            <a:off x="0" y="381000"/>
+            <a:ext cx="9144000" cy="396875"/>
+          </a:xfrm>
+          <a:prstGeom prst="rect">
+            <a:avLst/>
+          </a:prstGeom>
+          <a:noFill/>
+          <a:ln w="9525">
+            <a:noFill/>
+            <a:miter lim="800000"/>
+            <a:headEnd/>
+            <a:tailEnd/>
+          </a:ln>
+          <a:effectLst/>
+        </p:spPr>
+        <p:txBody>
+          <a:bodyPr>
+            <a:spAutoFit/>
+          </a:bodyPr>
+          <a:lstStyle/>
+          <a:p>
+            <a:pPr algn="ctr"/>
+            <a:r>
+              <a:rPr lang="fr-FR" sz="2000" b="1" u="none" dirty="0" smtClean="0">
+                <a:solidFill>
+                  <a:schemeClr val="bg1"/>
+                </a:solidFill>
+                <a:effectLst>
+                  <a:outerShdw blurRad="38100" dist="38100" dir="2700000" algn="tl">
+                    <a:srgbClr val="C0C0C0"/>
+                  </a:outerShdw>
+                </a:effectLst>
+                <a:latin typeface="Trebuchet MS" pitchFamily="34" charset="0"/>
+              </a:rPr>
+              <a:t>CLIENT / SERVEUR</a:t>
+            </a:r>
+            <a:endParaRPr lang="fr-FR" sz="2000" b="1" u="none" dirty="0">
+              <a:solidFill>
+                <a:schemeClr val="bg1"/>
+              </a:solidFill>
+              <a:effectLst>
+                <a:outerShdw blurRad="38100" dist="38100" dir="2700000" algn="tl">
+                  <a:srgbClr val="C0C0C0"/>
+                </a:outerShdw>
+              </a:effectLst>
+              <a:latin typeface="Trebuchet MS" pitchFamily="34" charset="0"/>
+            </a:endParaRPr>
+          </a:p>
+        </p:txBody>
+      </p:sp>
+      <p:sp>
+        <p:nvSpPr>
+          <p:cNvPr id="104" name="Rectangle 34"/>
           <p:cNvSpPr>
             <a:spLocks noChangeArrowheads="1"/>
           </p:cNvSpPr>
@@ -4962,7 +5347,7 @@
         </p:nvSpPr>
         <p:spPr bwMode="auto">
           <a:xfrm>
-            <a:off x="0" y="6629400"/>
+            <a:off x="0" y="6632622"/>
             <a:ext cx="9144000" cy="228600"/>
           </a:xfrm>
           <a:prstGeom prst="rect">
@@ -4999,6 +5384,634 @@
       </p:sp>
       <p:sp>
         <p:nvSpPr>
+          <p:cNvPr id="105" name="Espace réservé du pied de page 13"/>
+          <p:cNvSpPr>
+            <a:spLocks noGrp="1"/>
+          </p:cNvSpPr>
+          <p:nvPr>
+            <p:ph type="ftr" sz="quarter" idx="11"/>
+          </p:nvPr>
+        </p:nvSpPr>
+        <p:spPr>
+          <a:xfrm>
+            <a:off x="3124200" y="6384972"/>
+            <a:ext cx="2895600" cy="476250"/>
+          </a:xfrm>
+        </p:spPr>
+        <p:txBody>
+          <a:bodyPr/>
+          <a:lstStyle/>
+          <a:p>
+            <a:r>
+              <a:rPr lang="fr-FR" dirty="0" smtClean="0">
+                <a:solidFill>
+                  <a:schemeClr val="tx1">
+                    <a:lumMod val="65000"/>
+                    <a:lumOff val="35000"/>
+                  </a:schemeClr>
+                </a:solidFill>
+              </a:rPr>
+              <a:t>ADO – PPZ – LFH – RPN</a:t>
+            </a:r>
+          </a:p>
+        </p:txBody>
+      </p:sp>
+      <p:sp>
+        <p:nvSpPr>
+          <p:cNvPr id="36" name="Ellipse 35"/>
+          <p:cNvSpPr/>
+          <p:nvPr/>
+        </p:nvSpPr>
+        <p:spPr bwMode="auto">
+          <a:xfrm>
+            <a:off x="719572" y="1601238"/>
+            <a:ext cx="1801180" cy="1071678"/>
+          </a:xfrm>
+          <a:prstGeom prst="ellipse">
+            <a:avLst/>
+          </a:prstGeom>
+          <a:noFill/>
+          <a:ln w="9525" cap="flat" cmpd="sng" algn="ctr">
+            <a:solidFill>
+              <a:schemeClr val="tx1"/>
+            </a:solidFill>
+            <a:prstDash val="solid"/>
+            <a:round/>
+            <a:headEnd type="none" w="med" len="med"/>
+            <a:tailEnd type="none" w="med" len="med"/>
+          </a:ln>
+          <a:effectLst/>
+        </p:spPr>
+        <p:txBody>
+          <a:bodyPr vert="horz" wrap="square" lIns="91440" tIns="45720" rIns="91440" bIns="45720" numCol="1" rtlCol="0" anchor="t" anchorCtr="0" compatLnSpc="1">
+            <a:prstTxWarp prst="textNoShape">
+              <a:avLst/>
+            </a:prstTxWarp>
+          </a:bodyPr>
+          <a:lstStyle/>
+          <a:p>
+            <a:pPr marL="0" marR="0" indent="0" algn="l" defTabSz="914400" rtl="0" eaLnBrk="1" fontAlgn="base" latinLnBrk="0" hangingPunct="1">
+              <a:lnSpc>
+                <a:spcPct val="100000"/>
+              </a:lnSpc>
+              <a:spcBef>
+                <a:spcPct val="0"/>
+              </a:spcBef>
+              <a:spcAft>
+                <a:spcPct val="0"/>
+              </a:spcAft>
+              <a:buClrTx/>
+              <a:buSzTx/>
+              <a:buFontTx/>
+              <a:buNone/>
+              <a:tabLst/>
+            </a:pPr>
+            <a:endParaRPr kumimoji="0" lang="fr-CH" sz="1800" b="0" i="0" u="sng" strike="noStrike" cap="none" normalizeH="0" baseline="0" smtClean="0">
+              <a:ln>
+                <a:noFill/>
+              </a:ln>
+              <a:solidFill>
+                <a:schemeClr val="tx1"/>
+              </a:solidFill>
+              <a:effectLst/>
+              <a:latin typeface="Arial" charset="0"/>
+            </a:endParaRPr>
+          </a:p>
+        </p:txBody>
+      </p:sp>
+      <p:sp>
+        <p:nvSpPr>
+          <p:cNvPr id="43" name="Flèche droite 42"/>
+          <p:cNvSpPr/>
+          <p:nvPr/>
+        </p:nvSpPr>
+        <p:spPr bwMode="auto">
+          <a:xfrm>
+            <a:off x="4901716" y="2843262"/>
+            <a:ext cx="3630724" cy="720080"/>
+          </a:xfrm>
+          <a:prstGeom prst="rightArrow">
+            <a:avLst/>
+          </a:prstGeom>
+          <a:solidFill>
+            <a:schemeClr val="accent1"/>
+          </a:solidFill>
+          <a:ln w="9525" cap="flat" cmpd="sng" algn="ctr">
+            <a:solidFill>
+              <a:schemeClr val="tx1"/>
+            </a:solidFill>
+            <a:prstDash val="solid"/>
+            <a:round/>
+            <a:headEnd type="none" w="med" len="med"/>
+            <a:tailEnd type="none" w="med" len="med"/>
+          </a:ln>
+          <a:effectLst/>
+        </p:spPr>
+        <p:txBody>
+          <a:bodyPr vert="horz" wrap="square" lIns="91440" tIns="45720" rIns="91440" bIns="45720" numCol="1" rtlCol="0" anchor="t" anchorCtr="0" compatLnSpc="1">
+            <a:prstTxWarp prst="textNoShape">
+              <a:avLst/>
+            </a:prstTxWarp>
+          </a:bodyPr>
+          <a:lstStyle/>
+          <a:p>
+            <a:pPr marL="0" marR="0" indent="0" algn="l" defTabSz="914400" rtl="0" eaLnBrk="1" fontAlgn="base" latinLnBrk="0" hangingPunct="1">
+              <a:lnSpc>
+                <a:spcPct val="100000"/>
+              </a:lnSpc>
+              <a:spcBef>
+                <a:spcPct val="0"/>
+              </a:spcBef>
+              <a:spcAft>
+                <a:spcPct val="0"/>
+              </a:spcAft>
+              <a:buClrTx/>
+              <a:buSzTx/>
+              <a:buFontTx/>
+              <a:buNone/>
+              <a:tabLst/>
+            </a:pPr>
+            <a:endParaRPr kumimoji="0" lang="fr-CH" sz="1800" b="0" i="0" u="sng" strike="noStrike" cap="none" normalizeH="0" baseline="0" smtClean="0">
+              <a:ln>
+                <a:noFill/>
+              </a:ln>
+              <a:solidFill>
+                <a:schemeClr val="tx1"/>
+              </a:solidFill>
+              <a:effectLst/>
+              <a:latin typeface="Arial" charset="0"/>
+            </a:endParaRPr>
+          </a:p>
+        </p:txBody>
+      </p:sp>
+      <p:sp>
+        <p:nvSpPr>
+          <p:cNvPr id="46" name="Flèche droite 45"/>
+          <p:cNvSpPr/>
+          <p:nvPr/>
+        </p:nvSpPr>
+        <p:spPr bwMode="auto">
+          <a:xfrm rot="10800000">
+            <a:off x="4901716" y="4453767"/>
+            <a:ext cx="3630724" cy="1377825"/>
+          </a:xfrm>
+          <a:prstGeom prst="rightArrow">
+            <a:avLst/>
+          </a:prstGeom>
+          <a:solidFill>
+            <a:schemeClr val="accent1"/>
+          </a:solidFill>
+          <a:ln w="9525" cap="flat" cmpd="sng" algn="ctr">
+            <a:solidFill>
+              <a:schemeClr val="tx1"/>
+            </a:solidFill>
+            <a:prstDash val="solid"/>
+            <a:round/>
+            <a:headEnd type="none" w="med" len="med"/>
+            <a:tailEnd type="none" w="med" len="med"/>
+          </a:ln>
+          <a:effectLst/>
+        </p:spPr>
+        <p:txBody>
+          <a:bodyPr vert="vert270" wrap="square" lIns="91440" tIns="45720" rIns="91440" bIns="45720" numCol="1" rtlCol="0" anchor="t" anchorCtr="0" compatLnSpc="1">
+            <a:prstTxWarp prst="textNoShape">
+              <a:avLst/>
+            </a:prstTxWarp>
+          </a:bodyPr>
+          <a:lstStyle/>
+          <a:p>
+            <a:pPr marL="0" marR="0" indent="0" algn="l" defTabSz="914400" rtl="0" eaLnBrk="1" fontAlgn="base" latinLnBrk="0" hangingPunct="1">
+              <a:lnSpc>
+                <a:spcPct val="100000"/>
+              </a:lnSpc>
+              <a:spcBef>
+                <a:spcPct val="0"/>
+              </a:spcBef>
+              <a:spcAft>
+                <a:spcPct val="0"/>
+              </a:spcAft>
+              <a:buClrTx/>
+              <a:buSzTx/>
+              <a:buFontTx/>
+              <a:buNone/>
+              <a:tabLst/>
+            </a:pPr>
+            <a:endParaRPr kumimoji="0" lang="fr-CH" sz="1800" b="0" i="0" u="none" strike="noStrike" cap="none" normalizeH="0" baseline="0" dirty="0" smtClean="0">
+              <a:ln>
+                <a:noFill/>
+              </a:ln>
+              <a:solidFill>
+                <a:schemeClr val="tx1"/>
+              </a:solidFill>
+              <a:effectLst/>
+              <a:latin typeface="Arial" charset="0"/>
+            </a:endParaRPr>
+          </a:p>
+        </p:txBody>
+      </p:sp>
+      <p:sp>
+        <p:nvSpPr>
+          <p:cNvPr id="47" name="Flèche droite 46"/>
+          <p:cNvSpPr/>
+          <p:nvPr/>
+        </p:nvSpPr>
+        <p:spPr bwMode="auto">
+          <a:xfrm>
+            <a:off x="4900854" y="3825044"/>
+            <a:ext cx="3630724" cy="720080"/>
+          </a:xfrm>
+          <a:prstGeom prst="rightArrow">
+            <a:avLst/>
+          </a:prstGeom>
+          <a:solidFill>
+            <a:schemeClr val="accent1"/>
+          </a:solidFill>
+          <a:ln w="9525" cap="flat" cmpd="sng" algn="ctr">
+            <a:solidFill>
+              <a:schemeClr val="tx1"/>
+            </a:solidFill>
+            <a:prstDash val="solid"/>
+            <a:round/>
+            <a:headEnd type="none" w="med" len="med"/>
+            <a:tailEnd type="none" w="med" len="med"/>
+          </a:ln>
+          <a:effectLst/>
+        </p:spPr>
+        <p:txBody>
+          <a:bodyPr vert="horz" wrap="square" lIns="91440" tIns="45720" rIns="91440" bIns="45720" numCol="1" rtlCol="0" anchor="t" anchorCtr="0" compatLnSpc="1">
+            <a:prstTxWarp prst="textNoShape">
+              <a:avLst/>
+            </a:prstTxWarp>
+          </a:bodyPr>
+          <a:lstStyle/>
+          <a:p>
+            <a:pPr marL="0" marR="0" indent="0" algn="l" defTabSz="914400" rtl="0" eaLnBrk="1" fontAlgn="base" latinLnBrk="0" hangingPunct="1">
+              <a:lnSpc>
+                <a:spcPct val="100000"/>
+              </a:lnSpc>
+              <a:spcBef>
+                <a:spcPct val="0"/>
+              </a:spcBef>
+              <a:spcAft>
+                <a:spcPct val="0"/>
+              </a:spcAft>
+              <a:buClrTx/>
+              <a:buSzTx/>
+              <a:buFontTx/>
+              <a:buNone/>
+              <a:tabLst/>
+            </a:pPr>
+            <a:endParaRPr kumimoji="0" lang="fr-CH" sz="1800" b="0" i="0" u="none" strike="noStrike" cap="none" normalizeH="0" baseline="0" dirty="0" smtClean="0">
+              <a:ln>
+                <a:noFill/>
+              </a:ln>
+              <a:solidFill>
+                <a:schemeClr val="tx1"/>
+              </a:solidFill>
+              <a:effectLst/>
+              <a:latin typeface="Arial" charset="0"/>
+            </a:endParaRPr>
+          </a:p>
+        </p:txBody>
+      </p:sp>
+      <p:sp>
+        <p:nvSpPr>
+          <p:cNvPr id="50" name="ZoneTexte 49"/>
+          <p:cNvSpPr txBox="1"/>
+          <p:nvPr/>
+        </p:nvSpPr>
+        <p:spPr>
+          <a:xfrm>
+            <a:off x="1760877" y="4571836"/>
+            <a:ext cx="2775119" cy="369332"/>
+          </a:xfrm>
+          <a:prstGeom prst="rect">
+            <a:avLst/>
+          </a:prstGeom>
+          <a:noFill/>
+        </p:spPr>
+        <p:txBody>
+          <a:bodyPr wrap="none" rtlCol="0">
+            <a:spAutoFit/>
+          </a:bodyPr>
+          <a:lstStyle/>
+          <a:p>
+            <a:r>
+              <a:rPr lang="fr-CH" b="1" u="none" dirty="0" smtClean="0"/>
+              <a:t>Canal 1 </a:t>
+            </a:r>
+            <a:r>
+              <a:rPr lang="fr-CH" u="none" dirty="0" smtClean="0"/>
+              <a:t>: Communication</a:t>
+            </a:r>
+            <a:endParaRPr lang="fr-CH" u="none" dirty="0"/>
+          </a:p>
+        </p:txBody>
+      </p:sp>
+      <p:sp>
+        <p:nvSpPr>
+          <p:cNvPr id="51" name="Rectangle 50"/>
+          <p:cNvSpPr/>
+          <p:nvPr/>
+        </p:nvSpPr>
+        <p:spPr>
+          <a:xfrm>
+            <a:off x="1799692" y="3032956"/>
+            <a:ext cx="2403287" cy="369332"/>
+          </a:xfrm>
+          <a:prstGeom prst="rect">
+            <a:avLst/>
+          </a:prstGeom>
+        </p:spPr>
+        <p:txBody>
+          <a:bodyPr wrap="none">
+            <a:spAutoFit/>
+          </a:bodyPr>
+          <a:lstStyle/>
+          <a:p>
+            <a:r>
+              <a:rPr lang="fr-CH" b="1" u="none" dirty="0" smtClean="0"/>
+              <a:t>Canal 2 </a:t>
+            </a:r>
+            <a:r>
+              <a:rPr lang="fr-CH" u="none" dirty="0" smtClean="0"/>
+              <a:t>: Asynchrone</a:t>
+            </a:r>
+            <a:endParaRPr lang="fr-CH" u="none" dirty="0"/>
+          </a:p>
+        </p:txBody>
+      </p:sp>
+      <p:sp>
+        <p:nvSpPr>
+          <p:cNvPr id="52" name="Flèche à angle droit 51"/>
+          <p:cNvSpPr/>
+          <p:nvPr/>
+        </p:nvSpPr>
+        <p:spPr bwMode="auto">
+          <a:xfrm rot="10800000" flipH="1">
+            <a:off x="2771800" y="2070631"/>
+            <a:ext cx="3248000" cy="530276"/>
+          </a:xfrm>
+          <a:prstGeom prst="bentUpArrow">
+            <a:avLst>
+              <a:gd name="adj1" fmla="val 10630"/>
+              <a:gd name="adj2" fmla="val 16789"/>
+              <a:gd name="adj3" fmla="val 29106"/>
+            </a:avLst>
+          </a:prstGeom>
+          <a:solidFill>
+            <a:schemeClr val="tx1">
+              <a:lumMod val="95000"/>
+              <a:lumOff val="5000"/>
+            </a:schemeClr>
+          </a:solidFill>
+          <a:ln w="9525" cap="flat" cmpd="sng" algn="ctr">
+            <a:solidFill>
+              <a:schemeClr val="tx1"/>
+            </a:solidFill>
+            <a:prstDash val="solid"/>
+            <a:round/>
+            <a:headEnd type="none" w="med" len="med"/>
+            <a:tailEnd type="none" w="med" len="med"/>
+          </a:ln>
+          <a:effectLst/>
+        </p:spPr>
+        <p:txBody>
+          <a:bodyPr vert="horz" wrap="square" lIns="91440" tIns="45720" rIns="91440" bIns="45720" numCol="1" rtlCol="0" anchor="t" anchorCtr="0" compatLnSpc="1">
+            <a:prstTxWarp prst="textNoShape">
+              <a:avLst/>
+            </a:prstTxWarp>
+          </a:bodyPr>
+          <a:lstStyle/>
+          <a:p>
+            <a:pPr marL="0" marR="0" indent="0" algn="l" defTabSz="914400" rtl="0" eaLnBrk="1" fontAlgn="base" latinLnBrk="0" hangingPunct="1">
+              <a:lnSpc>
+                <a:spcPct val="100000"/>
+              </a:lnSpc>
+              <a:spcBef>
+                <a:spcPct val="0"/>
+              </a:spcBef>
+              <a:spcAft>
+                <a:spcPct val="0"/>
+              </a:spcAft>
+              <a:buClrTx/>
+              <a:buSzTx/>
+              <a:buFontTx/>
+              <a:buNone/>
+              <a:tabLst/>
+            </a:pPr>
+            <a:endParaRPr kumimoji="0" lang="fr-CH" sz="1800" b="0" i="0" u="sng" strike="noStrike" cap="none" normalizeH="0" baseline="0" smtClean="0">
+              <a:ln>
+                <a:noFill/>
+              </a:ln>
+              <a:solidFill>
+                <a:schemeClr val="tx1"/>
+              </a:solidFill>
+              <a:effectLst/>
+              <a:latin typeface="Arial" charset="0"/>
+            </a:endParaRPr>
+          </a:p>
+        </p:txBody>
+      </p:sp>
+      <p:cxnSp>
+        <p:nvCxnSpPr>
+          <p:cNvPr id="54" name="Connecteur droit 53"/>
+          <p:cNvCxnSpPr/>
+          <p:nvPr/>
+        </p:nvCxnSpPr>
+        <p:spPr bwMode="auto">
+          <a:xfrm>
+            <a:off x="4716016" y="3717032"/>
+            <a:ext cx="3970784" cy="0"/>
+          </a:xfrm>
+          <a:prstGeom prst="line">
+            <a:avLst/>
+          </a:prstGeom>
+          <a:solidFill>
+            <a:schemeClr val="accent1"/>
+          </a:solidFill>
+          <a:ln w="9525" cap="flat" cmpd="sng" algn="ctr">
+            <a:solidFill>
+              <a:schemeClr val="tx1"/>
+            </a:solidFill>
+            <a:prstDash val="dash"/>
+            <a:round/>
+            <a:headEnd type="none" w="med" len="med"/>
+            <a:tailEnd type="none" w="med" len="med"/>
+          </a:ln>
+          <a:effectLst/>
+        </p:spPr>
+      </p:cxnSp>
+    </p:spTree>
+  </p:cSld>
+  <p:clrMapOvr>
+    <a:masterClrMapping/>
+  </p:clrMapOvr>
+  <p:transition>
+    <p:fade/>
+  </p:transition>
+  <p:timing>
+    <p:tnLst>
+      <p:par>
+        <p:cTn id="1" dur="indefinite" restart="never" nodeType="tmRoot"/>
+      </p:par>
+    </p:tnLst>
+  </p:timing>
+</p:sld>
+</file>
+
+<file path=ppt/slides/slide11.xml><?xml version="1.0" encoding="utf-8"?>
+<p:sld xmlns:a="http://schemas.openxmlformats.org/drawingml/2006/main" xmlns:r="http://schemas.openxmlformats.org/officeDocument/2006/relationships" xmlns:p="http://schemas.openxmlformats.org/presentationml/2006/main">
+  <p:cSld>
+    <p:spTree>
+      <p:nvGrpSpPr>
+        <p:cNvPr id="1" name=""/>
+        <p:cNvGrpSpPr/>
+        <p:nvPr/>
+      </p:nvGrpSpPr>
+      <p:grpSpPr>
+        <a:xfrm>
+          <a:off x="0" y="0"/>
+          <a:ext cx="0" cy="0"/>
+          <a:chOff x="0" y="0"/>
+          <a:chExt cx="0" cy="0"/>
+        </a:xfrm>
+      </p:grpSpPr>
+      <p:sp>
+        <p:nvSpPr>
+          <p:cNvPr id="14" name="Rectangle 4"/>
+          <p:cNvSpPr>
+            <a:spLocks noChangeArrowheads="1"/>
+          </p:cNvSpPr>
+          <p:nvPr/>
+        </p:nvSpPr>
+        <p:spPr bwMode="auto">
+          <a:xfrm>
+            <a:off x="0" y="0"/>
+            <a:ext cx="9144000" cy="1143000"/>
+          </a:xfrm>
+          <a:prstGeom prst="rect">
+            <a:avLst/>
+          </a:prstGeom>
+          <a:gradFill rotWithShape="1">
+            <a:gsLst>
+              <a:gs pos="0">
+                <a:srgbClr val="00B400"/>
+              </a:gs>
+              <a:gs pos="100000">
+                <a:srgbClr val="006000"/>
+              </a:gs>
+            </a:gsLst>
+            <a:lin ang="5400000" scaled="1"/>
+          </a:gradFill>
+          <a:ln w="9525">
+            <a:noFill/>
+            <a:miter lim="800000"/>
+            <a:headEnd/>
+            <a:tailEnd/>
+          </a:ln>
+          <a:effectLst/>
+        </p:spPr>
+        <p:txBody>
+          <a:bodyPr wrap="none" anchor="ctr"/>
+          <a:lstStyle/>
+          <a:p>
+            <a:endParaRPr lang="fr-CH"/>
+          </a:p>
+        </p:txBody>
+      </p:sp>
+      <p:sp>
+        <p:nvSpPr>
+          <p:cNvPr id="17" name="Rectangle 13"/>
+          <p:cNvSpPr>
+            <a:spLocks noChangeArrowheads="1"/>
+          </p:cNvSpPr>
+          <p:nvPr/>
+        </p:nvSpPr>
+        <p:spPr bwMode="auto">
+          <a:xfrm>
+            <a:off x="0" y="1143000"/>
+            <a:ext cx="9144000" cy="152400"/>
+          </a:xfrm>
+          <a:prstGeom prst="rect">
+            <a:avLst/>
+          </a:prstGeom>
+          <a:gradFill rotWithShape="1">
+            <a:gsLst>
+              <a:gs pos="0">
+                <a:srgbClr val="5F5F5F"/>
+              </a:gs>
+              <a:gs pos="100000">
+                <a:srgbClr val="DDDDDD">
+                  <a:alpha val="0"/>
+                </a:srgbClr>
+              </a:gs>
+            </a:gsLst>
+            <a:lin ang="5400000" scaled="1"/>
+          </a:gradFill>
+          <a:ln w="9525">
+            <a:noFill/>
+            <a:miter lim="800000"/>
+            <a:headEnd/>
+            <a:tailEnd/>
+          </a:ln>
+          <a:effectLst/>
+        </p:spPr>
+        <p:txBody>
+          <a:bodyPr wrap="none" anchor="ctr"/>
+          <a:lstStyle/>
+          <a:p>
+            <a:endParaRPr lang="fr-CH"/>
+          </a:p>
+        </p:txBody>
+      </p:sp>
+      <p:sp>
+        <p:nvSpPr>
+          <p:cNvPr id="18" name="Rectangle 14"/>
+          <p:cNvSpPr>
+            <a:spLocks noChangeArrowheads="1"/>
+          </p:cNvSpPr>
+          <p:nvPr/>
+        </p:nvSpPr>
+        <p:spPr bwMode="auto">
+          <a:xfrm>
+            <a:off x="0" y="6629400"/>
+            <a:ext cx="9144000" cy="228600"/>
+          </a:xfrm>
+          <a:prstGeom prst="rect">
+            <a:avLst/>
+          </a:prstGeom>
+          <a:gradFill rotWithShape="1">
+            <a:gsLst>
+              <a:gs pos="0">
+                <a:srgbClr val="DDDDDD">
+                  <a:alpha val="0"/>
+                </a:srgbClr>
+              </a:gs>
+              <a:gs pos="100000">
+                <a:srgbClr val="767676"/>
+              </a:gs>
+            </a:gsLst>
+            <a:lin ang="5400000" scaled="1"/>
+          </a:gradFill>
+          <a:ln w="9525">
+            <a:noFill/>
+            <a:miter lim="800000"/>
+            <a:headEnd/>
+            <a:tailEnd/>
+          </a:ln>
+          <a:effectLst/>
+        </p:spPr>
+        <p:txBody>
+          <a:bodyPr wrap="none" anchor="ctr"/>
+          <a:lstStyle/>
+          <a:p>
+            <a:endParaRPr lang="fr-CH"/>
+          </a:p>
+        </p:txBody>
+      </p:sp>
+      <p:sp>
+        <p:nvSpPr>
           <p:cNvPr id="19" name="Espace réservé du numéro de diapositive 11"/>
           <p:cNvSpPr>
             <a:spLocks noGrp="1"/>
@@ -5027,7 +6040,7 @@
                 </a:solidFill>
               </a:rPr>
               <a:pPr/>
-              <a:t>10</a:t>
+              <a:t>11</a:t>
             </a:fld>
             <a:r>
               <a:rPr lang="fr-FR" dirty="0" smtClean="0">
@@ -5707,7 +6720,7 @@
 </p:sld>
 </file>
 
-<file path=ppt/slides/slide11.xml><?xml version="1.0" encoding="utf-8"?>
+<file path=ppt/slides/slide12.xml><?xml version="1.0" encoding="utf-8"?>
 <p:sld xmlns:a="http://schemas.openxmlformats.org/drawingml/2006/main" xmlns:r="http://schemas.openxmlformats.org/officeDocument/2006/relationships" xmlns:p="http://schemas.openxmlformats.org/presentationml/2006/main">
   <p:cSld>
     <p:spTree>
@@ -5985,7 +6998,7 @@
                 </a:solidFill>
               </a:rPr>
               <a:pPr/>
-              <a:t>11</a:t>
+              <a:t>12</a:t>
             </a:fld>
             <a:r>
               <a:rPr lang="fr-FR" dirty="0" smtClean="0">
@@ -6549,7 +7562,7 @@
 </p:sld>
 </file>
 
-<file path=ppt/slides/slide12.xml><?xml version="1.0" encoding="utf-8"?>
+<file path=ppt/slides/slide13.xml><?xml version="1.0" encoding="utf-8"?>
 <p:sld xmlns:a="http://schemas.openxmlformats.org/drawingml/2006/main" xmlns:r="http://schemas.openxmlformats.org/officeDocument/2006/relationships" xmlns:p="http://schemas.openxmlformats.org/presentationml/2006/main">
   <p:cSld>
     <p:spTree>
@@ -7574,7 +8587,7 @@
                 </a:solidFill>
               </a:rPr>
               <a:pPr/>
-              <a:t>12</a:t>
+              <a:t>13</a:t>
             </a:fld>
             <a:r>
               <a:rPr lang="fr-FR" dirty="0" smtClean="0">
@@ -12264,7 +13277,6 @@
               <a:rPr lang="fr-CH" u="none" dirty="0" smtClean="0"/>
               <a:t>L’argent</a:t>
             </a:r>
-            <a:endParaRPr lang="fr-CH" u="none" dirty="0" smtClean="0"/>
           </a:p>
           <a:p>
             <a:pPr>
@@ -14578,6 +15590,151 @@
           <a:chExt cx="0" cy="0"/>
         </a:xfrm>
       </p:grpSpPr>
+      <p:grpSp>
+        <p:nvGrpSpPr>
+          <p:cNvPr id="2" name="Groupe 23"/>
+          <p:cNvGrpSpPr/>
+          <p:nvPr/>
+        </p:nvGrpSpPr>
+        <p:grpSpPr>
+          <a:xfrm>
+            <a:off x="6012160" y="1854609"/>
+            <a:ext cx="1116124" cy="530275"/>
+            <a:chOff x="827584" y="2240868"/>
+            <a:chExt cx="1116124" cy="530275"/>
+          </a:xfrm>
+        </p:grpSpPr>
+        <p:sp>
+          <p:nvSpPr>
+            <p:cNvPr id="22" name="Flèche droite 21"/>
+            <p:cNvSpPr/>
+            <p:nvPr/>
+          </p:nvSpPr>
+          <p:spPr bwMode="auto">
+            <a:xfrm>
+              <a:off x="827584" y="2240868"/>
+              <a:ext cx="1116124" cy="251916"/>
+            </a:xfrm>
+            <a:prstGeom prst="rightArrow">
+              <a:avLst/>
+            </a:prstGeom>
+            <a:solidFill>
+              <a:schemeClr val="accent1"/>
+            </a:solidFill>
+            <a:ln w="9525" cap="flat" cmpd="sng" algn="ctr">
+              <a:solidFill>
+                <a:schemeClr val="tx1"/>
+              </a:solidFill>
+              <a:prstDash val="solid"/>
+              <a:round/>
+              <a:headEnd type="none" w="med" len="med"/>
+              <a:tailEnd type="none" w="med" len="med"/>
+            </a:ln>
+            <a:effectLst/>
+          </p:spPr>
+          <p:txBody>
+            <a:bodyPr vert="horz" wrap="square" lIns="91440" tIns="45720" rIns="91440" bIns="45720" numCol="1" rtlCol="0" anchor="t" anchorCtr="0" compatLnSpc="1">
+              <a:prstTxWarp prst="textNoShape">
+                <a:avLst/>
+              </a:prstTxWarp>
+            </a:bodyPr>
+            <a:lstStyle/>
+            <a:p>
+              <a:pPr marL="0" marR="0" indent="0" algn="l" defTabSz="914400" rtl="0" eaLnBrk="1" fontAlgn="base" latinLnBrk="0" hangingPunct="1">
+                <a:lnSpc>
+                  <a:spcPct val="100000"/>
+                </a:lnSpc>
+                <a:spcBef>
+                  <a:spcPct val="0"/>
+                </a:spcBef>
+                <a:spcAft>
+                  <a:spcPct val="0"/>
+                </a:spcAft>
+                <a:buClrTx/>
+                <a:buSzTx/>
+                <a:buFontTx/>
+                <a:buNone/>
+                <a:tabLst/>
+              </a:pPr>
+              <a:endParaRPr kumimoji="0" lang="fr-CH" sz="1800" b="0" i="0" u="sng" strike="noStrike" cap="none" normalizeH="0" baseline="0" smtClean="0">
+                <a:ln>
+                  <a:noFill/>
+                </a:ln>
+                <a:solidFill>
+                  <a:schemeClr val="tx1"/>
+                </a:solidFill>
+                <a:effectLst/>
+                <a:latin typeface="Arial" charset="0"/>
+              </a:endParaRPr>
+            </a:p>
+          </p:txBody>
+        </p:sp>
+        <p:sp>
+          <p:nvSpPr>
+            <p:cNvPr id="23" name="Flèche droite 22"/>
+            <p:cNvSpPr/>
+            <p:nvPr/>
+          </p:nvSpPr>
+          <p:spPr bwMode="auto">
+            <a:xfrm rot="10800000">
+              <a:off x="827584" y="2519227"/>
+              <a:ext cx="1116124" cy="251916"/>
+            </a:xfrm>
+            <a:prstGeom prst="rightArrow">
+              <a:avLst/>
+            </a:prstGeom>
+            <a:solidFill>
+              <a:schemeClr val="accent1"/>
+            </a:solidFill>
+            <a:ln w="9525" cap="flat" cmpd="sng" algn="ctr">
+              <a:solidFill>
+                <a:schemeClr val="tx1"/>
+              </a:solidFill>
+              <a:prstDash val="solid"/>
+              <a:round/>
+              <a:headEnd type="none" w="med" len="med"/>
+              <a:tailEnd type="none" w="med" len="med"/>
+            </a:ln>
+            <a:effectLst/>
+          </p:spPr>
+          <p:txBody>
+            <a:bodyPr vert="horz" wrap="square" lIns="91440" tIns="45720" rIns="91440" bIns="45720" numCol="1" rtlCol="0" anchor="t" anchorCtr="0" compatLnSpc="1">
+              <a:prstTxWarp prst="textNoShape">
+                <a:avLst/>
+              </a:prstTxWarp>
+            </a:bodyPr>
+            <a:lstStyle/>
+            <a:p>
+              <a:pPr marL="0" marR="0" indent="0" algn="l" defTabSz="914400" rtl="0" eaLnBrk="1" fontAlgn="base" latinLnBrk="0" hangingPunct="1">
+                <a:lnSpc>
+                  <a:spcPct val="100000"/>
+                </a:lnSpc>
+                <a:spcBef>
+                  <a:spcPct val="0"/>
+                </a:spcBef>
+                <a:spcAft>
+                  <a:spcPct val="0"/>
+                </a:spcAft>
+                <a:buClrTx/>
+                <a:buSzTx/>
+                <a:buFontTx/>
+                <a:buNone/>
+                <a:tabLst/>
+              </a:pPr>
+              <a:endParaRPr kumimoji="0" lang="fr-CH" sz="1800" b="0" i="0" u="sng" strike="noStrike" cap="none" normalizeH="0" baseline="0" smtClean="0">
+                <a:ln>
+                  <a:noFill/>
+                </a:ln>
+                <a:solidFill>
+                  <a:schemeClr val="tx1"/>
+                </a:solidFill>
+                <a:effectLst/>
+                <a:latin typeface="Arial" charset="0"/>
+              </a:endParaRPr>
+            </a:p>
+          </p:txBody>
+        </p:sp>
+      </p:grpSp>
       <p:sp>
         <p:nvSpPr>
           <p:cNvPr id="4" name="Espace réservé de la date 3"/>
@@ -14662,7 +15819,7 @@
                   </a:schemeClr>
                 </a:solidFill>
               </a:rPr>
-              <a:t>/12</a:t>
+              <a:t>/13</a:t>
             </a:r>
             <a:endParaRPr lang="fr-FR" dirty="0">
               <a:solidFill>
@@ -14825,41 +15982,6 @@
       </p:sp>
       <p:sp>
         <p:nvSpPr>
-          <p:cNvPr id="12" name="ZoneTexte 11"/>
-          <p:cNvSpPr txBox="1"/>
-          <p:nvPr/>
-        </p:nvSpPr>
-        <p:spPr>
-          <a:xfrm>
-            <a:off x="457200" y="1664732"/>
-            <a:ext cx="1172116" cy="369332"/>
-          </a:xfrm>
-          <a:prstGeom prst="rect">
-            <a:avLst/>
-          </a:prstGeom>
-          <a:noFill/>
-        </p:spPr>
-        <p:txBody>
-          <a:bodyPr wrap="none" rtlCol="0">
-            <a:spAutoFit/>
-          </a:bodyPr>
-          <a:lstStyle/>
-          <a:p>
-            <a:pPr>
-              <a:spcAft>
-                <a:spcPts val="1200"/>
-              </a:spcAft>
-            </a:pPr>
-            <a:r>
-              <a:rPr lang="fr-CH" u="none" dirty="0" smtClean="0"/>
-              <a:t>Pierre-Do</a:t>
-            </a:r>
-            <a:endParaRPr lang="fr-CH" sz="1400" i="1" u="none" dirty="0"/>
-          </a:p>
-        </p:txBody>
-      </p:sp>
-      <p:sp>
-        <p:nvSpPr>
           <p:cNvPr id="104" name="Rectangle 34"/>
           <p:cNvSpPr>
             <a:spLocks noChangeArrowheads="1"/>
@@ -14934,6 +16056,1388 @@
               </a:rPr>
               <a:t>ADO – PPZ – LFH – RPN</a:t>
             </a:r>
+          </a:p>
+        </p:txBody>
+      </p:sp>
+      <p:sp>
+        <p:nvSpPr>
+          <p:cNvPr id="10" name="Rectangle à coins arrondis 9"/>
+          <p:cNvSpPr/>
+          <p:nvPr/>
+        </p:nvSpPr>
+        <p:spPr bwMode="auto">
+          <a:xfrm>
+            <a:off x="7236296" y="1772784"/>
+            <a:ext cx="1080000" cy="720000"/>
+          </a:xfrm>
+          <a:prstGeom prst="roundRect">
+            <a:avLst/>
+          </a:prstGeom>
+          <a:solidFill>
+            <a:schemeClr val="accent1"/>
+          </a:solidFill>
+          <a:ln w="9525" cap="flat" cmpd="sng" algn="ctr">
+            <a:solidFill>
+              <a:schemeClr val="tx1"/>
+            </a:solidFill>
+            <a:prstDash val="solid"/>
+            <a:round/>
+            <a:headEnd type="none" w="med" len="med"/>
+            <a:tailEnd type="none" w="med" len="med"/>
+          </a:ln>
+          <a:effectLst/>
+        </p:spPr>
+        <p:txBody>
+          <a:bodyPr vert="horz" wrap="square" lIns="91440" tIns="45720" rIns="91440" bIns="45720" numCol="1" rtlCol="0" anchor="t" anchorCtr="0" compatLnSpc="1">
+            <a:prstTxWarp prst="textNoShape">
+              <a:avLst/>
+            </a:prstTxWarp>
+          </a:bodyPr>
+          <a:lstStyle/>
+          <a:p>
+            <a:pPr marL="0" marR="0" indent="0" algn="ctr" defTabSz="914400" rtl="0" eaLnBrk="1" fontAlgn="base" latinLnBrk="0" hangingPunct="1">
+              <a:lnSpc>
+                <a:spcPct val="100000"/>
+              </a:lnSpc>
+              <a:spcBef>
+                <a:spcPct val="0"/>
+              </a:spcBef>
+              <a:spcAft>
+                <a:spcPct val="0"/>
+              </a:spcAft>
+              <a:buClrTx/>
+              <a:buSzTx/>
+              <a:buFontTx/>
+              <a:buNone/>
+              <a:tabLst/>
+            </a:pPr>
+            <a:r>
+              <a:rPr kumimoji="0" lang="fr-CH" sz="1800" b="0" i="0" u="none" strike="noStrike" cap="none" normalizeH="0" baseline="0" dirty="0" smtClean="0">
+                <a:ln>
+                  <a:noFill/>
+                </a:ln>
+                <a:solidFill>
+                  <a:schemeClr val="tx1"/>
+                </a:solidFill>
+                <a:effectLst/>
+                <a:latin typeface="Arial" charset="0"/>
+              </a:rPr>
+              <a:t>Joueur</a:t>
+            </a:r>
+          </a:p>
+        </p:txBody>
+      </p:sp>
+      <p:sp>
+        <p:nvSpPr>
+          <p:cNvPr id="15" name="Rectangle à coins arrondis 14"/>
+          <p:cNvSpPr/>
+          <p:nvPr/>
+        </p:nvSpPr>
+        <p:spPr bwMode="auto">
+          <a:xfrm>
+            <a:off x="1738046" y="3951058"/>
+            <a:ext cx="1080120" cy="1044116"/>
+          </a:xfrm>
+          <a:prstGeom prst="roundRect">
+            <a:avLst/>
+          </a:prstGeom>
+          <a:solidFill>
+            <a:schemeClr val="accent1"/>
+          </a:solidFill>
+          <a:ln w="9525" cap="flat" cmpd="sng" algn="ctr">
+            <a:solidFill>
+              <a:schemeClr val="tx1"/>
+            </a:solidFill>
+            <a:prstDash val="solid"/>
+            <a:round/>
+            <a:headEnd type="none" w="med" len="med"/>
+            <a:tailEnd type="none" w="med" len="med"/>
+          </a:ln>
+          <a:effectLst/>
+        </p:spPr>
+        <p:txBody>
+          <a:bodyPr vert="horz" wrap="square" lIns="91440" tIns="45720" rIns="91440" bIns="45720" numCol="1" rtlCol="0" anchor="t" anchorCtr="0" compatLnSpc="1">
+            <a:prstTxWarp prst="textNoShape">
+              <a:avLst/>
+            </a:prstTxWarp>
+          </a:bodyPr>
+          <a:lstStyle/>
+          <a:p>
+            <a:pPr marL="0" marR="0" indent="0" algn="ctr" defTabSz="914400" rtl="0" eaLnBrk="1" fontAlgn="base" latinLnBrk="0" hangingPunct="1">
+              <a:lnSpc>
+                <a:spcPct val="100000"/>
+              </a:lnSpc>
+              <a:spcBef>
+                <a:spcPct val="0"/>
+              </a:spcBef>
+              <a:spcAft>
+                <a:spcPct val="0"/>
+              </a:spcAft>
+              <a:buClrTx/>
+              <a:buSzTx/>
+              <a:buFontTx/>
+              <a:buNone/>
+              <a:tabLst/>
+            </a:pPr>
+            <a:r>
+              <a:rPr kumimoji="0" lang="fr-CH" sz="1800" b="0" i="0" u="none" strike="noStrike" cap="none" normalizeH="0" baseline="0" dirty="0" smtClean="0">
+                <a:ln>
+                  <a:noFill/>
+                </a:ln>
+                <a:solidFill>
+                  <a:schemeClr val="tx1"/>
+                </a:solidFill>
+                <a:effectLst/>
+                <a:latin typeface="Arial" charset="0"/>
+              </a:rPr>
+              <a:t>Modèle</a:t>
+            </a:r>
+          </a:p>
+          <a:p>
+            <a:pPr marL="0" marR="0" indent="0" algn="ctr" defTabSz="914400" rtl="0" eaLnBrk="1" fontAlgn="base" latinLnBrk="0" hangingPunct="1">
+              <a:lnSpc>
+                <a:spcPct val="100000"/>
+              </a:lnSpc>
+              <a:spcBef>
+                <a:spcPct val="0"/>
+              </a:spcBef>
+              <a:spcAft>
+                <a:spcPct val="0"/>
+              </a:spcAft>
+              <a:buClrTx/>
+              <a:buSzTx/>
+              <a:buFontTx/>
+              <a:buNone/>
+              <a:tabLst/>
+            </a:pPr>
+            <a:r>
+              <a:rPr lang="fr-CH" u="none" dirty="0" smtClean="0"/>
+              <a:t>(Jeu)</a:t>
+            </a:r>
+            <a:endParaRPr kumimoji="0" lang="fr-CH" sz="1800" b="0" i="0" u="none" strike="noStrike" cap="none" normalizeH="0" baseline="0" dirty="0" smtClean="0">
+              <a:ln>
+                <a:noFill/>
+              </a:ln>
+              <a:solidFill>
+                <a:schemeClr val="tx1"/>
+              </a:solidFill>
+              <a:effectLst/>
+              <a:latin typeface="Arial" charset="0"/>
+            </a:endParaRPr>
+          </a:p>
+        </p:txBody>
+      </p:sp>
+      <p:sp>
+        <p:nvSpPr>
+          <p:cNvPr id="16" name="Ellipse 15"/>
+          <p:cNvSpPr/>
+          <p:nvPr/>
+        </p:nvSpPr>
+        <p:spPr bwMode="auto">
+          <a:xfrm>
+            <a:off x="1432012" y="1709080"/>
+            <a:ext cx="1692188" cy="936104"/>
+          </a:xfrm>
+          <a:prstGeom prst="ellipse">
+            <a:avLst/>
+          </a:prstGeom>
+          <a:solidFill>
+            <a:schemeClr val="accent1"/>
+          </a:solidFill>
+          <a:ln w="9525" cap="flat" cmpd="sng" algn="ctr">
+            <a:solidFill>
+              <a:schemeClr val="tx1"/>
+            </a:solidFill>
+            <a:prstDash val="solid"/>
+            <a:round/>
+            <a:headEnd type="none" w="med" len="med"/>
+            <a:tailEnd type="none" w="med" len="med"/>
+          </a:ln>
+          <a:effectLst/>
+        </p:spPr>
+        <p:txBody>
+          <a:bodyPr vert="horz" wrap="square" lIns="91440" tIns="45720" rIns="91440" bIns="45720" numCol="1" rtlCol="0" anchor="t" anchorCtr="0" compatLnSpc="1">
+            <a:prstTxWarp prst="textNoShape">
+              <a:avLst/>
+            </a:prstTxWarp>
+          </a:bodyPr>
+          <a:lstStyle/>
+          <a:p>
+            <a:pPr marL="0" marR="0" indent="0" algn="ctr" defTabSz="914400" rtl="0" eaLnBrk="1" fontAlgn="base" latinLnBrk="0" hangingPunct="1">
+              <a:lnSpc>
+                <a:spcPct val="100000"/>
+              </a:lnSpc>
+              <a:spcBef>
+                <a:spcPct val="0"/>
+              </a:spcBef>
+              <a:spcAft>
+                <a:spcPct val="0"/>
+              </a:spcAft>
+              <a:buClrTx/>
+              <a:buSzTx/>
+              <a:buFontTx/>
+              <a:buNone/>
+              <a:tabLst/>
+            </a:pPr>
+            <a:r>
+              <a:rPr kumimoji="0" lang="fr-CH" sz="1800" b="0" i="0" u="none" strike="noStrike" cap="none" normalizeH="0" baseline="0" dirty="0" smtClean="0">
+                <a:ln>
+                  <a:noFill/>
+                </a:ln>
+                <a:solidFill>
+                  <a:schemeClr val="tx1"/>
+                </a:solidFill>
+                <a:effectLst/>
+                <a:latin typeface="Arial" charset="0"/>
+              </a:rPr>
+              <a:t>Ecouteur</a:t>
+            </a:r>
+          </a:p>
+        </p:txBody>
+      </p:sp>
+      <p:sp>
+        <p:nvSpPr>
+          <p:cNvPr id="18" name="Rectangle à coins arrondis 17"/>
+          <p:cNvSpPr/>
+          <p:nvPr/>
+        </p:nvSpPr>
+        <p:spPr bwMode="auto">
+          <a:xfrm>
+            <a:off x="7236296" y="2645184"/>
+            <a:ext cx="1080000" cy="720000"/>
+          </a:xfrm>
+          <a:prstGeom prst="roundRect">
+            <a:avLst/>
+          </a:prstGeom>
+          <a:solidFill>
+            <a:schemeClr val="accent1"/>
+          </a:solidFill>
+          <a:ln w="9525" cap="flat" cmpd="sng" algn="ctr">
+            <a:solidFill>
+              <a:schemeClr val="tx1"/>
+            </a:solidFill>
+            <a:prstDash val="solid"/>
+            <a:round/>
+            <a:headEnd type="none" w="med" len="med"/>
+            <a:tailEnd type="none" w="med" len="med"/>
+          </a:ln>
+          <a:effectLst/>
+        </p:spPr>
+        <p:txBody>
+          <a:bodyPr vert="horz" wrap="square" lIns="91440" tIns="45720" rIns="91440" bIns="45720" numCol="1" rtlCol="0" anchor="t" anchorCtr="0" compatLnSpc="1">
+            <a:prstTxWarp prst="textNoShape">
+              <a:avLst/>
+            </a:prstTxWarp>
+          </a:bodyPr>
+          <a:lstStyle/>
+          <a:p>
+            <a:pPr marL="0" marR="0" indent="0" algn="ctr" defTabSz="914400" rtl="0" eaLnBrk="1" fontAlgn="base" latinLnBrk="0" hangingPunct="1">
+              <a:lnSpc>
+                <a:spcPct val="100000"/>
+              </a:lnSpc>
+              <a:spcBef>
+                <a:spcPct val="0"/>
+              </a:spcBef>
+              <a:spcAft>
+                <a:spcPct val="0"/>
+              </a:spcAft>
+              <a:buClrTx/>
+              <a:buSzTx/>
+              <a:buFontTx/>
+              <a:buNone/>
+              <a:tabLst/>
+            </a:pPr>
+            <a:r>
+              <a:rPr kumimoji="0" lang="fr-CH" sz="1800" b="0" i="0" u="none" strike="noStrike" cap="none" normalizeH="0" baseline="0" dirty="0" smtClean="0">
+                <a:ln>
+                  <a:noFill/>
+                </a:ln>
+                <a:solidFill>
+                  <a:schemeClr val="tx1"/>
+                </a:solidFill>
+                <a:effectLst/>
+                <a:latin typeface="Arial" charset="0"/>
+              </a:rPr>
+              <a:t>Joueur</a:t>
+            </a:r>
+          </a:p>
+        </p:txBody>
+      </p:sp>
+      <p:sp>
+        <p:nvSpPr>
+          <p:cNvPr id="19" name="Rectangle à coins arrondis 18"/>
+          <p:cNvSpPr/>
+          <p:nvPr/>
+        </p:nvSpPr>
+        <p:spPr bwMode="auto">
+          <a:xfrm>
+            <a:off x="7236296" y="3501008"/>
+            <a:ext cx="1080000" cy="720000"/>
+          </a:xfrm>
+          <a:prstGeom prst="roundRect">
+            <a:avLst/>
+          </a:prstGeom>
+          <a:solidFill>
+            <a:schemeClr val="accent1"/>
+          </a:solidFill>
+          <a:ln w="9525" cap="flat" cmpd="sng" algn="ctr">
+            <a:solidFill>
+              <a:schemeClr val="tx1"/>
+            </a:solidFill>
+            <a:prstDash val="solid"/>
+            <a:round/>
+            <a:headEnd type="none" w="med" len="med"/>
+            <a:tailEnd type="none" w="med" len="med"/>
+          </a:ln>
+          <a:effectLst/>
+        </p:spPr>
+        <p:txBody>
+          <a:bodyPr vert="horz" wrap="square" lIns="91440" tIns="45720" rIns="91440" bIns="45720" numCol="1" rtlCol="0" anchor="t" anchorCtr="0" compatLnSpc="1">
+            <a:prstTxWarp prst="textNoShape">
+              <a:avLst/>
+            </a:prstTxWarp>
+          </a:bodyPr>
+          <a:lstStyle/>
+          <a:p>
+            <a:pPr marL="0" marR="0" indent="0" algn="ctr" defTabSz="914400" rtl="0" eaLnBrk="1" fontAlgn="base" latinLnBrk="0" hangingPunct="1">
+              <a:lnSpc>
+                <a:spcPct val="100000"/>
+              </a:lnSpc>
+              <a:spcBef>
+                <a:spcPct val="0"/>
+              </a:spcBef>
+              <a:spcAft>
+                <a:spcPct val="0"/>
+              </a:spcAft>
+              <a:buClrTx/>
+              <a:buSzTx/>
+              <a:buFontTx/>
+              <a:buNone/>
+              <a:tabLst/>
+            </a:pPr>
+            <a:r>
+              <a:rPr kumimoji="0" lang="fr-CH" sz="1800" b="0" i="0" u="none" strike="noStrike" cap="none" normalizeH="0" baseline="0" dirty="0" smtClean="0">
+                <a:ln>
+                  <a:noFill/>
+                </a:ln>
+                <a:solidFill>
+                  <a:schemeClr val="tx1"/>
+                </a:solidFill>
+                <a:effectLst/>
+                <a:latin typeface="Arial" charset="0"/>
+              </a:rPr>
+              <a:t>Joueur</a:t>
+            </a:r>
+          </a:p>
+        </p:txBody>
+      </p:sp>
+      <p:sp>
+        <p:nvSpPr>
+          <p:cNvPr id="20" name="Rectangle à coins arrondis 19"/>
+          <p:cNvSpPr/>
+          <p:nvPr/>
+        </p:nvSpPr>
+        <p:spPr bwMode="auto">
+          <a:xfrm>
+            <a:off x="7236296" y="4365104"/>
+            <a:ext cx="1080000" cy="720000"/>
+          </a:xfrm>
+          <a:prstGeom prst="roundRect">
+            <a:avLst/>
+          </a:prstGeom>
+          <a:solidFill>
+            <a:schemeClr val="accent1"/>
+          </a:solidFill>
+          <a:ln w="9525" cap="flat" cmpd="sng" algn="ctr">
+            <a:solidFill>
+              <a:schemeClr val="tx1"/>
+            </a:solidFill>
+            <a:prstDash val="solid"/>
+            <a:round/>
+            <a:headEnd type="none" w="med" len="med"/>
+            <a:tailEnd type="none" w="med" len="med"/>
+          </a:ln>
+          <a:effectLst/>
+        </p:spPr>
+        <p:txBody>
+          <a:bodyPr vert="horz" wrap="square" lIns="91440" tIns="45720" rIns="91440" bIns="45720" numCol="1" rtlCol="0" anchor="t" anchorCtr="0" compatLnSpc="1">
+            <a:prstTxWarp prst="textNoShape">
+              <a:avLst/>
+            </a:prstTxWarp>
+          </a:bodyPr>
+          <a:lstStyle/>
+          <a:p>
+            <a:pPr marL="0" marR="0" indent="0" algn="ctr" defTabSz="914400" rtl="0" eaLnBrk="1" fontAlgn="base" latinLnBrk="0" hangingPunct="1">
+              <a:lnSpc>
+                <a:spcPct val="100000"/>
+              </a:lnSpc>
+              <a:spcBef>
+                <a:spcPct val="0"/>
+              </a:spcBef>
+              <a:spcAft>
+                <a:spcPct val="0"/>
+              </a:spcAft>
+              <a:buClrTx/>
+              <a:buSzTx/>
+              <a:buFontTx/>
+              <a:buNone/>
+              <a:tabLst/>
+            </a:pPr>
+            <a:r>
+              <a:rPr kumimoji="0" lang="fr-CH" sz="1800" b="0" i="0" u="none" strike="noStrike" cap="none" normalizeH="0" baseline="0" dirty="0" smtClean="0">
+                <a:ln>
+                  <a:noFill/>
+                </a:ln>
+                <a:solidFill>
+                  <a:schemeClr val="tx1"/>
+                </a:solidFill>
+                <a:effectLst/>
+                <a:latin typeface="Arial" charset="0"/>
+              </a:rPr>
+              <a:t>Joueur</a:t>
+            </a:r>
+          </a:p>
+        </p:txBody>
+      </p:sp>
+      <p:sp>
+        <p:nvSpPr>
+          <p:cNvPr id="21" name="Rectangle 20"/>
+          <p:cNvSpPr/>
+          <p:nvPr/>
+        </p:nvSpPr>
+        <p:spPr bwMode="auto">
+          <a:xfrm>
+            <a:off x="5688124" y="1772784"/>
+            <a:ext cx="216024" cy="3402370"/>
+          </a:xfrm>
+          <a:prstGeom prst="rect">
+            <a:avLst/>
+          </a:prstGeom>
+          <a:solidFill>
+            <a:schemeClr val="accent1"/>
+          </a:solidFill>
+          <a:ln w="9525" cap="flat" cmpd="sng" algn="ctr">
+            <a:solidFill>
+              <a:schemeClr val="tx1"/>
+            </a:solidFill>
+            <a:prstDash val="solid"/>
+            <a:round/>
+            <a:headEnd type="none" w="med" len="med"/>
+            <a:tailEnd type="none" w="med" len="med"/>
+          </a:ln>
+          <a:effectLst/>
+        </p:spPr>
+        <p:txBody>
+          <a:bodyPr vert="horz" wrap="square" lIns="91440" tIns="45720" rIns="91440" bIns="45720" numCol="1" rtlCol="0" anchor="t" anchorCtr="0" compatLnSpc="1">
+            <a:prstTxWarp prst="textNoShape">
+              <a:avLst/>
+            </a:prstTxWarp>
+          </a:bodyPr>
+          <a:lstStyle/>
+          <a:p>
+            <a:pPr marL="0" marR="0" indent="0" algn="l" defTabSz="914400" rtl="0" eaLnBrk="1" fontAlgn="base" latinLnBrk="0" hangingPunct="1">
+              <a:lnSpc>
+                <a:spcPct val="100000"/>
+              </a:lnSpc>
+              <a:spcBef>
+                <a:spcPct val="0"/>
+              </a:spcBef>
+              <a:spcAft>
+                <a:spcPct val="0"/>
+              </a:spcAft>
+              <a:buClrTx/>
+              <a:buSzTx/>
+              <a:buFontTx/>
+              <a:buNone/>
+              <a:tabLst/>
+            </a:pPr>
+            <a:endParaRPr kumimoji="0" lang="fr-CH" sz="1800" b="0" i="0" u="sng" strike="noStrike" cap="none" normalizeH="0" baseline="0" smtClean="0">
+              <a:ln>
+                <a:noFill/>
+              </a:ln>
+              <a:solidFill>
+                <a:schemeClr val="tx1"/>
+              </a:solidFill>
+              <a:effectLst/>
+              <a:latin typeface="Arial" charset="0"/>
+            </a:endParaRPr>
+          </a:p>
+        </p:txBody>
+      </p:sp>
+      <p:grpSp>
+        <p:nvGrpSpPr>
+          <p:cNvPr id="3" name="Groupe 24"/>
+          <p:cNvGrpSpPr/>
+          <p:nvPr/>
+        </p:nvGrpSpPr>
+        <p:grpSpPr>
+          <a:xfrm>
+            <a:off x="6048164" y="2754709"/>
+            <a:ext cx="1116124" cy="530275"/>
+            <a:chOff x="827584" y="2240868"/>
+            <a:chExt cx="1116124" cy="530275"/>
+          </a:xfrm>
+        </p:grpSpPr>
+        <p:sp>
+          <p:nvSpPr>
+            <p:cNvPr id="26" name="Flèche droite 25"/>
+            <p:cNvSpPr/>
+            <p:nvPr/>
+          </p:nvSpPr>
+          <p:spPr bwMode="auto">
+            <a:xfrm>
+              <a:off x="827584" y="2240868"/>
+              <a:ext cx="1116124" cy="251916"/>
+            </a:xfrm>
+            <a:prstGeom prst="rightArrow">
+              <a:avLst/>
+            </a:prstGeom>
+            <a:solidFill>
+              <a:schemeClr val="accent1"/>
+            </a:solidFill>
+            <a:ln w="9525" cap="flat" cmpd="sng" algn="ctr">
+              <a:solidFill>
+                <a:schemeClr val="tx1"/>
+              </a:solidFill>
+              <a:prstDash val="solid"/>
+              <a:round/>
+              <a:headEnd type="none" w="med" len="med"/>
+              <a:tailEnd type="none" w="med" len="med"/>
+            </a:ln>
+            <a:effectLst/>
+          </p:spPr>
+          <p:txBody>
+            <a:bodyPr vert="horz" wrap="square" lIns="91440" tIns="45720" rIns="91440" bIns="45720" numCol="1" rtlCol="0" anchor="t" anchorCtr="0" compatLnSpc="1">
+              <a:prstTxWarp prst="textNoShape">
+                <a:avLst/>
+              </a:prstTxWarp>
+            </a:bodyPr>
+            <a:lstStyle/>
+            <a:p>
+              <a:pPr marL="0" marR="0" indent="0" algn="l" defTabSz="914400" rtl="0" eaLnBrk="1" fontAlgn="base" latinLnBrk="0" hangingPunct="1">
+                <a:lnSpc>
+                  <a:spcPct val="100000"/>
+                </a:lnSpc>
+                <a:spcBef>
+                  <a:spcPct val="0"/>
+                </a:spcBef>
+                <a:spcAft>
+                  <a:spcPct val="0"/>
+                </a:spcAft>
+                <a:buClrTx/>
+                <a:buSzTx/>
+                <a:buFontTx/>
+                <a:buNone/>
+                <a:tabLst/>
+              </a:pPr>
+              <a:endParaRPr kumimoji="0" lang="fr-CH" sz="1800" b="0" i="0" u="sng" strike="noStrike" cap="none" normalizeH="0" baseline="0" smtClean="0">
+                <a:ln>
+                  <a:noFill/>
+                </a:ln>
+                <a:solidFill>
+                  <a:schemeClr val="tx1"/>
+                </a:solidFill>
+                <a:effectLst/>
+                <a:latin typeface="Arial" charset="0"/>
+              </a:endParaRPr>
+            </a:p>
+          </p:txBody>
+        </p:sp>
+        <p:sp>
+          <p:nvSpPr>
+            <p:cNvPr id="27" name="Flèche droite 26"/>
+            <p:cNvSpPr/>
+            <p:nvPr/>
+          </p:nvSpPr>
+          <p:spPr bwMode="auto">
+            <a:xfrm rot="10800000">
+              <a:off x="827584" y="2519227"/>
+              <a:ext cx="1116124" cy="251916"/>
+            </a:xfrm>
+            <a:prstGeom prst="rightArrow">
+              <a:avLst/>
+            </a:prstGeom>
+            <a:solidFill>
+              <a:schemeClr val="accent1"/>
+            </a:solidFill>
+            <a:ln w="9525" cap="flat" cmpd="sng" algn="ctr">
+              <a:solidFill>
+                <a:schemeClr val="tx1"/>
+              </a:solidFill>
+              <a:prstDash val="solid"/>
+              <a:round/>
+              <a:headEnd type="none" w="med" len="med"/>
+              <a:tailEnd type="none" w="med" len="med"/>
+            </a:ln>
+            <a:effectLst/>
+          </p:spPr>
+          <p:txBody>
+            <a:bodyPr vert="horz" wrap="square" lIns="91440" tIns="45720" rIns="91440" bIns="45720" numCol="1" rtlCol="0" anchor="t" anchorCtr="0" compatLnSpc="1">
+              <a:prstTxWarp prst="textNoShape">
+                <a:avLst/>
+              </a:prstTxWarp>
+            </a:bodyPr>
+            <a:lstStyle/>
+            <a:p>
+              <a:pPr marL="0" marR="0" indent="0" algn="l" defTabSz="914400" rtl="0" eaLnBrk="1" fontAlgn="base" latinLnBrk="0" hangingPunct="1">
+                <a:lnSpc>
+                  <a:spcPct val="100000"/>
+                </a:lnSpc>
+                <a:spcBef>
+                  <a:spcPct val="0"/>
+                </a:spcBef>
+                <a:spcAft>
+                  <a:spcPct val="0"/>
+                </a:spcAft>
+                <a:buClrTx/>
+                <a:buSzTx/>
+                <a:buFontTx/>
+                <a:buNone/>
+                <a:tabLst/>
+              </a:pPr>
+              <a:endParaRPr kumimoji="0" lang="fr-CH" sz="1800" b="0" i="0" u="sng" strike="noStrike" cap="none" normalizeH="0" baseline="0" smtClean="0">
+                <a:ln>
+                  <a:noFill/>
+                </a:ln>
+                <a:solidFill>
+                  <a:schemeClr val="tx1"/>
+                </a:solidFill>
+                <a:effectLst/>
+                <a:latin typeface="Arial" charset="0"/>
+              </a:endParaRPr>
+            </a:p>
+          </p:txBody>
+        </p:sp>
+      </p:grpSp>
+      <p:grpSp>
+        <p:nvGrpSpPr>
+          <p:cNvPr id="5" name="Groupe 27"/>
+          <p:cNvGrpSpPr/>
+          <p:nvPr/>
+        </p:nvGrpSpPr>
+        <p:grpSpPr>
+          <a:xfrm>
+            <a:off x="6012160" y="3609020"/>
+            <a:ext cx="1116124" cy="530275"/>
+            <a:chOff x="827584" y="2240868"/>
+            <a:chExt cx="1116124" cy="530275"/>
+          </a:xfrm>
+        </p:grpSpPr>
+        <p:sp>
+          <p:nvSpPr>
+            <p:cNvPr id="29" name="Flèche droite 28"/>
+            <p:cNvSpPr/>
+            <p:nvPr/>
+          </p:nvSpPr>
+          <p:spPr bwMode="auto">
+            <a:xfrm>
+              <a:off x="827584" y="2240868"/>
+              <a:ext cx="1116124" cy="251916"/>
+            </a:xfrm>
+            <a:prstGeom prst="rightArrow">
+              <a:avLst/>
+            </a:prstGeom>
+            <a:solidFill>
+              <a:schemeClr val="accent1"/>
+            </a:solidFill>
+            <a:ln w="9525" cap="flat" cmpd="sng" algn="ctr">
+              <a:solidFill>
+                <a:schemeClr val="tx1"/>
+              </a:solidFill>
+              <a:prstDash val="solid"/>
+              <a:round/>
+              <a:headEnd type="none" w="med" len="med"/>
+              <a:tailEnd type="none" w="med" len="med"/>
+            </a:ln>
+            <a:effectLst/>
+          </p:spPr>
+          <p:txBody>
+            <a:bodyPr vert="horz" wrap="square" lIns="91440" tIns="45720" rIns="91440" bIns="45720" numCol="1" rtlCol="0" anchor="t" anchorCtr="0" compatLnSpc="1">
+              <a:prstTxWarp prst="textNoShape">
+                <a:avLst/>
+              </a:prstTxWarp>
+            </a:bodyPr>
+            <a:lstStyle/>
+            <a:p>
+              <a:pPr marL="0" marR="0" indent="0" algn="l" defTabSz="914400" rtl="0" eaLnBrk="1" fontAlgn="base" latinLnBrk="0" hangingPunct="1">
+                <a:lnSpc>
+                  <a:spcPct val="100000"/>
+                </a:lnSpc>
+                <a:spcBef>
+                  <a:spcPct val="0"/>
+                </a:spcBef>
+                <a:spcAft>
+                  <a:spcPct val="0"/>
+                </a:spcAft>
+                <a:buClrTx/>
+                <a:buSzTx/>
+                <a:buFontTx/>
+                <a:buNone/>
+                <a:tabLst/>
+              </a:pPr>
+              <a:endParaRPr kumimoji="0" lang="fr-CH" sz="1800" b="0" i="0" u="sng" strike="noStrike" cap="none" normalizeH="0" baseline="0" smtClean="0">
+                <a:ln>
+                  <a:noFill/>
+                </a:ln>
+                <a:solidFill>
+                  <a:schemeClr val="tx1"/>
+                </a:solidFill>
+                <a:effectLst/>
+                <a:latin typeface="Arial" charset="0"/>
+              </a:endParaRPr>
+            </a:p>
+          </p:txBody>
+        </p:sp>
+        <p:sp>
+          <p:nvSpPr>
+            <p:cNvPr id="30" name="Flèche droite 29"/>
+            <p:cNvSpPr/>
+            <p:nvPr/>
+          </p:nvSpPr>
+          <p:spPr bwMode="auto">
+            <a:xfrm rot="10800000">
+              <a:off x="827584" y="2519227"/>
+              <a:ext cx="1116124" cy="251916"/>
+            </a:xfrm>
+            <a:prstGeom prst="rightArrow">
+              <a:avLst/>
+            </a:prstGeom>
+            <a:solidFill>
+              <a:schemeClr val="accent1"/>
+            </a:solidFill>
+            <a:ln w="9525" cap="flat" cmpd="sng" algn="ctr">
+              <a:solidFill>
+                <a:schemeClr val="tx1"/>
+              </a:solidFill>
+              <a:prstDash val="solid"/>
+              <a:round/>
+              <a:headEnd type="none" w="med" len="med"/>
+              <a:tailEnd type="none" w="med" len="med"/>
+            </a:ln>
+            <a:effectLst/>
+          </p:spPr>
+          <p:txBody>
+            <a:bodyPr vert="horz" wrap="square" lIns="91440" tIns="45720" rIns="91440" bIns="45720" numCol="1" rtlCol="0" anchor="t" anchorCtr="0" compatLnSpc="1">
+              <a:prstTxWarp prst="textNoShape">
+                <a:avLst/>
+              </a:prstTxWarp>
+            </a:bodyPr>
+            <a:lstStyle/>
+            <a:p>
+              <a:pPr marL="0" marR="0" indent="0" algn="l" defTabSz="914400" rtl="0" eaLnBrk="1" fontAlgn="base" latinLnBrk="0" hangingPunct="1">
+                <a:lnSpc>
+                  <a:spcPct val="100000"/>
+                </a:lnSpc>
+                <a:spcBef>
+                  <a:spcPct val="0"/>
+                </a:spcBef>
+                <a:spcAft>
+                  <a:spcPct val="0"/>
+                </a:spcAft>
+                <a:buClrTx/>
+                <a:buSzTx/>
+                <a:buFontTx/>
+                <a:buNone/>
+                <a:tabLst/>
+              </a:pPr>
+              <a:endParaRPr kumimoji="0" lang="fr-CH" sz="1800" b="0" i="0" u="sng" strike="noStrike" cap="none" normalizeH="0" baseline="0" smtClean="0">
+                <a:ln>
+                  <a:noFill/>
+                </a:ln>
+                <a:solidFill>
+                  <a:schemeClr val="tx1"/>
+                </a:solidFill>
+                <a:effectLst/>
+                <a:latin typeface="Arial" charset="0"/>
+              </a:endParaRPr>
+            </a:p>
+          </p:txBody>
+        </p:sp>
+      </p:grpSp>
+      <p:grpSp>
+        <p:nvGrpSpPr>
+          <p:cNvPr id="9" name="Groupe 30"/>
+          <p:cNvGrpSpPr/>
+          <p:nvPr/>
+        </p:nvGrpSpPr>
+        <p:grpSpPr>
+          <a:xfrm>
+            <a:off x="6012160" y="4473116"/>
+            <a:ext cx="1116124" cy="530275"/>
+            <a:chOff x="827584" y="2240868"/>
+            <a:chExt cx="1116124" cy="530275"/>
+          </a:xfrm>
+        </p:grpSpPr>
+        <p:sp>
+          <p:nvSpPr>
+            <p:cNvPr id="32" name="Flèche droite 31"/>
+            <p:cNvSpPr/>
+            <p:nvPr/>
+          </p:nvSpPr>
+          <p:spPr bwMode="auto">
+            <a:xfrm>
+              <a:off x="827584" y="2240868"/>
+              <a:ext cx="1116124" cy="251916"/>
+            </a:xfrm>
+            <a:prstGeom prst="rightArrow">
+              <a:avLst/>
+            </a:prstGeom>
+            <a:solidFill>
+              <a:schemeClr val="accent1"/>
+            </a:solidFill>
+            <a:ln w="9525" cap="flat" cmpd="sng" algn="ctr">
+              <a:solidFill>
+                <a:schemeClr val="tx1"/>
+              </a:solidFill>
+              <a:prstDash val="solid"/>
+              <a:round/>
+              <a:headEnd type="none" w="med" len="med"/>
+              <a:tailEnd type="none" w="med" len="med"/>
+            </a:ln>
+            <a:effectLst/>
+          </p:spPr>
+          <p:txBody>
+            <a:bodyPr vert="horz" wrap="square" lIns="91440" tIns="45720" rIns="91440" bIns="45720" numCol="1" rtlCol="0" anchor="t" anchorCtr="0" compatLnSpc="1">
+              <a:prstTxWarp prst="textNoShape">
+                <a:avLst/>
+              </a:prstTxWarp>
+            </a:bodyPr>
+            <a:lstStyle/>
+            <a:p>
+              <a:pPr marL="0" marR="0" indent="0" algn="l" defTabSz="914400" rtl="0" eaLnBrk="1" fontAlgn="base" latinLnBrk="0" hangingPunct="1">
+                <a:lnSpc>
+                  <a:spcPct val="100000"/>
+                </a:lnSpc>
+                <a:spcBef>
+                  <a:spcPct val="0"/>
+                </a:spcBef>
+                <a:spcAft>
+                  <a:spcPct val="0"/>
+                </a:spcAft>
+                <a:buClrTx/>
+                <a:buSzTx/>
+                <a:buFontTx/>
+                <a:buNone/>
+                <a:tabLst/>
+              </a:pPr>
+              <a:endParaRPr kumimoji="0" lang="fr-CH" sz="1800" b="0" i="0" u="sng" strike="noStrike" cap="none" normalizeH="0" baseline="0" smtClean="0">
+                <a:ln>
+                  <a:noFill/>
+                </a:ln>
+                <a:solidFill>
+                  <a:schemeClr val="tx1"/>
+                </a:solidFill>
+                <a:effectLst/>
+                <a:latin typeface="Arial" charset="0"/>
+              </a:endParaRPr>
+            </a:p>
+          </p:txBody>
+        </p:sp>
+        <p:sp>
+          <p:nvSpPr>
+            <p:cNvPr id="33" name="Flèche droite 32"/>
+            <p:cNvSpPr/>
+            <p:nvPr/>
+          </p:nvSpPr>
+          <p:spPr bwMode="auto">
+            <a:xfrm rot="10800000">
+              <a:off x="827584" y="2519227"/>
+              <a:ext cx="1116124" cy="251916"/>
+            </a:xfrm>
+            <a:prstGeom prst="rightArrow">
+              <a:avLst/>
+            </a:prstGeom>
+            <a:solidFill>
+              <a:schemeClr val="accent1"/>
+            </a:solidFill>
+            <a:ln w="9525" cap="flat" cmpd="sng" algn="ctr">
+              <a:solidFill>
+                <a:schemeClr val="tx1"/>
+              </a:solidFill>
+              <a:prstDash val="solid"/>
+              <a:round/>
+              <a:headEnd type="none" w="med" len="med"/>
+              <a:tailEnd type="none" w="med" len="med"/>
+            </a:ln>
+            <a:effectLst/>
+          </p:spPr>
+          <p:txBody>
+            <a:bodyPr vert="horz" wrap="square" lIns="91440" tIns="45720" rIns="91440" bIns="45720" numCol="1" rtlCol="0" anchor="t" anchorCtr="0" compatLnSpc="1">
+              <a:prstTxWarp prst="textNoShape">
+                <a:avLst/>
+              </a:prstTxWarp>
+            </a:bodyPr>
+            <a:lstStyle/>
+            <a:p>
+              <a:pPr marL="0" marR="0" indent="0" algn="l" defTabSz="914400" rtl="0" eaLnBrk="1" fontAlgn="base" latinLnBrk="0" hangingPunct="1">
+                <a:lnSpc>
+                  <a:spcPct val="100000"/>
+                </a:lnSpc>
+                <a:spcBef>
+                  <a:spcPct val="0"/>
+                </a:spcBef>
+                <a:spcAft>
+                  <a:spcPct val="0"/>
+                </a:spcAft>
+                <a:buClrTx/>
+                <a:buSzTx/>
+                <a:buFontTx/>
+                <a:buNone/>
+                <a:tabLst/>
+              </a:pPr>
+              <a:endParaRPr kumimoji="0" lang="fr-CH" sz="1800" b="0" i="0" u="sng" strike="noStrike" cap="none" normalizeH="0" baseline="0" smtClean="0">
+                <a:ln>
+                  <a:noFill/>
+                </a:ln>
+                <a:solidFill>
+                  <a:schemeClr val="tx1"/>
+                </a:solidFill>
+                <a:effectLst/>
+                <a:latin typeface="Arial" charset="0"/>
+              </a:endParaRPr>
+            </a:p>
+          </p:txBody>
+        </p:sp>
+      </p:grpSp>
+      <p:sp>
+        <p:nvSpPr>
+          <p:cNvPr id="37" name="Rectangle à coins arrondis 36"/>
+          <p:cNvSpPr/>
+          <p:nvPr/>
+        </p:nvSpPr>
+        <p:spPr bwMode="auto">
+          <a:xfrm>
+            <a:off x="2951820" y="3006625"/>
+            <a:ext cx="1393794" cy="773974"/>
+          </a:xfrm>
+          <a:prstGeom prst="roundRect">
+            <a:avLst/>
+          </a:prstGeom>
+          <a:solidFill>
+            <a:schemeClr val="accent1"/>
+          </a:solidFill>
+          <a:ln w="9525" cap="flat" cmpd="sng" algn="ctr">
+            <a:solidFill>
+              <a:schemeClr val="tx1"/>
+            </a:solidFill>
+            <a:prstDash val="solid"/>
+            <a:round/>
+            <a:headEnd type="none" w="med" len="med"/>
+            <a:tailEnd type="none" w="med" len="med"/>
+          </a:ln>
+          <a:effectLst/>
+        </p:spPr>
+        <p:txBody>
+          <a:bodyPr vert="horz" wrap="square" lIns="91440" tIns="45720" rIns="91440" bIns="45720" numCol="1" rtlCol="0" anchor="t" anchorCtr="0" compatLnSpc="1">
+            <a:prstTxWarp prst="textNoShape">
+              <a:avLst/>
+            </a:prstTxWarp>
+          </a:bodyPr>
+          <a:lstStyle/>
+          <a:p>
+            <a:pPr marL="0" marR="0" indent="0" algn="ctr" defTabSz="914400" rtl="0" eaLnBrk="1" fontAlgn="base" latinLnBrk="0" hangingPunct="1">
+              <a:lnSpc>
+                <a:spcPct val="100000"/>
+              </a:lnSpc>
+              <a:spcBef>
+                <a:spcPct val="0"/>
+              </a:spcBef>
+              <a:spcAft>
+                <a:spcPct val="0"/>
+              </a:spcAft>
+              <a:buClrTx/>
+              <a:buSzTx/>
+              <a:buFontTx/>
+              <a:buNone/>
+              <a:tabLst/>
+            </a:pPr>
+            <a:r>
+              <a:rPr kumimoji="0" lang="fr-CH" sz="1800" b="0" i="0" u="none" strike="noStrike" cap="none" normalizeH="0" baseline="0" dirty="0" smtClean="0">
+                <a:ln>
+                  <a:noFill/>
+                </a:ln>
+                <a:solidFill>
+                  <a:schemeClr val="tx1"/>
+                </a:solidFill>
+                <a:effectLst/>
+                <a:latin typeface="Arial" charset="0"/>
+              </a:rPr>
+              <a:t>Serveur</a:t>
+            </a:r>
+          </a:p>
+        </p:txBody>
+      </p:sp>
+      <p:sp>
+        <p:nvSpPr>
+          <p:cNvPr id="38" name="Flèche vers le bas 37"/>
+          <p:cNvSpPr/>
+          <p:nvPr/>
+        </p:nvSpPr>
+        <p:spPr bwMode="auto">
+          <a:xfrm>
+            <a:off x="2123728" y="2754709"/>
+            <a:ext cx="288032" cy="1106227"/>
+          </a:xfrm>
+          <a:prstGeom prst="downArrow">
+            <a:avLst/>
+          </a:prstGeom>
+          <a:solidFill>
+            <a:schemeClr val="accent1"/>
+          </a:solidFill>
+          <a:ln w="9525" cap="flat" cmpd="sng" algn="ctr">
+            <a:solidFill>
+              <a:schemeClr val="tx1"/>
+            </a:solidFill>
+            <a:prstDash val="solid"/>
+            <a:round/>
+            <a:headEnd type="none" w="med" len="med"/>
+            <a:tailEnd type="none" w="med" len="med"/>
+          </a:ln>
+          <a:effectLst/>
+        </p:spPr>
+        <p:txBody>
+          <a:bodyPr vert="horz" wrap="square" lIns="91440" tIns="45720" rIns="91440" bIns="45720" numCol="1" rtlCol="0" anchor="t" anchorCtr="0" compatLnSpc="1">
+            <a:prstTxWarp prst="textNoShape">
+              <a:avLst/>
+            </a:prstTxWarp>
+          </a:bodyPr>
+          <a:lstStyle/>
+          <a:p>
+            <a:pPr marL="0" marR="0" indent="0" algn="l" defTabSz="914400" rtl="0" eaLnBrk="1" fontAlgn="base" latinLnBrk="0" hangingPunct="1">
+              <a:lnSpc>
+                <a:spcPct val="100000"/>
+              </a:lnSpc>
+              <a:spcBef>
+                <a:spcPct val="0"/>
+              </a:spcBef>
+              <a:spcAft>
+                <a:spcPct val="0"/>
+              </a:spcAft>
+              <a:buClrTx/>
+              <a:buSzTx/>
+              <a:buFontTx/>
+              <a:buNone/>
+              <a:tabLst/>
+            </a:pPr>
+            <a:endParaRPr kumimoji="0" lang="fr-CH" sz="1800" b="0" i="0" u="sng" strike="noStrike" cap="none" normalizeH="0" baseline="0" smtClean="0">
+              <a:ln>
+                <a:noFill/>
+              </a:ln>
+              <a:solidFill>
+                <a:schemeClr val="tx1"/>
+              </a:solidFill>
+              <a:effectLst/>
+              <a:latin typeface="Arial" charset="0"/>
+            </a:endParaRPr>
+          </a:p>
+        </p:txBody>
+      </p:sp>
+      <p:sp>
+        <p:nvSpPr>
+          <p:cNvPr id="39" name="Flèche droite 38"/>
+          <p:cNvSpPr/>
+          <p:nvPr/>
+        </p:nvSpPr>
+        <p:spPr bwMode="auto">
+          <a:xfrm>
+            <a:off x="3239852" y="2060960"/>
+            <a:ext cx="2268252" cy="251916"/>
+          </a:xfrm>
+          <a:prstGeom prst="rightArrow">
+            <a:avLst/>
+          </a:prstGeom>
+          <a:solidFill>
+            <a:schemeClr val="accent1"/>
+          </a:solidFill>
+          <a:ln w="9525" cap="flat" cmpd="sng" algn="ctr">
+            <a:solidFill>
+              <a:schemeClr val="tx1"/>
+            </a:solidFill>
+            <a:prstDash val="solid"/>
+            <a:round/>
+            <a:headEnd type="none" w="med" len="med"/>
+            <a:tailEnd type="none" w="med" len="med"/>
+          </a:ln>
+          <a:effectLst/>
+        </p:spPr>
+        <p:txBody>
+          <a:bodyPr vert="horz" wrap="square" lIns="91440" tIns="45720" rIns="91440" bIns="45720" numCol="1" rtlCol="0" anchor="t" anchorCtr="0" compatLnSpc="1">
+            <a:prstTxWarp prst="textNoShape">
+              <a:avLst/>
+            </a:prstTxWarp>
+          </a:bodyPr>
+          <a:lstStyle/>
+          <a:p>
+            <a:pPr marL="0" marR="0" indent="0" algn="l" defTabSz="914400" rtl="0" eaLnBrk="1" fontAlgn="base" latinLnBrk="0" hangingPunct="1">
+              <a:lnSpc>
+                <a:spcPct val="100000"/>
+              </a:lnSpc>
+              <a:spcBef>
+                <a:spcPct val="0"/>
+              </a:spcBef>
+              <a:spcAft>
+                <a:spcPct val="0"/>
+              </a:spcAft>
+              <a:buClrTx/>
+              <a:buSzTx/>
+              <a:buFontTx/>
+              <a:buNone/>
+              <a:tabLst/>
+            </a:pPr>
+            <a:endParaRPr kumimoji="0" lang="fr-CH" sz="1800" b="0" i="0" u="sng" strike="noStrike" cap="none" normalizeH="0" baseline="0" smtClean="0">
+              <a:ln>
+                <a:noFill/>
+              </a:ln>
+              <a:solidFill>
+                <a:schemeClr val="tx1"/>
+              </a:solidFill>
+              <a:effectLst/>
+              <a:latin typeface="Arial" charset="0"/>
+            </a:endParaRPr>
+          </a:p>
+        </p:txBody>
+      </p:sp>
+      <p:grpSp>
+        <p:nvGrpSpPr>
+          <p:cNvPr id="12" name="Groupe 39"/>
+          <p:cNvGrpSpPr/>
+          <p:nvPr/>
+        </p:nvGrpSpPr>
+        <p:grpSpPr>
+          <a:xfrm>
+            <a:off x="4463988" y="3104964"/>
+            <a:ext cx="1116124" cy="530275"/>
+            <a:chOff x="827584" y="2240868"/>
+            <a:chExt cx="1116124" cy="530275"/>
+          </a:xfrm>
+        </p:grpSpPr>
+        <p:sp>
+          <p:nvSpPr>
+            <p:cNvPr id="41" name="Flèche droite 40"/>
+            <p:cNvSpPr/>
+            <p:nvPr/>
+          </p:nvSpPr>
+          <p:spPr bwMode="auto">
+            <a:xfrm>
+              <a:off x="827584" y="2240868"/>
+              <a:ext cx="1116124" cy="251916"/>
+            </a:xfrm>
+            <a:prstGeom prst="rightArrow">
+              <a:avLst/>
+            </a:prstGeom>
+            <a:solidFill>
+              <a:schemeClr val="accent1"/>
+            </a:solidFill>
+            <a:ln w="9525" cap="flat" cmpd="sng" algn="ctr">
+              <a:solidFill>
+                <a:schemeClr val="tx1"/>
+              </a:solidFill>
+              <a:prstDash val="solid"/>
+              <a:round/>
+              <a:headEnd type="none" w="med" len="med"/>
+              <a:tailEnd type="none" w="med" len="med"/>
+            </a:ln>
+            <a:effectLst/>
+          </p:spPr>
+          <p:txBody>
+            <a:bodyPr vert="horz" wrap="square" lIns="91440" tIns="45720" rIns="91440" bIns="45720" numCol="1" rtlCol="0" anchor="t" anchorCtr="0" compatLnSpc="1">
+              <a:prstTxWarp prst="textNoShape">
+                <a:avLst/>
+              </a:prstTxWarp>
+            </a:bodyPr>
+            <a:lstStyle/>
+            <a:p>
+              <a:pPr marL="0" marR="0" indent="0" algn="l" defTabSz="914400" rtl="0" eaLnBrk="1" fontAlgn="base" latinLnBrk="0" hangingPunct="1">
+                <a:lnSpc>
+                  <a:spcPct val="100000"/>
+                </a:lnSpc>
+                <a:spcBef>
+                  <a:spcPct val="0"/>
+                </a:spcBef>
+                <a:spcAft>
+                  <a:spcPct val="0"/>
+                </a:spcAft>
+                <a:buClrTx/>
+                <a:buSzTx/>
+                <a:buFontTx/>
+                <a:buNone/>
+                <a:tabLst/>
+              </a:pPr>
+              <a:endParaRPr kumimoji="0" lang="fr-CH" sz="1800" b="0" i="0" u="sng" strike="noStrike" cap="none" normalizeH="0" baseline="0" smtClean="0">
+                <a:ln>
+                  <a:noFill/>
+                </a:ln>
+                <a:solidFill>
+                  <a:schemeClr val="tx1"/>
+                </a:solidFill>
+                <a:effectLst/>
+                <a:latin typeface="Arial" charset="0"/>
+              </a:endParaRPr>
+            </a:p>
+          </p:txBody>
+        </p:sp>
+        <p:sp>
+          <p:nvSpPr>
+            <p:cNvPr id="42" name="Flèche droite 41"/>
+            <p:cNvSpPr/>
+            <p:nvPr/>
+          </p:nvSpPr>
+          <p:spPr bwMode="auto">
+            <a:xfrm rot="10800000">
+              <a:off x="827584" y="2519227"/>
+              <a:ext cx="1116124" cy="251916"/>
+            </a:xfrm>
+            <a:prstGeom prst="rightArrow">
+              <a:avLst/>
+            </a:prstGeom>
+            <a:solidFill>
+              <a:schemeClr val="accent1"/>
+            </a:solidFill>
+            <a:ln w="9525" cap="flat" cmpd="sng" algn="ctr">
+              <a:solidFill>
+                <a:schemeClr val="tx1"/>
+              </a:solidFill>
+              <a:prstDash val="solid"/>
+              <a:round/>
+              <a:headEnd type="none" w="med" len="med"/>
+              <a:tailEnd type="none" w="med" len="med"/>
+            </a:ln>
+            <a:effectLst/>
+          </p:spPr>
+          <p:txBody>
+            <a:bodyPr vert="horz" wrap="square" lIns="91440" tIns="45720" rIns="91440" bIns="45720" numCol="1" rtlCol="0" anchor="t" anchorCtr="0" compatLnSpc="1">
+              <a:prstTxWarp prst="textNoShape">
+                <a:avLst/>
+              </a:prstTxWarp>
+            </a:bodyPr>
+            <a:lstStyle/>
+            <a:p>
+              <a:pPr marL="0" marR="0" indent="0" algn="l" defTabSz="914400" rtl="0" eaLnBrk="1" fontAlgn="base" latinLnBrk="0" hangingPunct="1">
+                <a:lnSpc>
+                  <a:spcPct val="100000"/>
+                </a:lnSpc>
+                <a:spcBef>
+                  <a:spcPct val="0"/>
+                </a:spcBef>
+                <a:spcAft>
+                  <a:spcPct val="0"/>
+                </a:spcAft>
+                <a:buClrTx/>
+                <a:buSzTx/>
+                <a:buFontTx/>
+                <a:buNone/>
+                <a:tabLst/>
+              </a:pPr>
+              <a:endParaRPr kumimoji="0" lang="fr-CH" sz="1800" b="0" i="0" u="sng" strike="noStrike" cap="none" normalizeH="0" baseline="0" smtClean="0">
+                <a:ln>
+                  <a:noFill/>
+                </a:ln>
+                <a:solidFill>
+                  <a:schemeClr val="tx1"/>
+                </a:solidFill>
+                <a:effectLst/>
+                <a:latin typeface="Arial" charset="0"/>
+              </a:endParaRPr>
+            </a:p>
+          </p:txBody>
+        </p:sp>
+      </p:grpSp>
+      <p:sp>
+        <p:nvSpPr>
+          <p:cNvPr id="44" name="Flèche angle droit à deux pointes 43"/>
+          <p:cNvSpPr/>
+          <p:nvPr/>
+        </p:nvSpPr>
+        <p:spPr bwMode="auto">
+          <a:xfrm>
+            <a:off x="2951820" y="3860936"/>
+            <a:ext cx="936104" cy="918030"/>
+          </a:xfrm>
+          <a:prstGeom prst="leftUpArrow">
+            <a:avLst>
+              <a:gd name="adj1" fmla="val 8658"/>
+              <a:gd name="adj2" fmla="val 20097"/>
+              <a:gd name="adj3" fmla="val 25000"/>
+            </a:avLst>
+          </a:prstGeom>
+          <a:solidFill>
+            <a:schemeClr val="accent1"/>
+          </a:solidFill>
+          <a:ln w="9525" cap="flat" cmpd="sng" algn="ctr">
+            <a:solidFill>
+              <a:schemeClr val="tx1"/>
+            </a:solidFill>
+            <a:prstDash val="solid"/>
+            <a:round/>
+            <a:headEnd type="none" w="med" len="med"/>
+            <a:tailEnd type="none" w="med" len="med"/>
+          </a:ln>
+          <a:effectLst/>
+        </p:spPr>
+        <p:txBody>
+          <a:bodyPr vert="horz" wrap="square" lIns="91440" tIns="45720" rIns="91440" bIns="45720" numCol="1" rtlCol="0" anchor="t" anchorCtr="0" compatLnSpc="1">
+            <a:prstTxWarp prst="textNoShape">
+              <a:avLst/>
+            </a:prstTxWarp>
+          </a:bodyPr>
+          <a:lstStyle/>
+          <a:p>
+            <a:pPr marL="0" marR="0" indent="0" algn="l" defTabSz="914400" rtl="0" eaLnBrk="1" fontAlgn="base" latinLnBrk="0" hangingPunct="1">
+              <a:lnSpc>
+                <a:spcPct val="100000"/>
+              </a:lnSpc>
+              <a:spcBef>
+                <a:spcPct val="0"/>
+              </a:spcBef>
+              <a:spcAft>
+                <a:spcPct val="0"/>
+              </a:spcAft>
+              <a:buClrTx/>
+              <a:buSzTx/>
+              <a:buFontTx/>
+              <a:buNone/>
+              <a:tabLst/>
+            </a:pPr>
+            <a:endParaRPr kumimoji="0" lang="fr-CH" sz="1800" b="0" i="0" u="sng" strike="noStrike" cap="none" normalizeH="0" baseline="0" smtClean="0">
+              <a:ln>
+                <a:noFill/>
+              </a:ln>
+              <a:solidFill>
+                <a:schemeClr val="tx1"/>
+              </a:solidFill>
+              <a:effectLst/>
+              <a:latin typeface="Arial" charset="0"/>
+            </a:endParaRPr>
+          </a:p>
+        </p:txBody>
+      </p:sp>
+      <p:sp>
+        <p:nvSpPr>
+          <p:cNvPr id="45" name="ZoneTexte 44"/>
+          <p:cNvSpPr txBox="1"/>
+          <p:nvPr/>
+        </p:nvSpPr>
+        <p:spPr>
+          <a:xfrm>
+            <a:off x="4893275" y="5265204"/>
+            <a:ext cx="1838965" cy="369332"/>
+          </a:xfrm>
+          <a:prstGeom prst="rect">
+            <a:avLst/>
+          </a:prstGeom>
+          <a:noFill/>
+        </p:spPr>
+        <p:txBody>
+          <a:bodyPr wrap="none" rtlCol="0">
+            <a:spAutoFit/>
+          </a:bodyPr>
+          <a:lstStyle/>
+          <a:p>
+            <a:r>
+              <a:rPr lang="fr-CH" i="1" u="none" dirty="0" smtClean="0"/>
+              <a:t>Couche Réseau</a:t>
+            </a:r>
+            <a:endParaRPr lang="fr-CH" i="1" u="none" dirty="0"/>
           </a:p>
         </p:txBody>
       </p:sp>

--- a/trunk/documents/v2.0/Presentation final ASD - Tower Defense v2.0.pptx
+++ b/trunk/documents/v2.0/Presentation final ASD - Tower Defense v2.0.pptx
@@ -5,8 +5,11 @@
     <p:sldMasterId id="2147483648" r:id="rId1"/>
   </p:sldMasterIdLst>
   <p:notesMasterIdLst>
-    <p:notesMasterId r:id="rId15"/>
+    <p:notesMasterId r:id="rId16"/>
   </p:notesMasterIdLst>
+  <p:handoutMasterIdLst>
+    <p:handoutMasterId r:id="rId17"/>
+  </p:handoutMasterIdLst>
   <p:sldIdLst>
     <p:sldId id="256" r:id="rId2"/>
     <p:sldId id="257" r:id="rId3"/>
@@ -15,12 +18,13 @@
     <p:sldId id="265" r:id="rId6"/>
     <p:sldId id="266" r:id="rId7"/>
     <p:sldId id="267" r:id="rId8"/>
-    <p:sldId id="269" r:id="rId9"/>
-    <p:sldId id="277" r:id="rId10"/>
-    <p:sldId id="278" r:id="rId11"/>
-    <p:sldId id="270" r:id="rId12"/>
-    <p:sldId id="268" r:id="rId13"/>
-    <p:sldId id="264" r:id="rId14"/>
+    <p:sldId id="279" r:id="rId9"/>
+    <p:sldId id="269" r:id="rId10"/>
+    <p:sldId id="277" r:id="rId11"/>
+    <p:sldId id="278" r:id="rId12"/>
+    <p:sldId id="270" r:id="rId13"/>
+    <p:sldId id="268" r:id="rId14"/>
+    <p:sldId id="264" r:id="rId15"/>
   </p:sldIdLst>
   <p:sldSz cx="9144000" cy="6858000" type="screen4x3"/>
   <p:notesSz cx="6797675" cy="9874250"/>
@@ -152,6 +156,166 @@
 </p:presentation>
 </file>
 
+<file path=ppt/handoutMasters/handoutMaster1.xml><?xml version="1.0" encoding="utf-8"?>
+<p:handoutMaster xmlns:a="http://schemas.openxmlformats.org/drawingml/2006/main" xmlns:r="http://schemas.openxmlformats.org/officeDocument/2006/relationships" xmlns:p="http://schemas.openxmlformats.org/presentationml/2006/main">
+  <p:cSld>
+    <p:bg>
+      <p:bgRef idx="1001">
+        <a:schemeClr val="bg1"/>
+      </p:bgRef>
+    </p:bg>
+    <p:spTree>
+      <p:nvGrpSpPr>
+        <p:cNvPr id="1" name=""/>
+        <p:cNvGrpSpPr/>
+        <p:nvPr/>
+      </p:nvGrpSpPr>
+      <p:grpSpPr>
+        <a:xfrm>
+          <a:off x="0" y="0"/>
+          <a:ext cx="0" cy="0"/>
+          <a:chOff x="0" y="0"/>
+          <a:chExt cx="0" cy="0"/>
+        </a:xfrm>
+      </p:grpSpPr>
+      <p:sp>
+        <p:nvSpPr>
+          <p:cNvPr id="2" name="Espace réservé de l'en-tête 1"/>
+          <p:cNvSpPr>
+            <a:spLocks noGrp="1"/>
+          </p:cNvSpPr>
+          <p:nvPr>
+            <p:ph type="hdr" sz="quarter"/>
+          </p:nvPr>
+        </p:nvSpPr>
+        <p:spPr>
+          <a:xfrm>
+            <a:off x="0" y="0"/>
+            <a:ext cx="2946400" cy="493713"/>
+          </a:xfrm>
+          <a:prstGeom prst="rect">
+            <a:avLst/>
+          </a:prstGeom>
+        </p:spPr>
+        <p:txBody>
+          <a:bodyPr vert="horz" lIns="91440" tIns="45720" rIns="91440" bIns="45720" rtlCol="0"/>
+          <a:lstStyle>
+            <a:lvl1pPr algn="l">
+              <a:defRPr sz="1200"/>
+            </a:lvl1pPr>
+          </a:lstStyle>
+          <a:p>
+            <a:endParaRPr lang="fr-CH"/>
+          </a:p>
+        </p:txBody>
+      </p:sp>
+      <p:sp>
+        <p:nvSpPr>
+          <p:cNvPr id="3" name="Espace réservé de la date 2"/>
+          <p:cNvSpPr>
+            <a:spLocks noGrp="1"/>
+          </p:cNvSpPr>
+          <p:nvPr>
+            <p:ph type="dt" sz="quarter" idx="1"/>
+          </p:nvPr>
+        </p:nvSpPr>
+        <p:spPr>
+          <a:xfrm>
+            <a:off x="3849688" y="0"/>
+            <a:ext cx="2946400" cy="493713"/>
+          </a:xfrm>
+          <a:prstGeom prst="rect">
+            <a:avLst/>
+          </a:prstGeom>
+        </p:spPr>
+        <p:txBody>
+          <a:bodyPr vert="horz" lIns="91440" tIns="45720" rIns="91440" bIns="45720" rtlCol="0"/>
+          <a:lstStyle>
+            <a:lvl1pPr algn="r">
+              <a:defRPr sz="1200"/>
+            </a:lvl1pPr>
+          </a:lstStyle>
+          <a:p>
+            <a:fld id="{D19BDA0B-9CF4-4E2C-A86B-E59A5271373D}" type="datetimeFigureOut">
+              <a:rPr lang="fr-CH" smtClean="0"/>
+              <a:t>11.06.2010</a:t>
+            </a:fld>
+            <a:endParaRPr lang="fr-CH"/>
+          </a:p>
+        </p:txBody>
+      </p:sp>
+      <p:sp>
+        <p:nvSpPr>
+          <p:cNvPr id="4" name="Espace réservé du pied de page 3"/>
+          <p:cNvSpPr>
+            <a:spLocks noGrp="1"/>
+          </p:cNvSpPr>
+          <p:nvPr>
+            <p:ph type="ftr" sz="quarter" idx="2"/>
+          </p:nvPr>
+        </p:nvSpPr>
+        <p:spPr>
+          <a:xfrm>
+            <a:off x="0" y="9378950"/>
+            <a:ext cx="2946400" cy="493713"/>
+          </a:xfrm>
+          <a:prstGeom prst="rect">
+            <a:avLst/>
+          </a:prstGeom>
+        </p:spPr>
+        <p:txBody>
+          <a:bodyPr vert="horz" lIns="91440" tIns="45720" rIns="91440" bIns="45720" rtlCol="0" anchor="b"/>
+          <a:lstStyle>
+            <a:lvl1pPr algn="l">
+              <a:defRPr sz="1200"/>
+            </a:lvl1pPr>
+          </a:lstStyle>
+          <a:p>
+            <a:endParaRPr lang="fr-CH"/>
+          </a:p>
+        </p:txBody>
+      </p:sp>
+      <p:sp>
+        <p:nvSpPr>
+          <p:cNvPr id="5" name="Espace réservé du numéro de diapositive 4"/>
+          <p:cNvSpPr>
+            <a:spLocks noGrp="1"/>
+          </p:cNvSpPr>
+          <p:nvPr>
+            <p:ph type="sldNum" sz="quarter" idx="3"/>
+          </p:nvPr>
+        </p:nvSpPr>
+        <p:spPr>
+          <a:xfrm>
+            <a:off x="3849688" y="9378950"/>
+            <a:ext cx="2946400" cy="493713"/>
+          </a:xfrm>
+          <a:prstGeom prst="rect">
+            <a:avLst/>
+          </a:prstGeom>
+        </p:spPr>
+        <p:txBody>
+          <a:bodyPr vert="horz" lIns="91440" tIns="45720" rIns="91440" bIns="45720" rtlCol="0" anchor="b"/>
+          <a:lstStyle>
+            <a:lvl1pPr algn="r">
+              <a:defRPr sz="1200"/>
+            </a:lvl1pPr>
+          </a:lstStyle>
+          <a:p>
+            <a:fld id="{AA2B24B0-A6B6-4BC4-9512-DE084E2B9CEF}" type="slidenum">
+              <a:rPr lang="fr-CH" smtClean="0"/>
+              <a:t>‹N°›</a:t>
+            </a:fld>
+            <a:endParaRPr lang="fr-CH"/>
+          </a:p>
+        </p:txBody>
+      </p:sp>
+    </p:spTree>
+  </p:cSld>
+  <p:clrMap bg1="lt1" tx1="dk1" bg2="lt2" tx2="dk2" accent1="accent1" accent2="accent2" accent3="accent3" accent4="accent4" accent5="accent5" accent6="accent6" hlink="hlink" folHlink="folHlink"/>
+</p:handoutMaster>
+</file>
+
 <file path=ppt/notesMasters/notesMaster1.xml><?xml version="1.0" encoding="utf-8"?>
 <p:notesMaster xmlns:a="http://schemas.openxmlformats.org/drawingml/2006/main" xmlns:r="http://schemas.openxmlformats.org/officeDocument/2006/relationships" xmlns:p="http://schemas.openxmlformats.org/presentationml/2006/main">
   <p:cSld>
@@ -651,7 +815,7 @@
             <a:fld id="{BA64795F-8A88-462F-B7DA-E81DC07A4301}" type="slidenum">
               <a:rPr lang="fr-CH" smtClean="0"/>
               <a:pPr/>
-              <a:t>9</a:t>
+              <a:t>10</a:t>
             </a:fld>
             <a:endParaRPr lang="fr-CH"/>
           </a:p>
@@ -733,7 +897,7 @@
             <a:fld id="{BA64795F-8A88-462F-B7DA-E81DC07A4301}" type="slidenum">
               <a:rPr lang="fr-CH" smtClean="0"/>
               <a:pPr/>
-              <a:t>10</a:t>
+              <a:t>11</a:t>
             </a:fld>
             <a:endParaRPr lang="fr-CH"/>
           </a:p>
@@ -4747,6 +4911,20 @@
               </a:rPr>
               <a:t>Defense</a:t>
             </a:r>
+            <a:r>
+              <a:rPr lang="fr-CH" sz="2400" b="1" u="none" dirty="0" smtClean="0">
+                <a:solidFill>
+                  <a:schemeClr val="bg1"/>
+                </a:solidFill>
+                <a:effectLst>
+                  <a:outerShdw blurRad="38100" dist="38100" dir="2700000" algn="tl">
+                    <a:srgbClr val="C0C0C0"/>
+                  </a:outerShdw>
+                </a:effectLst>
+                <a:latin typeface="Trebuchet MS" pitchFamily="34" charset="0"/>
+              </a:rPr>
+              <a:t> v2.0</a:t>
+            </a:r>
             <a:endParaRPr lang="fr-FR" sz="2400" b="1" u="none" dirty="0">
               <a:solidFill>
                 <a:schemeClr val="bg1"/>
@@ -4955,7 +5133,7 @@
         </p:nvGrpSpPr>
         <p:grpSpPr>
           <a:xfrm>
-            <a:off x="1043608" y="1881052"/>
+            <a:off x="6012160" y="1854609"/>
             <a:ext cx="1116124" cy="530275"/>
             <a:chOff x="827584" y="2240868"/>
             <a:chExt cx="1116124" cy="530275"/>
@@ -5176,7 +5354,7 @@
                   </a:schemeClr>
                 </a:solidFill>
               </a:rPr>
-              <a:t>/13</a:t>
+              <a:t>/14</a:t>
             </a:r>
             <a:endParaRPr lang="fr-FR" dirty="0">
               <a:solidFill>
@@ -5418,19 +5596,461 @@
       </p:sp>
       <p:sp>
         <p:nvSpPr>
-          <p:cNvPr id="36" name="Ellipse 35"/>
+          <p:cNvPr id="10" name="Rectangle à coins arrondis 9"/>
           <p:cNvSpPr/>
           <p:nvPr/>
         </p:nvSpPr>
         <p:spPr bwMode="auto">
           <a:xfrm>
-            <a:off x="719572" y="1601238"/>
-            <a:ext cx="1801180" cy="1071678"/>
+            <a:off x="7236296" y="1772784"/>
+            <a:ext cx="1080000" cy="720000"/>
+          </a:xfrm>
+          <a:prstGeom prst="roundRect">
+            <a:avLst/>
+          </a:prstGeom>
+          <a:solidFill>
+            <a:schemeClr val="accent1"/>
+          </a:solidFill>
+          <a:ln w="9525" cap="flat" cmpd="sng" algn="ctr">
+            <a:solidFill>
+              <a:schemeClr val="tx1"/>
+            </a:solidFill>
+            <a:prstDash val="solid"/>
+            <a:round/>
+            <a:headEnd type="none" w="med" len="med"/>
+            <a:tailEnd type="none" w="med" len="med"/>
+          </a:ln>
+          <a:effectLst/>
+        </p:spPr>
+        <p:txBody>
+          <a:bodyPr vert="horz" wrap="square" lIns="91440" tIns="45720" rIns="91440" bIns="45720" numCol="1" rtlCol="0" anchor="t" anchorCtr="0" compatLnSpc="1">
+            <a:prstTxWarp prst="textNoShape">
+              <a:avLst/>
+            </a:prstTxWarp>
+          </a:bodyPr>
+          <a:lstStyle/>
+          <a:p>
+            <a:pPr marL="0" marR="0" indent="0" algn="ctr" defTabSz="914400" rtl="0" eaLnBrk="1" fontAlgn="base" latinLnBrk="0" hangingPunct="1">
+              <a:lnSpc>
+                <a:spcPct val="100000"/>
+              </a:lnSpc>
+              <a:spcBef>
+                <a:spcPct val="0"/>
+              </a:spcBef>
+              <a:spcAft>
+                <a:spcPct val="0"/>
+              </a:spcAft>
+              <a:buClrTx/>
+              <a:buSzTx/>
+              <a:buFontTx/>
+              <a:buNone/>
+              <a:tabLst/>
+            </a:pPr>
+            <a:r>
+              <a:rPr kumimoji="0" lang="fr-CH" sz="1800" b="0" i="0" u="none" strike="noStrike" cap="none" normalizeH="0" baseline="0" dirty="0" smtClean="0">
+                <a:ln>
+                  <a:noFill/>
+                </a:ln>
+                <a:solidFill>
+                  <a:schemeClr val="tx1"/>
+                </a:solidFill>
+                <a:effectLst/>
+                <a:latin typeface="Arial" charset="0"/>
+              </a:rPr>
+              <a:t>Joueur</a:t>
+            </a:r>
+          </a:p>
+        </p:txBody>
+      </p:sp>
+      <p:sp>
+        <p:nvSpPr>
+          <p:cNvPr id="15" name="Rectangle à coins arrondis 14"/>
+          <p:cNvSpPr/>
+          <p:nvPr/>
+        </p:nvSpPr>
+        <p:spPr bwMode="auto">
+          <a:xfrm>
+            <a:off x="1738046" y="3951058"/>
+            <a:ext cx="1080120" cy="1044116"/>
+          </a:xfrm>
+          <a:prstGeom prst="roundRect">
+            <a:avLst/>
+          </a:prstGeom>
+          <a:solidFill>
+            <a:schemeClr val="accent1"/>
+          </a:solidFill>
+          <a:ln w="9525" cap="flat" cmpd="sng" algn="ctr">
+            <a:solidFill>
+              <a:schemeClr val="tx1"/>
+            </a:solidFill>
+            <a:prstDash val="solid"/>
+            <a:round/>
+            <a:headEnd type="none" w="med" len="med"/>
+            <a:tailEnd type="none" w="med" len="med"/>
+          </a:ln>
+          <a:effectLst/>
+        </p:spPr>
+        <p:txBody>
+          <a:bodyPr vert="horz" wrap="square" lIns="91440" tIns="45720" rIns="91440" bIns="45720" numCol="1" rtlCol="0" anchor="t" anchorCtr="0" compatLnSpc="1">
+            <a:prstTxWarp prst="textNoShape">
+              <a:avLst/>
+            </a:prstTxWarp>
+          </a:bodyPr>
+          <a:lstStyle/>
+          <a:p>
+            <a:pPr marL="0" marR="0" indent="0" algn="ctr" defTabSz="914400" rtl="0" eaLnBrk="1" fontAlgn="base" latinLnBrk="0" hangingPunct="1">
+              <a:lnSpc>
+                <a:spcPct val="100000"/>
+              </a:lnSpc>
+              <a:spcBef>
+                <a:spcPct val="0"/>
+              </a:spcBef>
+              <a:spcAft>
+                <a:spcPct val="0"/>
+              </a:spcAft>
+              <a:buClrTx/>
+              <a:buSzTx/>
+              <a:buFontTx/>
+              <a:buNone/>
+              <a:tabLst/>
+            </a:pPr>
+            <a:r>
+              <a:rPr kumimoji="0" lang="fr-CH" sz="1800" b="0" i="0" u="none" strike="noStrike" cap="none" normalizeH="0" baseline="0" dirty="0" smtClean="0">
+                <a:ln>
+                  <a:noFill/>
+                </a:ln>
+                <a:solidFill>
+                  <a:schemeClr val="tx1"/>
+                </a:solidFill>
+                <a:effectLst/>
+                <a:latin typeface="Arial" charset="0"/>
+              </a:rPr>
+              <a:t>Modèle</a:t>
+            </a:r>
+          </a:p>
+          <a:p>
+            <a:pPr marL="0" marR="0" indent="0" algn="ctr" defTabSz="914400" rtl="0" eaLnBrk="1" fontAlgn="base" latinLnBrk="0" hangingPunct="1">
+              <a:lnSpc>
+                <a:spcPct val="100000"/>
+              </a:lnSpc>
+              <a:spcBef>
+                <a:spcPct val="0"/>
+              </a:spcBef>
+              <a:spcAft>
+                <a:spcPct val="0"/>
+              </a:spcAft>
+              <a:buClrTx/>
+              <a:buSzTx/>
+              <a:buFontTx/>
+              <a:buNone/>
+              <a:tabLst/>
+            </a:pPr>
+            <a:r>
+              <a:rPr lang="fr-CH" u="none" dirty="0" smtClean="0"/>
+              <a:t>(Jeu)</a:t>
+            </a:r>
+            <a:endParaRPr kumimoji="0" lang="fr-CH" sz="1800" b="0" i="0" u="none" strike="noStrike" cap="none" normalizeH="0" baseline="0" dirty="0" smtClean="0">
+              <a:ln>
+                <a:noFill/>
+              </a:ln>
+              <a:solidFill>
+                <a:schemeClr val="tx1"/>
+              </a:solidFill>
+              <a:effectLst/>
+              <a:latin typeface="Arial" charset="0"/>
+            </a:endParaRPr>
+          </a:p>
+        </p:txBody>
+      </p:sp>
+      <p:sp>
+        <p:nvSpPr>
+          <p:cNvPr id="16" name="Ellipse 15"/>
+          <p:cNvSpPr/>
+          <p:nvPr/>
+        </p:nvSpPr>
+        <p:spPr bwMode="auto">
+          <a:xfrm>
+            <a:off x="1432012" y="1709080"/>
+            <a:ext cx="1692188" cy="936104"/>
           </a:xfrm>
           <a:prstGeom prst="ellipse">
             <a:avLst/>
           </a:prstGeom>
-          <a:noFill/>
+          <a:solidFill>
+            <a:schemeClr val="accent1"/>
+          </a:solidFill>
+          <a:ln w="9525" cap="flat" cmpd="sng" algn="ctr">
+            <a:solidFill>
+              <a:schemeClr val="tx1"/>
+            </a:solidFill>
+            <a:prstDash val="solid"/>
+            <a:round/>
+            <a:headEnd type="none" w="med" len="med"/>
+            <a:tailEnd type="none" w="med" len="med"/>
+          </a:ln>
+          <a:effectLst/>
+        </p:spPr>
+        <p:txBody>
+          <a:bodyPr vert="horz" wrap="square" lIns="91440" tIns="45720" rIns="91440" bIns="45720" numCol="1" rtlCol="0" anchor="t" anchorCtr="0" compatLnSpc="1">
+            <a:prstTxWarp prst="textNoShape">
+              <a:avLst/>
+            </a:prstTxWarp>
+          </a:bodyPr>
+          <a:lstStyle/>
+          <a:p>
+            <a:pPr marL="0" marR="0" indent="0" algn="ctr" defTabSz="914400" rtl="0" eaLnBrk="1" fontAlgn="base" latinLnBrk="0" hangingPunct="1">
+              <a:lnSpc>
+                <a:spcPct val="100000"/>
+              </a:lnSpc>
+              <a:spcBef>
+                <a:spcPct val="0"/>
+              </a:spcBef>
+              <a:spcAft>
+                <a:spcPct val="0"/>
+              </a:spcAft>
+              <a:buClrTx/>
+              <a:buSzTx/>
+              <a:buFontTx/>
+              <a:buNone/>
+              <a:tabLst/>
+            </a:pPr>
+            <a:r>
+              <a:rPr kumimoji="0" lang="fr-CH" sz="1800" b="0" i="0" u="none" strike="noStrike" cap="none" normalizeH="0" baseline="0" dirty="0" smtClean="0">
+                <a:ln>
+                  <a:noFill/>
+                </a:ln>
+                <a:solidFill>
+                  <a:schemeClr val="tx1"/>
+                </a:solidFill>
+                <a:effectLst/>
+                <a:latin typeface="Arial" charset="0"/>
+              </a:rPr>
+              <a:t>Ecouteur</a:t>
+            </a:r>
+          </a:p>
+        </p:txBody>
+      </p:sp>
+      <p:sp>
+        <p:nvSpPr>
+          <p:cNvPr id="18" name="Rectangle à coins arrondis 17"/>
+          <p:cNvSpPr/>
+          <p:nvPr/>
+        </p:nvSpPr>
+        <p:spPr bwMode="auto">
+          <a:xfrm>
+            <a:off x="7236296" y="2645184"/>
+            <a:ext cx="1080000" cy="720000"/>
+          </a:xfrm>
+          <a:prstGeom prst="roundRect">
+            <a:avLst/>
+          </a:prstGeom>
+          <a:solidFill>
+            <a:schemeClr val="accent1"/>
+          </a:solidFill>
+          <a:ln w="9525" cap="flat" cmpd="sng" algn="ctr">
+            <a:solidFill>
+              <a:schemeClr val="tx1"/>
+            </a:solidFill>
+            <a:prstDash val="solid"/>
+            <a:round/>
+            <a:headEnd type="none" w="med" len="med"/>
+            <a:tailEnd type="none" w="med" len="med"/>
+          </a:ln>
+          <a:effectLst/>
+        </p:spPr>
+        <p:txBody>
+          <a:bodyPr vert="horz" wrap="square" lIns="91440" tIns="45720" rIns="91440" bIns="45720" numCol="1" rtlCol="0" anchor="t" anchorCtr="0" compatLnSpc="1">
+            <a:prstTxWarp prst="textNoShape">
+              <a:avLst/>
+            </a:prstTxWarp>
+          </a:bodyPr>
+          <a:lstStyle/>
+          <a:p>
+            <a:pPr marL="0" marR="0" indent="0" algn="ctr" defTabSz="914400" rtl="0" eaLnBrk="1" fontAlgn="base" latinLnBrk="0" hangingPunct="1">
+              <a:lnSpc>
+                <a:spcPct val="100000"/>
+              </a:lnSpc>
+              <a:spcBef>
+                <a:spcPct val="0"/>
+              </a:spcBef>
+              <a:spcAft>
+                <a:spcPct val="0"/>
+              </a:spcAft>
+              <a:buClrTx/>
+              <a:buSzTx/>
+              <a:buFontTx/>
+              <a:buNone/>
+              <a:tabLst/>
+            </a:pPr>
+            <a:r>
+              <a:rPr kumimoji="0" lang="fr-CH" sz="1800" b="0" i="0" u="none" strike="noStrike" cap="none" normalizeH="0" baseline="0" dirty="0" smtClean="0">
+                <a:ln>
+                  <a:noFill/>
+                </a:ln>
+                <a:solidFill>
+                  <a:schemeClr val="tx1"/>
+                </a:solidFill>
+                <a:effectLst/>
+                <a:latin typeface="Arial" charset="0"/>
+              </a:rPr>
+              <a:t>Joueur</a:t>
+            </a:r>
+          </a:p>
+        </p:txBody>
+      </p:sp>
+      <p:sp>
+        <p:nvSpPr>
+          <p:cNvPr id="19" name="Rectangle à coins arrondis 18"/>
+          <p:cNvSpPr/>
+          <p:nvPr/>
+        </p:nvSpPr>
+        <p:spPr bwMode="auto">
+          <a:xfrm>
+            <a:off x="7236296" y="3501008"/>
+            <a:ext cx="1080000" cy="720000"/>
+          </a:xfrm>
+          <a:prstGeom prst="roundRect">
+            <a:avLst/>
+          </a:prstGeom>
+          <a:solidFill>
+            <a:schemeClr val="accent1"/>
+          </a:solidFill>
+          <a:ln w="9525" cap="flat" cmpd="sng" algn="ctr">
+            <a:solidFill>
+              <a:schemeClr val="tx1"/>
+            </a:solidFill>
+            <a:prstDash val="solid"/>
+            <a:round/>
+            <a:headEnd type="none" w="med" len="med"/>
+            <a:tailEnd type="none" w="med" len="med"/>
+          </a:ln>
+          <a:effectLst/>
+        </p:spPr>
+        <p:txBody>
+          <a:bodyPr vert="horz" wrap="square" lIns="91440" tIns="45720" rIns="91440" bIns="45720" numCol="1" rtlCol="0" anchor="t" anchorCtr="0" compatLnSpc="1">
+            <a:prstTxWarp prst="textNoShape">
+              <a:avLst/>
+            </a:prstTxWarp>
+          </a:bodyPr>
+          <a:lstStyle/>
+          <a:p>
+            <a:pPr marL="0" marR="0" indent="0" algn="ctr" defTabSz="914400" rtl="0" eaLnBrk="1" fontAlgn="base" latinLnBrk="0" hangingPunct="1">
+              <a:lnSpc>
+                <a:spcPct val="100000"/>
+              </a:lnSpc>
+              <a:spcBef>
+                <a:spcPct val="0"/>
+              </a:spcBef>
+              <a:spcAft>
+                <a:spcPct val="0"/>
+              </a:spcAft>
+              <a:buClrTx/>
+              <a:buSzTx/>
+              <a:buFontTx/>
+              <a:buNone/>
+              <a:tabLst/>
+            </a:pPr>
+            <a:r>
+              <a:rPr kumimoji="0" lang="fr-CH" sz="1800" b="0" i="0" u="none" strike="noStrike" cap="none" normalizeH="0" baseline="0" dirty="0" smtClean="0">
+                <a:ln>
+                  <a:noFill/>
+                </a:ln>
+                <a:solidFill>
+                  <a:schemeClr val="tx1"/>
+                </a:solidFill>
+                <a:effectLst/>
+                <a:latin typeface="Arial" charset="0"/>
+              </a:rPr>
+              <a:t>Joueur</a:t>
+            </a:r>
+          </a:p>
+        </p:txBody>
+      </p:sp>
+      <p:sp>
+        <p:nvSpPr>
+          <p:cNvPr id="20" name="Rectangle à coins arrondis 19"/>
+          <p:cNvSpPr/>
+          <p:nvPr/>
+        </p:nvSpPr>
+        <p:spPr bwMode="auto">
+          <a:xfrm>
+            <a:off x="7236296" y="4365104"/>
+            <a:ext cx="1080000" cy="720000"/>
+          </a:xfrm>
+          <a:prstGeom prst="roundRect">
+            <a:avLst/>
+          </a:prstGeom>
+          <a:solidFill>
+            <a:schemeClr val="accent1"/>
+          </a:solidFill>
+          <a:ln w="9525" cap="flat" cmpd="sng" algn="ctr">
+            <a:solidFill>
+              <a:schemeClr val="tx1"/>
+            </a:solidFill>
+            <a:prstDash val="solid"/>
+            <a:round/>
+            <a:headEnd type="none" w="med" len="med"/>
+            <a:tailEnd type="none" w="med" len="med"/>
+          </a:ln>
+          <a:effectLst/>
+        </p:spPr>
+        <p:txBody>
+          <a:bodyPr vert="horz" wrap="square" lIns="91440" tIns="45720" rIns="91440" bIns="45720" numCol="1" rtlCol="0" anchor="t" anchorCtr="0" compatLnSpc="1">
+            <a:prstTxWarp prst="textNoShape">
+              <a:avLst/>
+            </a:prstTxWarp>
+          </a:bodyPr>
+          <a:lstStyle/>
+          <a:p>
+            <a:pPr marL="0" marR="0" indent="0" algn="ctr" defTabSz="914400" rtl="0" eaLnBrk="1" fontAlgn="base" latinLnBrk="0" hangingPunct="1">
+              <a:lnSpc>
+                <a:spcPct val="100000"/>
+              </a:lnSpc>
+              <a:spcBef>
+                <a:spcPct val="0"/>
+              </a:spcBef>
+              <a:spcAft>
+                <a:spcPct val="0"/>
+              </a:spcAft>
+              <a:buClrTx/>
+              <a:buSzTx/>
+              <a:buFontTx/>
+              <a:buNone/>
+              <a:tabLst/>
+            </a:pPr>
+            <a:r>
+              <a:rPr kumimoji="0" lang="fr-CH" sz="1800" b="0" i="0" u="none" strike="noStrike" cap="none" normalizeH="0" baseline="0" dirty="0" smtClean="0">
+                <a:ln>
+                  <a:noFill/>
+                </a:ln>
+                <a:solidFill>
+                  <a:schemeClr val="tx1"/>
+                </a:solidFill>
+                <a:effectLst/>
+                <a:latin typeface="Arial" charset="0"/>
+              </a:rPr>
+              <a:t>Joueur</a:t>
+            </a:r>
+          </a:p>
+        </p:txBody>
+      </p:sp>
+      <p:sp>
+        <p:nvSpPr>
+          <p:cNvPr id="21" name="Rectangle 20"/>
+          <p:cNvSpPr/>
+          <p:nvPr/>
+        </p:nvSpPr>
+        <p:spPr bwMode="auto">
+          <a:xfrm>
+            <a:off x="5688124" y="1772784"/>
+            <a:ext cx="216024" cy="3402370"/>
+          </a:xfrm>
+          <a:prstGeom prst="rect">
+            <a:avLst/>
+          </a:prstGeom>
+          <a:solidFill>
+            <a:schemeClr val="accent1"/>
+          </a:solidFill>
           <a:ln w="9525" cap="flat" cmpd="sng" algn="ctr">
             <a:solidFill>
               <a:schemeClr val="tx1"/>
@@ -5479,18 +6099,521 @@
           </a:p>
         </p:txBody>
       </p:sp>
-      <p:sp>
-        <p:nvSpPr>
-          <p:cNvPr id="43" name="Flèche droite 42"/>
+      <p:grpSp>
+        <p:nvGrpSpPr>
+          <p:cNvPr id="3" name="Groupe 24"/>
+          <p:cNvGrpSpPr/>
+          <p:nvPr/>
+        </p:nvGrpSpPr>
+        <p:grpSpPr>
+          <a:xfrm>
+            <a:off x="6048164" y="2754709"/>
+            <a:ext cx="1116124" cy="530275"/>
+            <a:chOff x="827584" y="2240868"/>
+            <a:chExt cx="1116124" cy="530275"/>
+          </a:xfrm>
+        </p:grpSpPr>
+        <p:sp>
+          <p:nvSpPr>
+            <p:cNvPr id="26" name="Flèche droite 25"/>
+            <p:cNvSpPr/>
+            <p:nvPr/>
+          </p:nvSpPr>
+          <p:spPr bwMode="auto">
+            <a:xfrm>
+              <a:off x="827584" y="2240868"/>
+              <a:ext cx="1116124" cy="251916"/>
+            </a:xfrm>
+            <a:prstGeom prst="rightArrow">
+              <a:avLst/>
+            </a:prstGeom>
+            <a:solidFill>
+              <a:schemeClr val="accent1"/>
+            </a:solidFill>
+            <a:ln w="9525" cap="flat" cmpd="sng" algn="ctr">
+              <a:solidFill>
+                <a:schemeClr val="tx1"/>
+              </a:solidFill>
+              <a:prstDash val="solid"/>
+              <a:round/>
+              <a:headEnd type="none" w="med" len="med"/>
+              <a:tailEnd type="none" w="med" len="med"/>
+            </a:ln>
+            <a:effectLst/>
+          </p:spPr>
+          <p:txBody>
+            <a:bodyPr vert="horz" wrap="square" lIns="91440" tIns="45720" rIns="91440" bIns="45720" numCol="1" rtlCol="0" anchor="t" anchorCtr="0" compatLnSpc="1">
+              <a:prstTxWarp prst="textNoShape">
+                <a:avLst/>
+              </a:prstTxWarp>
+            </a:bodyPr>
+            <a:lstStyle/>
+            <a:p>
+              <a:pPr marL="0" marR="0" indent="0" algn="l" defTabSz="914400" rtl="0" eaLnBrk="1" fontAlgn="base" latinLnBrk="0" hangingPunct="1">
+                <a:lnSpc>
+                  <a:spcPct val="100000"/>
+                </a:lnSpc>
+                <a:spcBef>
+                  <a:spcPct val="0"/>
+                </a:spcBef>
+                <a:spcAft>
+                  <a:spcPct val="0"/>
+                </a:spcAft>
+                <a:buClrTx/>
+                <a:buSzTx/>
+                <a:buFontTx/>
+                <a:buNone/>
+                <a:tabLst/>
+              </a:pPr>
+              <a:endParaRPr kumimoji="0" lang="fr-CH" sz="1800" b="0" i="0" u="sng" strike="noStrike" cap="none" normalizeH="0" baseline="0" smtClean="0">
+                <a:ln>
+                  <a:noFill/>
+                </a:ln>
+                <a:solidFill>
+                  <a:schemeClr val="tx1"/>
+                </a:solidFill>
+                <a:effectLst/>
+                <a:latin typeface="Arial" charset="0"/>
+              </a:endParaRPr>
+            </a:p>
+          </p:txBody>
+        </p:sp>
+        <p:sp>
+          <p:nvSpPr>
+            <p:cNvPr id="27" name="Flèche droite 26"/>
+            <p:cNvSpPr/>
+            <p:nvPr/>
+          </p:nvSpPr>
+          <p:spPr bwMode="auto">
+            <a:xfrm rot="10800000">
+              <a:off x="827584" y="2519227"/>
+              <a:ext cx="1116124" cy="251916"/>
+            </a:xfrm>
+            <a:prstGeom prst="rightArrow">
+              <a:avLst/>
+            </a:prstGeom>
+            <a:solidFill>
+              <a:schemeClr val="accent1"/>
+            </a:solidFill>
+            <a:ln w="9525" cap="flat" cmpd="sng" algn="ctr">
+              <a:solidFill>
+                <a:schemeClr val="tx1"/>
+              </a:solidFill>
+              <a:prstDash val="solid"/>
+              <a:round/>
+              <a:headEnd type="none" w="med" len="med"/>
+              <a:tailEnd type="none" w="med" len="med"/>
+            </a:ln>
+            <a:effectLst/>
+          </p:spPr>
+          <p:txBody>
+            <a:bodyPr vert="horz" wrap="square" lIns="91440" tIns="45720" rIns="91440" bIns="45720" numCol="1" rtlCol="0" anchor="t" anchorCtr="0" compatLnSpc="1">
+              <a:prstTxWarp prst="textNoShape">
+                <a:avLst/>
+              </a:prstTxWarp>
+            </a:bodyPr>
+            <a:lstStyle/>
+            <a:p>
+              <a:pPr marL="0" marR="0" indent="0" algn="l" defTabSz="914400" rtl="0" eaLnBrk="1" fontAlgn="base" latinLnBrk="0" hangingPunct="1">
+                <a:lnSpc>
+                  <a:spcPct val="100000"/>
+                </a:lnSpc>
+                <a:spcBef>
+                  <a:spcPct val="0"/>
+                </a:spcBef>
+                <a:spcAft>
+                  <a:spcPct val="0"/>
+                </a:spcAft>
+                <a:buClrTx/>
+                <a:buSzTx/>
+                <a:buFontTx/>
+                <a:buNone/>
+                <a:tabLst/>
+              </a:pPr>
+              <a:endParaRPr kumimoji="0" lang="fr-CH" sz="1800" b="0" i="0" u="sng" strike="noStrike" cap="none" normalizeH="0" baseline="0" smtClean="0">
+                <a:ln>
+                  <a:noFill/>
+                </a:ln>
+                <a:solidFill>
+                  <a:schemeClr val="tx1"/>
+                </a:solidFill>
+                <a:effectLst/>
+                <a:latin typeface="Arial" charset="0"/>
+              </a:endParaRPr>
+            </a:p>
+          </p:txBody>
+        </p:sp>
+      </p:grpSp>
+      <p:grpSp>
+        <p:nvGrpSpPr>
+          <p:cNvPr id="5" name="Groupe 27"/>
+          <p:cNvGrpSpPr/>
+          <p:nvPr/>
+        </p:nvGrpSpPr>
+        <p:grpSpPr>
+          <a:xfrm>
+            <a:off x="6012160" y="3609020"/>
+            <a:ext cx="1116124" cy="530275"/>
+            <a:chOff x="827584" y="2240868"/>
+            <a:chExt cx="1116124" cy="530275"/>
+          </a:xfrm>
+        </p:grpSpPr>
+        <p:sp>
+          <p:nvSpPr>
+            <p:cNvPr id="29" name="Flèche droite 28"/>
+            <p:cNvSpPr/>
+            <p:nvPr/>
+          </p:nvSpPr>
+          <p:spPr bwMode="auto">
+            <a:xfrm>
+              <a:off x="827584" y="2240868"/>
+              <a:ext cx="1116124" cy="251916"/>
+            </a:xfrm>
+            <a:prstGeom prst="rightArrow">
+              <a:avLst/>
+            </a:prstGeom>
+            <a:solidFill>
+              <a:schemeClr val="accent1"/>
+            </a:solidFill>
+            <a:ln w="9525" cap="flat" cmpd="sng" algn="ctr">
+              <a:solidFill>
+                <a:schemeClr val="tx1"/>
+              </a:solidFill>
+              <a:prstDash val="solid"/>
+              <a:round/>
+              <a:headEnd type="none" w="med" len="med"/>
+              <a:tailEnd type="none" w="med" len="med"/>
+            </a:ln>
+            <a:effectLst/>
+          </p:spPr>
+          <p:txBody>
+            <a:bodyPr vert="horz" wrap="square" lIns="91440" tIns="45720" rIns="91440" bIns="45720" numCol="1" rtlCol="0" anchor="t" anchorCtr="0" compatLnSpc="1">
+              <a:prstTxWarp prst="textNoShape">
+                <a:avLst/>
+              </a:prstTxWarp>
+            </a:bodyPr>
+            <a:lstStyle/>
+            <a:p>
+              <a:pPr marL="0" marR="0" indent="0" algn="l" defTabSz="914400" rtl="0" eaLnBrk="1" fontAlgn="base" latinLnBrk="0" hangingPunct="1">
+                <a:lnSpc>
+                  <a:spcPct val="100000"/>
+                </a:lnSpc>
+                <a:spcBef>
+                  <a:spcPct val="0"/>
+                </a:spcBef>
+                <a:spcAft>
+                  <a:spcPct val="0"/>
+                </a:spcAft>
+                <a:buClrTx/>
+                <a:buSzTx/>
+                <a:buFontTx/>
+                <a:buNone/>
+                <a:tabLst/>
+              </a:pPr>
+              <a:endParaRPr kumimoji="0" lang="fr-CH" sz="1800" b="0" i="0" u="sng" strike="noStrike" cap="none" normalizeH="0" baseline="0" smtClean="0">
+                <a:ln>
+                  <a:noFill/>
+                </a:ln>
+                <a:solidFill>
+                  <a:schemeClr val="tx1"/>
+                </a:solidFill>
+                <a:effectLst/>
+                <a:latin typeface="Arial" charset="0"/>
+              </a:endParaRPr>
+            </a:p>
+          </p:txBody>
+        </p:sp>
+        <p:sp>
+          <p:nvSpPr>
+            <p:cNvPr id="30" name="Flèche droite 29"/>
+            <p:cNvSpPr/>
+            <p:nvPr/>
+          </p:nvSpPr>
+          <p:spPr bwMode="auto">
+            <a:xfrm rot="10800000">
+              <a:off x="827584" y="2519227"/>
+              <a:ext cx="1116124" cy="251916"/>
+            </a:xfrm>
+            <a:prstGeom prst="rightArrow">
+              <a:avLst/>
+            </a:prstGeom>
+            <a:solidFill>
+              <a:schemeClr val="accent1"/>
+            </a:solidFill>
+            <a:ln w="9525" cap="flat" cmpd="sng" algn="ctr">
+              <a:solidFill>
+                <a:schemeClr val="tx1"/>
+              </a:solidFill>
+              <a:prstDash val="solid"/>
+              <a:round/>
+              <a:headEnd type="none" w="med" len="med"/>
+              <a:tailEnd type="none" w="med" len="med"/>
+            </a:ln>
+            <a:effectLst/>
+          </p:spPr>
+          <p:txBody>
+            <a:bodyPr vert="horz" wrap="square" lIns="91440" tIns="45720" rIns="91440" bIns="45720" numCol="1" rtlCol="0" anchor="t" anchorCtr="0" compatLnSpc="1">
+              <a:prstTxWarp prst="textNoShape">
+                <a:avLst/>
+              </a:prstTxWarp>
+            </a:bodyPr>
+            <a:lstStyle/>
+            <a:p>
+              <a:pPr marL="0" marR="0" indent="0" algn="l" defTabSz="914400" rtl="0" eaLnBrk="1" fontAlgn="base" latinLnBrk="0" hangingPunct="1">
+                <a:lnSpc>
+                  <a:spcPct val="100000"/>
+                </a:lnSpc>
+                <a:spcBef>
+                  <a:spcPct val="0"/>
+                </a:spcBef>
+                <a:spcAft>
+                  <a:spcPct val="0"/>
+                </a:spcAft>
+                <a:buClrTx/>
+                <a:buSzTx/>
+                <a:buFontTx/>
+                <a:buNone/>
+                <a:tabLst/>
+              </a:pPr>
+              <a:endParaRPr kumimoji="0" lang="fr-CH" sz="1800" b="0" i="0" u="sng" strike="noStrike" cap="none" normalizeH="0" baseline="0" smtClean="0">
+                <a:ln>
+                  <a:noFill/>
+                </a:ln>
+                <a:solidFill>
+                  <a:schemeClr val="tx1"/>
+                </a:solidFill>
+                <a:effectLst/>
+                <a:latin typeface="Arial" charset="0"/>
+              </a:endParaRPr>
+            </a:p>
+          </p:txBody>
+        </p:sp>
+      </p:grpSp>
+      <p:grpSp>
+        <p:nvGrpSpPr>
+          <p:cNvPr id="9" name="Groupe 30"/>
+          <p:cNvGrpSpPr/>
+          <p:nvPr/>
+        </p:nvGrpSpPr>
+        <p:grpSpPr>
+          <a:xfrm>
+            <a:off x="6012160" y="4473116"/>
+            <a:ext cx="1116124" cy="530275"/>
+            <a:chOff x="827584" y="2240868"/>
+            <a:chExt cx="1116124" cy="530275"/>
+          </a:xfrm>
+        </p:grpSpPr>
+        <p:sp>
+          <p:nvSpPr>
+            <p:cNvPr id="32" name="Flèche droite 31"/>
+            <p:cNvSpPr/>
+            <p:nvPr/>
+          </p:nvSpPr>
+          <p:spPr bwMode="auto">
+            <a:xfrm>
+              <a:off x="827584" y="2240868"/>
+              <a:ext cx="1116124" cy="251916"/>
+            </a:xfrm>
+            <a:prstGeom prst="rightArrow">
+              <a:avLst/>
+            </a:prstGeom>
+            <a:solidFill>
+              <a:schemeClr val="accent1"/>
+            </a:solidFill>
+            <a:ln w="9525" cap="flat" cmpd="sng" algn="ctr">
+              <a:solidFill>
+                <a:schemeClr val="tx1"/>
+              </a:solidFill>
+              <a:prstDash val="solid"/>
+              <a:round/>
+              <a:headEnd type="none" w="med" len="med"/>
+              <a:tailEnd type="none" w="med" len="med"/>
+            </a:ln>
+            <a:effectLst/>
+          </p:spPr>
+          <p:txBody>
+            <a:bodyPr vert="horz" wrap="square" lIns="91440" tIns="45720" rIns="91440" bIns="45720" numCol="1" rtlCol="0" anchor="t" anchorCtr="0" compatLnSpc="1">
+              <a:prstTxWarp prst="textNoShape">
+                <a:avLst/>
+              </a:prstTxWarp>
+            </a:bodyPr>
+            <a:lstStyle/>
+            <a:p>
+              <a:pPr marL="0" marR="0" indent="0" algn="l" defTabSz="914400" rtl="0" eaLnBrk="1" fontAlgn="base" latinLnBrk="0" hangingPunct="1">
+                <a:lnSpc>
+                  <a:spcPct val="100000"/>
+                </a:lnSpc>
+                <a:spcBef>
+                  <a:spcPct val="0"/>
+                </a:spcBef>
+                <a:spcAft>
+                  <a:spcPct val="0"/>
+                </a:spcAft>
+                <a:buClrTx/>
+                <a:buSzTx/>
+                <a:buFontTx/>
+                <a:buNone/>
+                <a:tabLst/>
+              </a:pPr>
+              <a:endParaRPr kumimoji="0" lang="fr-CH" sz="1800" b="0" i="0" u="sng" strike="noStrike" cap="none" normalizeH="0" baseline="0" smtClean="0">
+                <a:ln>
+                  <a:noFill/>
+                </a:ln>
+                <a:solidFill>
+                  <a:schemeClr val="tx1"/>
+                </a:solidFill>
+                <a:effectLst/>
+                <a:latin typeface="Arial" charset="0"/>
+              </a:endParaRPr>
+            </a:p>
+          </p:txBody>
+        </p:sp>
+        <p:sp>
+          <p:nvSpPr>
+            <p:cNvPr id="33" name="Flèche droite 32"/>
+            <p:cNvSpPr/>
+            <p:nvPr/>
+          </p:nvSpPr>
+          <p:spPr bwMode="auto">
+            <a:xfrm rot="10800000">
+              <a:off x="827584" y="2519227"/>
+              <a:ext cx="1116124" cy="251916"/>
+            </a:xfrm>
+            <a:prstGeom prst="rightArrow">
+              <a:avLst/>
+            </a:prstGeom>
+            <a:solidFill>
+              <a:schemeClr val="accent1"/>
+            </a:solidFill>
+            <a:ln w="9525" cap="flat" cmpd="sng" algn="ctr">
+              <a:solidFill>
+                <a:schemeClr val="tx1"/>
+              </a:solidFill>
+              <a:prstDash val="solid"/>
+              <a:round/>
+              <a:headEnd type="none" w="med" len="med"/>
+              <a:tailEnd type="none" w="med" len="med"/>
+            </a:ln>
+            <a:effectLst/>
+          </p:spPr>
+          <p:txBody>
+            <a:bodyPr vert="horz" wrap="square" lIns="91440" tIns="45720" rIns="91440" bIns="45720" numCol="1" rtlCol="0" anchor="t" anchorCtr="0" compatLnSpc="1">
+              <a:prstTxWarp prst="textNoShape">
+                <a:avLst/>
+              </a:prstTxWarp>
+            </a:bodyPr>
+            <a:lstStyle/>
+            <a:p>
+              <a:pPr marL="0" marR="0" indent="0" algn="l" defTabSz="914400" rtl="0" eaLnBrk="1" fontAlgn="base" latinLnBrk="0" hangingPunct="1">
+                <a:lnSpc>
+                  <a:spcPct val="100000"/>
+                </a:lnSpc>
+                <a:spcBef>
+                  <a:spcPct val="0"/>
+                </a:spcBef>
+                <a:spcAft>
+                  <a:spcPct val="0"/>
+                </a:spcAft>
+                <a:buClrTx/>
+                <a:buSzTx/>
+                <a:buFontTx/>
+                <a:buNone/>
+                <a:tabLst/>
+              </a:pPr>
+              <a:endParaRPr kumimoji="0" lang="fr-CH" sz="1800" b="0" i="0" u="sng" strike="noStrike" cap="none" normalizeH="0" baseline="0" smtClean="0">
+                <a:ln>
+                  <a:noFill/>
+                </a:ln>
+                <a:solidFill>
+                  <a:schemeClr val="tx1"/>
+                </a:solidFill>
+                <a:effectLst/>
+                <a:latin typeface="Arial" charset="0"/>
+              </a:endParaRPr>
+            </a:p>
+          </p:txBody>
+        </p:sp>
+      </p:grpSp>
+      <p:sp>
+        <p:nvSpPr>
+          <p:cNvPr id="37" name="Rectangle à coins arrondis 36"/>
           <p:cNvSpPr/>
           <p:nvPr/>
         </p:nvSpPr>
         <p:spPr bwMode="auto">
           <a:xfrm>
-            <a:off x="4901716" y="2843262"/>
-            <a:ext cx="3630724" cy="720080"/>
-          </a:xfrm>
-          <a:prstGeom prst="rightArrow">
+            <a:off x="2951820" y="3006625"/>
+            <a:ext cx="1393794" cy="773974"/>
+          </a:xfrm>
+          <a:prstGeom prst="roundRect">
+            <a:avLst/>
+          </a:prstGeom>
+          <a:solidFill>
+            <a:schemeClr val="accent1"/>
+          </a:solidFill>
+          <a:ln w="9525" cap="flat" cmpd="sng" algn="ctr">
+            <a:solidFill>
+              <a:schemeClr val="tx1"/>
+            </a:solidFill>
+            <a:prstDash val="solid"/>
+            <a:round/>
+            <a:headEnd type="none" w="med" len="med"/>
+            <a:tailEnd type="none" w="med" len="med"/>
+          </a:ln>
+          <a:effectLst/>
+        </p:spPr>
+        <p:txBody>
+          <a:bodyPr vert="horz" wrap="square" lIns="91440" tIns="45720" rIns="91440" bIns="45720" numCol="1" rtlCol="0" anchor="t" anchorCtr="0" compatLnSpc="1">
+            <a:prstTxWarp prst="textNoShape">
+              <a:avLst/>
+            </a:prstTxWarp>
+          </a:bodyPr>
+          <a:lstStyle/>
+          <a:p>
+            <a:pPr marL="0" marR="0" indent="0" algn="ctr" defTabSz="914400" rtl="0" eaLnBrk="1" fontAlgn="base" latinLnBrk="0" hangingPunct="1">
+              <a:lnSpc>
+                <a:spcPct val="100000"/>
+              </a:lnSpc>
+              <a:spcBef>
+                <a:spcPct val="0"/>
+              </a:spcBef>
+              <a:spcAft>
+                <a:spcPct val="0"/>
+              </a:spcAft>
+              <a:buClrTx/>
+              <a:buSzTx/>
+              <a:buFontTx/>
+              <a:buNone/>
+              <a:tabLst/>
+            </a:pPr>
+            <a:r>
+              <a:rPr kumimoji="0" lang="fr-CH" sz="1800" b="0" i="0" u="none" strike="noStrike" cap="none" normalizeH="0" baseline="0" dirty="0" smtClean="0">
+                <a:ln>
+                  <a:noFill/>
+                </a:ln>
+                <a:solidFill>
+                  <a:schemeClr val="tx1"/>
+                </a:solidFill>
+                <a:effectLst/>
+                <a:latin typeface="Arial" charset="0"/>
+              </a:rPr>
+              <a:t>Serveur</a:t>
+            </a:r>
+          </a:p>
+        </p:txBody>
+      </p:sp>
+      <p:sp>
+        <p:nvSpPr>
+          <p:cNvPr id="38" name="Flèche vers le bas 37"/>
+          <p:cNvSpPr/>
+          <p:nvPr/>
+        </p:nvSpPr>
+        <p:spPr bwMode="auto">
+          <a:xfrm>
+            <a:off x="2123728" y="2754709"/>
+            <a:ext cx="288032" cy="1106227"/>
+          </a:xfrm>
+          <a:prstGeom prst="downArrow">
             <a:avLst/>
           </a:prstGeom>
           <a:solidFill>
@@ -5546,224 +6669,20 @@
       </p:sp>
       <p:sp>
         <p:nvSpPr>
-          <p:cNvPr id="46" name="Flèche droite 45"/>
+          <p:cNvPr id="39" name="Flèche droite 38"/>
           <p:cNvSpPr/>
           <p:nvPr/>
         </p:nvSpPr>
         <p:spPr bwMode="auto">
-          <a:xfrm rot="10800000">
-            <a:off x="4901716" y="4453767"/>
-            <a:ext cx="3630724" cy="1377825"/>
+          <a:xfrm>
+            <a:off x="3239852" y="2060960"/>
+            <a:ext cx="2268252" cy="251916"/>
           </a:xfrm>
           <a:prstGeom prst="rightArrow">
             <a:avLst/>
           </a:prstGeom>
           <a:solidFill>
             <a:schemeClr val="accent1"/>
-          </a:solidFill>
-          <a:ln w="9525" cap="flat" cmpd="sng" algn="ctr">
-            <a:solidFill>
-              <a:schemeClr val="tx1"/>
-            </a:solidFill>
-            <a:prstDash val="solid"/>
-            <a:round/>
-            <a:headEnd type="none" w="med" len="med"/>
-            <a:tailEnd type="none" w="med" len="med"/>
-          </a:ln>
-          <a:effectLst/>
-        </p:spPr>
-        <p:txBody>
-          <a:bodyPr vert="vert270" wrap="square" lIns="91440" tIns="45720" rIns="91440" bIns="45720" numCol="1" rtlCol="0" anchor="t" anchorCtr="0" compatLnSpc="1">
-            <a:prstTxWarp prst="textNoShape">
-              <a:avLst/>
-            </a:prstTxWarp>
-          </a:bodyPr>
-          <a:lstStyle/>
-          <a:p>
-            <a:pPr marL="0" marR="0" indent="0" algn="l" defTabSz="914400" rtl="0" eaLnBrk="1" fontAlgn="base" latinLnBrk="0" hangingPunct="1">
-              <a:lnSpc>
-                <a:spcPct val="100000"/>
-              </a:lnSpc>
-              <a:spcBef>
-                <a:spcPct val="0"/>
-              </a:spcBef>
-              <a:spcAft>
-                <a:spcPct val="0"/>
-              </a:spcAft>
-              <a:buClrTx/>
-              <a:buSzTx/>
-              <a:buFontTx/>
-              <a:buNone/>
-              <a:tabLst/>
-            </a:pPr>
-            <a:endParaRPr kumimoji="0" lang="fr-CH" sz="1800" b="0" i="0" u="none" strike="noStrike" cap="none" normalizeH="0" baseline="0" dirty="0" smtClean="0">
-              <a:ln>
-                <a:noFill/>
-              </a:ln>
-              <a:solidFill>
-                <a:schemeClr val="tx1"/>
-              </a:solidFill>
-              <a:effectLst/>
-              <a:latin typeface="Arial" charset="0"/>
-            </a:endParaRPr>
-          </a:p>
-        </p:txBody>
-      </p:sp>
-      <p:sp>
-        <p:nvSpPr>
-          <p:cNvPr id="47" name="Flèche droite 46"/>
-          <p:cNvSpPr/>
-          <p:nvPr/>
-        </p:nvSpPr>
-        <p:spPr bwMode="auto">
-          <a:xfrm>
-            <a:off x="4900854" y="3825044"/>
-            <a:ext cx="3630724" cy="720080"/>
-          </a:xfrm>
-          <a:prstGeom prst="rightArrow">
-            <a:avLst/>
-          </a:prstGeom>
-          <a:solidFill>
-            <a:schemeClr val="accent1"/>
-          </a:solidFill>
-          <a:ln w="9525" cap="flat" cmpd="sng" algn="ctr">
-            <a:solidFill>
-              <a:schemeClr val="tx1"/>
-            </a:solidFill>
-            <a:prstDash val="solid"/>
-            <a:round/>
-            <a:headEnd type="none" w="med" len="med"/>
-            <a:tailEnd type="none" w="med" len="med"/>
-          </a:ln>
-          <a:effectLst/>
-        </p:spPr>
-        <p:txBody>
-          <a:bodyPr vert="horz" wrap="square" lIns="91440" tIns="45720" rIns="91440" bIns="45720" numCol="1" rtlCol="0" anchor="t" anchorCtr="0" compatLnSpc="1">
-            <a:prstTxWarp prst="textNoShape">
-              <a:avLst/>
-            </a:prstTxWarp>
-          </a:bodyPr>
-          <a:lstStyle/>
-          <a:p>
-            <a:pPr marL="0" marR="0" indent="0" algn="l" defTabSz="914400" rtl="0" eaLnBrk="1" fontAlgn="base" latinLnBrk="0" hangingPunct="1">
-              <a:lnSpc>
-                <a:spcPct val="100000"/>
-              </a:lnSpc>
-              <a:spcBef>
-                <a:spcPct val="0"/>
-              </a:spcBef>
-              <a:spcAft>
-                <a:spcPct val="0"/>
-              </a:spcAft>
-              <a:buClrTx/>
-              <a:buSzTx/>
-              <a:buFontTx/>
-              <a:buNone/>
-              <a:tabLst/>
-            </a:pPr>
-            <a:endParaRPr kumimoji="0" lang="fr-CH" sz="1800" b="0" i="0" u="none" strike="noStrike" cap="none" normalizeH="0" baseline="0" dirty="0" smtClean="0">
-              <a:ln>
-                <a:noFill/>
-              </a:ln>
-              <a:solidFill>
-                <a:schemeClr val="tx1"/>
-              </a:solidFill>
-              <a:effectLst/>
-              <a:latin typeface="Arial" charset="0"/>
-            </a:endParaRPr>
-          </a:p>
-        </p:txBody>
-      </p:sp>
-      <p:sp>
-        <p:nvSpPr>
-          <p:cNvPr id="50" name="ZoneTexte 49"/>
-          <p:cNvSpPr txBox="1"/>
-          <p:nvPr/>
-        </p:nvSpPr>
-        <p:spPr>
-          <a:xfrm>
-            <a:off x="1760877" y="4571836"/>
-            <a:ext cx="2775119" cy="369332"/>
-          </a:xfrm>
-          <a:prstGeom prst="rect">
-            <a:avLst/>
-          </a:prstGeom>
-          <a:noFill/>
-        </p:spPr>
-        <p:txBody>
-          <a:bodyPr wrap="none" rtlCol="0">
-            <a:spAutoFit/>
-          </a:bodyPr>
-          <a:lstStyle/>
-          <a:p>
-            <a:r>
-              <a:rPr lang="fr-CH" b="1" u="none" dirty="0" smtClean="0"/>
-              <a:t>Canal 1 </a:t>
-            </a:r>
-            <a:r>
-              <a:rPr lang="fr-CH" u="none" dirty="0" smtClean="0"/>
-              <a:t>: Communication</a:t>
-            </a:r>
-            <a:endParaRPr lang="fr-CH" u="none" dirty="0"/>
-          </a:p>
-        </p:txBody>
-      </p:sp>
-      <p:sp>
-        <p:nvSpPr>
-          <p:cNvPr id="51" name="Rectangle 50"/>
-          <p:cNvSpPr/>
-          <p:nvPr/>
-        </p:nvSpPr>
-        <p:spPr>
-          <a:xfrm>
-            <a:off x="1799692" y="3032956"/>
-            <a:ext cx="2403287" cy="369332"/>
-          </a:xfrm>
-          <a:prstGeom prst="rect">
-            <a:avLst/>
-          </a:prstGeom>
-        </p:spPr>
-        <p:txBody>
-          <a:bodyPr wrap="none">
-            <a:spAutoFit/>
-          </a:bodyPr>
-          <a:lstStyle/>
-          <a:p>
-            <a:r>
-              <a:rPr lang="fr-CH" b="1" u="none" dirty="0" smtClean="0"/>
-              <a:t>Canal 2 </a:t>
-            </a:r>
-            <a:r>
-              <a:rPr lang="fr-CH" u="none" dirty="0" smtClean="0"/>
-              <a:t>: Asynchrone</a:t>
-            </a:r>
-            <a:endParaRPr lang="fr-CH" u="none" dirty="0"/>
-          </a:p>
-        </p:txBody>
-      </p:sp>
-      <p:sp>
-        <p:nvSpPr>
-          <p:cNvPr id="52" name="Flèche à angle droit 51"/>
-          <p:cNvSpPr/>
-          <p:nvPr/>
-        </p:nvSpPr>
-        <p:spPr bwMode="auto">
-          <a:xfrm rot="10800000" flipH="1">
-            <a:off x="2771800" y="2070631"/>
-            <a:ext cx="3248000" cy="530276"/>
-          </a:xfrm>
-          <a:prstGeom prst="bentUpArrow">
-            <a:avLst>
-              <a:gd name="adj1" fmla="val 10630"/>
-              <a:gd name="adj2" fmla="val 16789"/>
-              <a:gd name="adj3" fmla="val 29106"/>
-            </a:avLst>
-          </a:prstGeom>
-          <a:solidFill>
-            <a:schemeClr val="tx1">
-              <a:lumMod val="95000"/>
-              <a:lumOff val="5000"/>
-            </a:schemeClr>
           </a:solidFill>
           <a:ln w="9525" cap="flat" cmpd="sng" algn="ctr">
             <a:solidFill>
@@ -5813,19 +6732,168 @@
           </a:p>
         </p:txBody>
       </p:sp>
-      <p:cxnSp>
-        <p:nvCxnSpPr>
-          <p:cNvPr id="54" name="Connecteur droit 53"/>
-          <p:cNvCxnSpPr/>
+      <p:grpSp>
+        <p:nvGrpSpPr>
+          <p:cNvPr id="12" name="Groupe 39"/>
+          <p:cNvGrpSpPr/>
           <p:nvPr/>
-        </p:nvCxnSpPr>
+        </p:nvGrpSpPr>
+        <p:grpSpPr>
+          <a:xfrm>
+            <a:off x="4463988" y="3104964"/>
+            <a:ext cx="1116124" cy="530275"/>
+            <a:chOff x="827584" y="2240868"/>
+            <a:chExt cx="1116124" cy="530275"/>
+          </a:xfrm>
+        </p:grpSpPr>
+        <p:sp>
+          <p:nvSpPr>
+            <p:cNvPr id="41" name="Flèche droite 40"/>
+            <p:cNvSpPr/>
+            <p:nvPr/>
+          </p:nvSpPr>
+          <p:spPr bwMode="auto">
+            <a:xfrm>
+              <a:off x="827584" y="2240868"/>
+              <a:ext cx="1116124" cy="251916"/>
+            </a:xfrm>
+            <a:prstGeom prst="rightArrow">
+              <a:avLst/>
+            </a:prstGeom>
+            <a:solidFill>
+              <a:schemeClr val="accent1"/>
+            </a:solidFill>
+            <a:ln w="9525" cap="flat" cmpd="sng" algn="ctr">
+              <a:solidFill>
+                <a:schemeClr val="tx1"/>
+              </a:solidFill>
+              <a:prstDash val="solid"/>
+              <a:round/>
+              <a:headEnd type="none" w="med" len="med"/>
+              <a:tailEnd type="none" w="med" len="med"/>
+            </a:ln>
+            <a:effectLst/>
+          </p:spPr>
+          <p:txBody>
+            <a:bodyPr vert="horz" wrap="square" lIns="91440" tIns="45720" rIns="91440" bIns="45720" numCol="1" rtlCol="0" anchor="t" anchorCtr="0" compatLnSpc="1">
+              <a:prstTxWarp prst="textNoShape">
+                <a:avLst/>
+              </a:prstTxWarp>
+            </a:bodyPr>
+            <a:lstStyle/>
+            <a:p>
+              <a:pPr marL="0" marR="0" indent="0" algn="l" defTabSz="914400" rtl="0" eaLnBrk="1" fontAlgn="base" latinLnBrk="0" hangingPunct="1">
+                <a:lnSpc>
+                  <a:spcPct val="100000"/>
+                </a:lnSpc>
+                <a:spcBef>
+                  <a:spcPct val="0"/>
+                </a:spcBef>
+                <a:spcAft>
+                  <a:spcPct val="0"/>
+                </a:spcAft>
+                <a:buClrTx/>
+                <a:buSzTx/>
+                <a:buFontTx/>
+                <a:buNone/>
+                <a:tabLst/>
+              </a:pPr>
+              <a:endParaRPr kumimoji="0" lang="fr-CH" sz="1800" b="0" i="0" u="sng" strike="noStrike" cap="none" normalizeH="0" baseline="0" smtClean="0">
+                <a:ln>
+                  <a:noFill/>
+                </a:ln>
+                <a:solidFill>
+                  <a:schemeClr val="tx1"/>
+                </a:solidFill>
+                <a:effectLst/>
+                <a:latin typeface="Arial" charset="0"/>
+              </a:endParaRPr>
+            </a:p>
+          </p:txBody>
+        </p:sp>
+        <p:sp>
+          <p:nvSpPr>
+            <p:cNvPr id="42" name="Flèche droite 41"/>
+            <p:cNvSpPr/>
+            <p:nvPr/>
+          </p:nvSpPr>
+          <p:spPr bwMode="auto">
+            <a:xfrm rot="10800000">
+              <a:off x="827584" y="2519227"/>
+              <a:ext cx="1116124" cy="251916"/>
+            </a:xfrm>
+            <a:prstGeom prst="rightArrow">
+              <a:avLst/>
+            </a:prstGeom>
+            <a:solidFill>
+              <a:schemeClr val="accent1"/>
+            </a:solidFill>
+            <a:ln w="9525" cap="flat" cmpd="sng" algn="ctr">
+              <a:solidFill>
+                <a:schemeClr val="tx1"/>
+              </a:solidFill>
+              <a:prstDash val="solid"/>
+              <a:round/>
+              <a:headEnd type="none" w="med" len="med"/>
+              <a:tailEnd type="none" w="med" len="med"/>
+            </a:ln>
+            <a:effectLst/>
+          </p:spPr>
+          <p:txBody>
+            <a:bodyPr vert="horz" wrap="square" lIns="91440" tIns="45720" rIns="91440" bIns="45720" numCol="1" rtlCol="0" anchor="t" anchorCtr="0" compatLnSpc="1">
+              <a:prstTxWarp prst="textNoShape">
+                <a:avLst/>
+              </a:prstTxWarp>
+            </a:bodyPr>
+            <a:lstStyle/>
+            <a:p>
+              <a:pPr marL="0" marR="0" indent="0" algn="l" defTabSz="914400" rtl="0" eaLnBrk="1" fontAlgn="base" latinLnBrk="0" hangingPunct="1">
+                <a:lnSpc>
+                  <a:spcPct val="100000"/>
+                </a:lnSpc>
+                <a:spcBef>
+                  <a:spcPct val="0"/>
+                </a:spcBef>
+                <a:spcAft>
+                  <a:spcPct val="0"/>
+                </a:spcAft>
+                <a:buClrTx/>
+                <a:buSzTx/>
+                <a:buFontTx/>
+                <a:buNone/>
+                <a:tabLst/>
+              </a:pPr>
+              <a:endParaRPr kumimoji="0" lang="fr-CH" sz="1800" b="0" i="0" u="sng" strike="noStrike" cap="none" normalizeH="0" baseline="0" smtClean="0">
+                <a:ln>
+                  <a:noFill/>
+                </a:ln>
+                <a:solidFill>
+                  <a:schemeClr val="tx1"/>
+                </a:solidFill>
+                <a:effectLst/>
+                <a:latin typeface="Arial" charset="0"/>
+              </a:endParaRPr>
+            </a:p>
+          </p:txBody>
+        </p:sp>
+      </p:grpSp>
+      <p:sp>
+        <p:nvSpPr>
+          <p:cNvPr id="44" name="Flèche angle droit à deux pointes 43"/>
+          <p:cNvSpPr/>
+          <p:nvPr/>
+        </p:nvSpPr>
         <p:spPr bwMode="auto">
           <a:xfrm>
-            <a:off x="4716016" y="3717032"/>
-            <a:ext cx="3970784" cy="0"/>
-          </a:xfrm>
-          <a:prstGeom prst="line">
-            <a:avLst/>
+            <a:off x="2951820" y="3860936"/>
+            <a:ext cx="936104" cy="918030"/>
+          </a:xfrm>
+          <a:prstGeom prst="leftUpArrow">
+            <a:avLst>
+              <a:gd name="adj1" fmla="val 8658"/>
+              <a:gd name="adj2" fmla="val 20097"/>
+              <a:gd name="adj3" fmla="val 25000"/>
+            </a:avLst>
           </a:prstGeom>
           <a:solidFill>
             <a:schemeClr val="accent1"/>
@@ -5834,14 +6902,80 @@
             <a:solidFill>
               <a:schemeClr val="tx1"/>
             </a:solidFill>
-            <a:prstDash val="dash"/>
+            <a:prstDash val="solid"/>
             <a:round/>
             <a:headEnd type="none" w="med" len="med"/>
             <a:tailEnd type="none" w="med" len="med"/>
           </a:ln>
           <a:effectLst/>
         </p:spPr>
-      </p:cxnSp>
+        <p:txBody>
+          <a:bodyPr vert="horz" wrap="square" lIns="91440" tIns="45720" rIns="91440" bIns="45720" numCol="1" rtlCol="0" anchor="t" anchorCtr="0" compatLnSpc="1">
+            <a:prstTxWarp prst="textNoShape">
+              <a:avLst/>
+            </a:prstTxWarp>
+          </a:bodyPr>
+          <a:lstStyle/>
+          <a:p>
+            <a:pPr marL="0" marR="0" indent="0" algn="l" defTabSz="914400" rtl="0" eaLnBrk="1" fontAlgn="base" latinLnBrk="0" hangingPunct="1">
+              <a:lnSpc>
+                <a:spcPct val="100000"/>
+              </a:lnSpc>
+              <a:spcBef>
+                <a:spcPct val="0"/>
+              </a:spcBef>
+              <a:spcAft>
+                <a:spcPct val="0"/>
+              </a:spcAft>
+              <a:buClrTx/>
+              <a:buSzTx/>
+              <a:buFontTx/>
+              <a:buNone/>
+              <a:tabLst/>
+            </a:pPr>
+            <a:endParaRPr kumimoji="0" lang="fr-CH" sz="1800" b="0" i="0" u="sng" strike="noStrike" cap="none" normalizeH="0" baseline="0" smtClean="0">
+              <a:ln>
+                <a:noFill/>
+              </a:ln>
+              <a:solidFill>
+                <a:schemeClr val="tx1"/>
+              </a:solidFill>
+              <a:effectLst/>
+              <a:latin typeface="Arial" charset="0"/>
+            </a:endParaRPr>
+          </a:p>
+        </p:txBody>
+      </p:sp>
+      <p:sp>
+        <p:nvSpPr>
+          <p:cNvPr id="45" name="ZoneTexte 44"/>
+          <p:cNvSpPr txBox="1"/>
+          <p:nvPr/>
+        </p:nvSpPr>
+        <p:spPr>
+          <a:xfrm>
+            <a:off x="4893275" y="5265204"/>
+            <a:ext cx="1838965" cy="369332"/>
+          </a:xfrm>
+          <a:prstGeom prst="rect">
+            <a:avLst/>
+          </a:prstGeom>
+          <a:noFill/>
+        </p:spPr>
+        <p:txBody>
+          <a:bodyPr wrap="none" rtlCol="0">
+            <a:spAutoFit/>
+          </a:bodyPr>
+          <a:lstStyle/>
+          <a:p>
+            <a:r>
+              <a:rPr lang="fr-CH" i="1" u="none" dirty="0" smtClean="0"/>
+              <a:t>Couche Réseau</a:t>
+            </a:r>
+            <a:endParaRPr lang="fr-CH" i="1" u="none" dirty="0"/>
+          </a:p>
+        </p:txBody>
+      </p:sp>
     </p:spTree>
   </p:cSld>
   <p:clrMapOvr>
@@ -5877,9 +7011,251 @@
           <a:chExt cx="0" cy="0"/>
         </a:xfrm>
       </p:grpSpPr>
-      <p:sp>
-        <p:nvSpPr>
-          <p:cNvPr id="14" name="Rectangle 4"/>
+      <p:grpSp>
+        <p:nvGrpSpPr>
+          <p:cNvPr id="2" name="Groupe 23"/>
+          <p:cNvGrpSpPr/>
+          <p:nvPr/>
+        </p:nvGrpSpPr>
+        <p:grpSpPr>
+          <a:xfrm>
+            <a:off x="1043608" y="1881052"/>
+            <a:ext cx="1116124" cy="530275"/>
+            <a:chOff x="827584" y="2240868"/>
+            <a:chExt cx="1116124" cy="530275"/>
+          </a:xfrm>
+        </p:grpSpPr>
+        <p:sp>
+          <p:nvSpPr>
+            <p:cNvPr id="22" name="Flèche droite 21"/>
+            <p:cNvSpPr/>
+            <p:nvPr/>
+          </p:nvSpPr>
+          <p:spPr bwMode="auto">
+            <a:xfrm>
+              <a:off x="827584" y="2240868"/>
+              <a:ext cx="1116124" cy="251916"/>
+            </a:xfrm>
+            <a:prstGeom prst="rightArrow">
+              <a:avLst/>
+            </a:prstGeom>
+            <a:solidFill>
+              <a:schemeClr val="accent1"/>
+            </a:solidFill>
+            <a:ln w="9525" cap="flat" cmpd="sng" algn="ctr">
+              <a:solidFill>
+                <a:schemeClr val="tx1"/>
+              </a:solidFill>
+              <a:prstDash val="solid"/>
+              <a:round/>
+              <a:headEnd type="none" w="med" len="med"/>
+              <a:tailEnd type="none" w="med" len="med"/>
+            </a:ln>
+            <a:effectLst/>
+          </p:spPr>
+          <p:txBody>
+            <a:bodyPr vert="horz" wrap="square" lIns="91440" tIns="45720" rIns="91440" bIns="45720" numCol="1" rtlCol="0" anchor="t" anchorCtr="0" compatLnSpc="1">
+              <a:prstTxWarp prst="textNoShape">
+                <a:avLst/>
+              </a:prstTxWarp>
+            </a:bodyPr>
+            <a:lstStyle/>
+            <a:p>
+              <a:pPr marL="0" marR="0" indent="0" algn="l" defTabSz="914400" rtl="0" eaLnBrk="1" fontAlgn="base" latinLnBrk="0" hangingPunct="1">
+                <a:lnSpc>
+                  <a:spcPct val="100000"/>
+                </a:lnSpc>
+                <a:spcBef>
+                  <a:spcPct val="0"/>
+                </a:spcBef>
+                <a:spcAft>
+                  <a:spcPct val="0"/>
+                </a:spcAft>
+                <a:buClrTx/>
+                <a:buSzTx/>
+                <a:buFontTx/>
+                <a:buNone/>
+                <a:tabLst/>
+              </a:pPr>
+              <a:endParaRPr kumimoji="0" lang="fr-CH" sz="1800" b="0" i="0" u="sng" strike="noStrike" cap="none" normalizeH="0" baseline="0" smtClean="0">
+                <a:ln>
+                  <a:noFill/>
+                </a:ln>
+                <a:solidFill>
+                  <a:schemeClr val="tx1"/>
+                </a:solidFill>
+                <a:effectLst/>
+                <a:latin typeface="Arial" charset="0"/>
+              </a:endParaRPr>
+            </a:p>
+          </p:txBody>
+        </p:sp>
+        <p:sp>
+          <p:nvSpPr>
+            <p:cNvPr id="23" name="Flèche droite 22"/>
+            <p:cNvSpPr/>
+            <p:nvPr/>
+          </p:nvSpPr>
+          <p:spPr bwMode="auto">
+            <a:xfrm rot="10800000">
+              <a:off x="827584" y="2519227"/>
+              <a:ext cx="1116124" cy="251916"/>
+            </a:xfrm>
+            <a:prstGeom prst="rightArrow">
+              <a:avLst/>
+            </a:prstGeom>
+            <a:solidFill>
+              <a:schemeClr val="accent1"/>
+            </a:solidFill>
+            <a:ln w="9525" cap="flat" cmpd="sng" algn="ctr">
+              <a:solidFill>
+                <a:schemeClr val="tx1"/>
+              </a:solidFill>
+              <a:prstDash val="solid"/>
+              <a:round/>
+              <a:headEnd type="none" w="med" len="med"/>
+              <a:tailEnd type="none" w="med" len="med"/>
+            </a:ln>
+            <a:effectLst/>
+          </p:spPr>
+          <p:txBody>
+            <a:bodyPr vert="horz" wrap="square" lIns="91440" tIns="45720" rIns="91440" bIns="45720" numCol="1" rtlCol="0" anchor="t" anchorCtr="0" compatLnSpc="1">
+              <a:prstTxWarp prst="textNoShape">
+                <a:avLst/>
+              </a:prstTxWarp>
+            </a:bodyPr>
+            <a:lstStyle/>
+            <a:p>
+              <a:pPr marL="0" marR="0" indent="0" algn="l" defTabSz="914400" rtl="0" eaLnBrk="1" fontAlgn="base" latinLnBrk="0" hangingPunct="1">
+                <a:lnSpc>
+                  <a:spcPct val="100000"/>
+                </a:lnSpc>
+                <a:spcBef>
+                  <a:spcPct val="0"/>
+                </a:spcBef>
+                <a:spcAft>
+                  <a:spcPct val="0"/>
+                </a:spcAft>
+                <a:buClrTx/>
+                <a:buSzTx/>
+                <a:buFontTx/>
+                <a:buNone/>
+                <a:tabLst/>
+              </a:pPr>
+              <a:endParaRPr kumimoji="0" lang="fr-CH" sz="1800" b="0" i="0" u="sng" strike="noStrike" cap="none" normalizeH="0" baseline="0" smtClean="0">
+                <a:ln>
+                  <a:noFill/>
+                </a:ln>
+                <a:solidFill>
+                  <a:schemeClr val="tx1"/>
+                </a:solidFill>
+                <a:effectLst/>
+                <a:latin typeface="Arial" charset="0"/>
+              </a:endParaRPr>
+            </a:p>
+          </p:txBody>
+        </p:sp>
+      </p:grpSp>
+      <p:sp>
+        <p:nvSpPr>
+          <p:cNvPr id="4" name="Espace réservé de la date 3"/>
+          <p:cNvSpPr>
+            <a:spLocks noGrp="1"/>
+          </p:cNvSpPr>
+          <p:nvPr>
+            <p:ph type="dt" sz="half" idx="10"/>
+          </p:nvPr>
+        </p:nvSpPr>
+        <p:spPr>
+          <a:xfrm>
+            <a:off x="457200" y="6384972"/>
+            <a:ext cx="2133600" cy="476250"/>
+          </a:xfrm>
+        </p:spPr>
+        <p:txBody>
+          <a:bodyPr/>
+          <a:lstStyle/>
+          <a:p>
+            <a:fld id="{DE3EECC3-BAC3-4A29-8636-7743FF9A3806}" type="datetime1">
+              <a:rPr lang="fr-CH" smtClean="0">
+                <a:solidFill>
+                  <a:schemeClr val="tx1">
+                    <a:lumMod val="65000"/>
+                    <a:lumOff val="35000"/>
+                  </a:schemeClr>
+                </a:solidFill>
+              </a:rPr>
+              <a:pPr/>
+              <a:t>11.06.2010</a:t>
+            </a:fld>
+            <a:endParaRPr lang="fr-FR" dirty="0">
+              <a:solidFill>
+                <a:schemeClr val="tx1">
+                  <a:lumMod val="65000"/>
+                  <a:lumOff val="35000"/>
+                </a:schemeClr>
+              </a:solidFill>
+            </a:endParaRPr>
+          </a:p>
+        </p:txBody>
+      </p:sp>
+      <p:sp>
+        <p:nvSpPr>
+          <p:cNvPr id="6" name="Espace réservé du numéro de diapositive 5"/>
+          <p:cNvSpPr>
+            <a:spLocks noGrp="1"/>
+          </p:cNvSpPr>
+          <p:nvPr>
+            <p:ph type="sldNum" sz="quarter" idx="12"/>
+          </p:nvPr>
+        </p:nvSpPr>
+        <p:spPr>
+          <a:xfrm>
+            <a:off x="6553200" y="6384972"/>
+            <a:ext cx="2133600" cy="476250"/>
+          </a:xfrm>
+        </p:spPr>
+        <p:txBody>
+          <a:bodyPr/>
+          <a:lstStyle/>
+          <a:p>
+            <a:fld id="{420F5742-7484-4AFF-BE5C-C36DF30CE89D}" type="slidenum">
+              <a:rPr lang="fr-FR" smtClean="0">
+                <a:solidFill>
+                  <a:schemeClr val="tx1">
+                    <a:lumMod val="65000"/>
+                    <a:lumOff val="35000"/>
+                  </a:schemeClr>
+                </a:solidFill>
+              </a:rPr>
+              <a:pPr/>
+              <a:t>11</a:t>
+            </a:fld>
+            <a:r>
+              <a:rPr lang="fr-FR" dirty="0" smtClean="0">
+                <a:solidFill>
+                  <a:schemeClr val="tx1">
+                    <a:lumMod val="65000"/>
+                    <a:lumOff val="35000"/>
+                  </a:schemeClr>
+                </a:solidFill>
+              </a:rPr>
+              <a:t>/14</a:t>
+            </a:r>
+            <a:endParaRPr lang="fr-FR" dirty="0">
+              <a:solidFill>
+                <a:schemeClr val="tx1">
+                  <a:lumMod val="65000"/>
+                  <a:lumOff val="35000"/>
+                </a:schemeClr>
+              </a:solidFill>
+            </a:endParaRPr>
+          </a:p>
+        </p:txBody>
+      </p:sp>
+      <p:sp>
+        <p:nvSpPr>
+          <p:cNvPr id="7" name="Rectangle 4"/>
           <p:cNvSpPr>
             <a:spLocks noChangeArrowheads="1"/>
           </p:cNvSpPr>
@@ -5922,7 +7298,7 @@
       </p:sp>
       <p:sp>
         <p:nvSpPr>
-          <p:cNvPr id="17" name="Rectangle 13"/>
+          <p:cNvPr id="8" name="Rectangle 33"/>
           <p:cNvSpPr>
             <a:spLocks noChangeArrowheads="1"/>
           </p:cNvSpPr>
@@ -5967,7 +7343,67 @@
       </p:sp>
       <p:sp>
         <p:nvSpPr>
-          <p:cNvPr id="18" name="Rectangle 14"/>
+          <p:cNvPr id="11" name="Text Box 5"/>
+          <p:cNvSpPr txBox="1">
+            <a:spLocks noChangeArrowheads="1"/>
+          </p:cNvSpPr>
+          <p:nvPr/>
+        </p:nvSpPr>
+        <p:spPr bwMode="auto">
+          <a:xfrm>
+            <a:off x="0" y="381000"/>
+            <a:ext cx="9144000" cy="396875"/>
+          </a:xfrm>
+          <a:prstGeom prst="rect">
+            <a:avLst/>
+          </a:prstGeom>
+          <a:noFill/>
+          <a:ln w="9525">
+            <a:noFill/>
+            <a:miter lim="800000"/>
+            <a:headEnd/>
+            <a:tailEnd/>
+          </a:ln>
+          <a:effectLst/>
+        </p:spPr>
+        <p:txBody>
+          <a:bodyPr>
+            <a:spAutoFit/>
+          </a:bodyPr>
+          <a:lstStyle/>
+          <a:p>
+            <a:pPr algn="ctr"/>
+            <a:r>
+              <a:rPr lang="fr-FR" sz="2000" b="1" u="none" dirty="0" smtClean="0">
+                <a:solidFill>
+                  <a:schemeClr val="bg1"/>
+                </a:solidFill>
+                <a:effectLst>
+                  <a:outerShdw blurRad="38100" dist="38100" dir="2700000" algn="tl">
+                    <a:srgbClr val="C0C0C0"/>
+                  </a:outerShdw>
+                </a:effectLst>
+                <a:latin typeface="Trebuchet MS" pitchFamily="34" charset="0"/>
+              </a:rPr>
+              <a:t>CLIENT / SERVEUR</a:t>
+            </a:r>
+            <a:endParaRPr lang="fr-FR" sz="2000" b="1" u="none" dirty="0">
+              <a:solidFill>
+                <a:schemeClr val="bg1"/>
+              </a:solidFill>
+              <a:effectLst>
+                <a:outerShdw blurRad="38100" dist="38100" dir="2700000" algn="tl">
+                  <a:srgbClr val="C0C0C0"/>
+                </a:outerShdw>
+              </a:effectLst>
+              <a:latin typeface="Trebuchet MS" pitchFamily="34" charset="0"/>
+            </a:endParaRPr>
+          </a:p>
+        </p:txBody>
+      </p:sp>
+      <p:sp>
+        <p:nvSpPr>
+          <p:cNvPr id="104" name="Rectangle 34"/>
           <p:cNvSpPr>
             <a:spLocks noChangeArrowheads="1"/>
           </p:cNvSpPr>
@@ -5975,7 +7411,7 @@
         </p:nvSpPr>
         <p:spPr bwMode="auto">
           <a:xfrm>
-            <a:off x="0" y="6629400"/>
+            <a:off x="0" y="6632622"/>
             <a:ext cx="9144000" cy="228600"/>
           </a:xfrm>
           <a:prstGeom prst="rect">
@@ -6012,6 +7448,634 @@
       </p:sp>
       <p:sp>
         <p:nvSpPr>
+          <p:cNvPr id="105" name="Espace réservé du pied de page 13"/>
+          <p:cNvSpPr>
+            <a:spLocks noGrp="1"/>
+          </p:cNvSpPr>
+          <p:nvPr>
+            <p:ph type="ftr" sz="quarter" idx="11"/>
+          </p:nvPr>
+        </p:nvSpPr>
+        <p:spPr>
+          <a:xfrm>
+            <a:off x="3124200" y="6384972"/>
+            <a:ext cx="2895600" cy="476250"/>
+          </a:xfrm>
+        </p:spPr>
+        <p:txBody>
+          <a:bodyPr/>
+          <a:lstStyle/>
+          <a:p>
+            <a:r>
+              <a:rPr lang="fr-FR" dirty="0" smtClean="0">
+                <a:solidFill>
+                  <a:schemeClr val="tx1">
+                    <a:lumMod val="65000"/>
+                    <a:lumOff val="35000"/>
+                  </a:schemeClr>
+                </a:solidFill>
+              </a:rPr>
+              <a:t>ADO – PPZ – LFH – RPN</a:t>
+            </a:r>
+          </a:p>
+        </p:txBody>
+      </p:sp>
+      <p:sp>
+        <p:nvSpPr>
+          <p:cNvPr id="36" name="Ellipse 35"/>
+          <p:cNvSpPr/>
+          <p:nvPr/>
+        </p:nvSpPr>
+        <p:spPr bwMode="auto">
+          <a:xfrm>
+            <a:off x="719572" y="1601238"/>
+            <a:ext cx="1801180" cy="1071678"/>
+          </a:xfrm>
+          <a:prstGeom prst="ellipse">
+            <a:avLst/>
+          </a:prstGeom>
+          <a:noFill/>
+          <a:ln w="9525" cap="flat" cmpd="sng" algn="ctr">
+            <a:solidFill>
+              <a:schemeClr val="tx1"/>
+            </a:solidFill>
+            <a:prstDash val="solid"/>
+            <a:round/>
+            <a:headEnd type="none" w="med" len="med"/>
+            <a:tailEnd type="none" w="med" len="med"/>
+          </a:ln>
+          <a:effectLst/>
+        </p:spPr>
+        <p:txBody>
+          <a:bodyPr vert="horz" wrap="square" lIns="91440" tIns="45720" rIns="91440" bIns="45720" numCol="1" rtlCol="0" anchor="t" anchorCtr="0" compatLnSpc="1">
+            <a:prstTxWarp prst="textNoShape">
+              <a:avLst/>
+            </a:prstTxWarp>
+          </a:bodyPr>
+          <a:lstStyle/>
+          <a:p>
+            <a:pPr marL="0" marR="0" indent="0" algn="l" defTabSz="914400" rtl="0" eaLnBrk="1" fontAlgn="base" latinLnBrk="0" hangingPunct="1">
+              <a:lnSpc>
+                <a:spcPct val="100000"/>
+              </a:lnSpc>
+              <a:spcBef>
+                <a:spcPct val="0"/>
+              </a:spcBef>
+              <a:spcAft>
+                <a:spcPct val="0"/>
+              </a:spcAft>
+              <a:buClrTx/>
+              <a:buSzTx/>
+              <a:buFontTx/>
+              <a:buNone/>
+              <a:tabLst/>
+            </a:pPr>
+            <a:endParaRPr kumimoji="0" lang="fr-CH" sz="1800" b="0" i="0" u="sng" strike="noStrike" cap="none" normalizeH="0" baseline="0" smtClean="0">
+              <a:ln>
+                <a:noFill/>
+              </a:ln>
+              <a:solidFill>
+                <a:schemeClr val="tx1"/>
+              </a:solidFill>
+              <a:effectLst/>
+              <a:latin typeface="Arial" charset="0"/>
+            </a:endParaRPr>
+          </a:p>
+        </p:txBody>
+      </p:sp>
+      <p:sp>
+        <p:nvSpPr>
+          <p:cNvPr id="43" name="Flèche droite 42"/>
+          <p:cNvSpPr/>
+          <p:nvPr/>
+        </p:nvSpPr>
+        <p:spPr bwMode="auto">
+          <a:xfrm>
+            <a:off x="4901716" y="2843262"/>
+            <a:ext cx="3630724" cy="720080"/>
+          </a:xfrm>
+          <a:prstGeom prst="rightArrow">
+            <a:avLst/>
+          </a:prstGeom>
+          <a:solidFill>
+            <a:schemeClr val="accent1"/>
+          </a:solidFill>
+          <a:ln w="9525" cap="flat" cmpd="sng" algn="ctr">
+            <a:solidFill>
+              <a:schemeClr val="tx1"/>
+            </a:solidFill>
+            <a:prstDash val="solid"/>
+            <a:round/>
+            <a:headEnd type="none" w="med" len="med"/>
+            <a:tailEnd type="none" w="med" len="med"/>
+          </a:ln>
+          <a:effectLst/>
+        </p:spPr>
+        <p:txBody>
+          <a:bodyPr vert="horz" wrap="square" lIns="91440" tIns="45720" rIns="91440" bIns="45720" numCol="1" rtlCol="0" anchor="t" anchorCtr="0" compatLnSpc="1">
+            <a:prstTxWarp prst="textNoShape">
+              <a:avLst/>
+            </a:prstTxWarp>
+          </a:bodyPr>
+          <a:lstStyle/>
+          <a:p>
+            <a:pPr marL="0" marR="0" indent="0" algn="l" defTabSz="914400" rtl="0" eaLnBrk="1" fontAlgn="base" latinLnBrk="0" hangingPunct="1">
+              <a:lnSpc>
+                <a:spcPct val="100000"/>
+              </a:lnSpc>
+              <a:spcBef>
+                <a:spcPct val="0"/>
+              </a:spcBef>
+              <a:spcAft>
+                <a:spcPct val="0"/>
+              </a:spcAft>
+              <a:buClrTx/>
+              <a:buSzTx/>
+              <a:buFontTx/>
+              <a:buNone/>
+              <a:tabLst/>
+            </a:pPr>
+            <a:endParaRPr kumimoji="0" lang="fr-CH" sz="1800" b="0" i="0" u="sng" strike="noStrike" cap="none" normalizeH="0" baseline="0" smtClean="0">
+              <a:ln>
+                <a:noFill/>
+              </a:ln>
+              <a:solidFill>
+                <a:schemeClr val="tx1"/>
+              </a:solidFill>
+              <a:effectLst/>
+              <a:latin typeface="Arial" charset="0"/>
+            </a:endParaRPr>
+          </a:p>
+        </p:txBody>
+      </p:sp>
+      <p:sp>
+        <p:nvSpPr>
+          <p:cNvPr id="46" name="Flèche droite 45"/>
+          <p:cNvSpPr/>
+          <p:nvPr/>
+        </p:nvSpPr>
+        <p:spPr bwMode="auto">
+          <a:xfrm rot="10800000">
+            <a:off x="4901716" y="4453767"/>
+            <a:ext cx="3630724" cy="1377825"/>
+          </a:xfrm>
+          <a:prstGeom prst="rightArrow">
+            <a:avLst/>
+          </a:prstGeom>
+          <a:solidFill>
+            <a:schemeClr val="accent1"/>
+          </a:solidFill>
+          <a:ln w="9525" cap="flat" cmpd="sng" algn="ctr">
+            <a:solidFill>
+              <a:schemeClr val="tx1"/>
+            </a:solidFill>
+            <a:prstDash val="solid"/>
+            <a:round/>
+            <a:headEnd type="none" w="med" len="med"/>
+            <a:tailEnd type="none" w="med" len="med"/>
+          </a:ln>
+          <a:effectLst/>
+        </p:spPr>
+        <p:txBody>
+          <a:bodyPr vert="vert270" wrap="square" lIns="91440" tIns="45720" rIns="91440" bIns="45720" numCol="1" rtlCol="0" anchor="t" anchorCtr="0" compatLnSpc="1">
+            <a:prstTxWarp prst="textNoShape">
+              <a:avLst/>
+            </a:prstTxWarp>
+          </a:bodyPr>
+          <a:lstStyle/>
+          <a:p>
+            <a:pPr marL="0" marR="0" indent="0" algn="l" defTabSz="914400" rtl="0" eaLnBrk="1" fontAlgn="base" latinLnBrk="0" hangingPunct="1">
+              <a:lnSpc>
+                <a:spcPct val="100000"/>
+              </a:lnSpc>
+              <a:spcBef>
+                <a:spcPct val="0"/>
+              </a:spcBef>
+              <a:spcAft>
+                <a:spcPct val="0"/>
+              </a:spcAft>
+              <a:buClrTx/>
+              <a:buSzTx/>
+              <a:buFontTx/>
+              <a:buNone/>
+              <a:tabLst/>
+            </a:pPr>
+            <a:endParaRPr kumimoji="0" lang="fr-CH" sz="1800" b="0" i="0" u="none" strike="noStrike" cap="none" normalizeH="0" baseline="0" dirty="0" smtClean="0">
+              <a:ln>
+                <a:noFill/>
+              </a:ln>
+              <a:solidFill>
+                <a:schemeClr val="tx1"/>
+              </a:solidFill>
+              <a:effectLst/>
+              <a:latin typeface="Arial" charset="0"/>
+            </a:endParaRPr>
+          </a:p>
+        </p:txBody>
+      </p:sp>
+      <p:sp>
+        <p:nvSpPr>
+          <p:cNvPr id="47" name="Flèche droite 46"/>
+          <p:cNvSpPr/>
+          <p:nvPr/>
+        </p:nvSpPr>
+        <p:spPr bwMode="auto">
+          <a:xfrm>
+            <a:off x="4900854" y="3825044"/>
+            <a:ext cx="3630724" cy="720080"/>
+          </a:xfrm>
+          <a:prstGeom prst="rightArrow">
+            <a:avLst/>
+          </a:prstGeom>
+          <a:solidFill>
+            <a:schemeClr val="accent1"/>
+          </a:solidFill>
+          <a:ln w="9525" cap="flat" cmpd="sng" algn="ctr">
+            <a:solidFill>
+              <a:schemeClr val="tx1"/>
+            </a:solidFill>
+            <a:prstDash val="solid"/>
+            <a:round/>
+            <a:headEnd type="none" w="med" len="med"/>
+            <a:tailEnd type="none" w="med" len="med"/>
+          </a:ln>
+          <a:effectLst/>
+        </p:spPr>
+        <p:txBody>
+          <a:bodyPr vert="horz" wrap="square" lIns="91440" tIns="45720" rIns="91440" bIns="45720" numCol="1" rtlCol="0" anchor="t" anchorCtr="0" compatLnSpc="1">
+            <a:prstTxWarp prst="textNoShape">
+              <a:avLst/>
+            </a:prstTxWarp>
+          </a:bodyPr>
+          <a:lstStyle/>
+          <a:p>
+            <a:pPr marL="0" marR="0" indent="0" algn="l" defTabSz="914400" rtl="0" eaLnBrk="1" fontAlgn="base" latinLnBrk="0" hangingPunct="1">
+              <a:lnSpc>
+                <a:spcPct val="100000"/>
+              </a:lnSpc>
+              <a:spcBef>
+                <a:spcPct val="0"/>
+              </a:spcBef>
+              <a:spcAft>
+                <a:spcPct val="0"/>
+              </a:spcAft>
+              <a:buClrTx/>
+              <a:buSzTx/>
+              <a:buFontTx/>
+              <a:buNone/>
+              <a:tabLst/>
+            </a:pPr>
+            <a:endParaRPr kumimoji="0" lang="fr-CH" sz="1800" b="0" i="0" u="none" strike="noStrike" cap="none" normalizeH="0" baseline="0" dirty="0" smtClean="0">
+              <a:ln>
+                <a:noFill/>
+              </a:ln>
+              <a:solidFill>
+                <a:schemeClr val="tx1"/>
+              </a:solidFill>
+              <a:effectLst/>
+              <a:latin typeface="Arial" charset="0"/>
+            </a:endParaRPr>
+          </a:p>
+        </p:txBody>
+      </p:sp>
+      <p:sp>
+        <p:nvSpPr>
+          <p:cNvPr id="50" name="ZoneTexte 49"/>
+          <p:cNvSpPr txBox="1"/>
+          <p:nvPr/>
+        </p:nvSpPr>
+        <p:spPr>
+          <a:xfrm>
+            <a:off x="1760877" y="4571836"/>
+            <a:ext cx="2775119" cy="369332"/>
+          </a:xfrm>
+          <a:prstGeom prst="rect">
+            <a:avLst/>
+          </a:prstGeom>
+          <a:noFill/>
+        </p:spPr>
+        <p:txBody>
+          <a:bodyPr wrap="none" rtlCol="0">
+            <a:spAutoFit/>
+          </a:bodyPr>
+          <a:lstStyle/>
+          <a:p>
+            <a:r>
+              <a:rPr lang="fr-CH" b="1" u="none" dirty="0" smtClean="0"/>
+              <a:t>Canal 1 </a:t>
+            </a:r>
+            <a:r>
+              <a:rPr lang="fr-CH" u="none" dirty="0" smtClean="0"/>
+              <a:t>: Communication</a:t>
+            </a:r>
+            <a:endParaRPr lang="fr-CH" u="none" dirty="0"/>
+          </a:p>
+        </p:txBody>
+      </p:sp>
+      <p:sp>
+        <p:nvSpPr>
+          <p:cNvPr id="51" name="Rectangle 50"/>
+          <p:cNvSpPr/>
+          <p:nvPr/>
+        </p:nvSpPr>
+        <p:spPr>
+          <a:xfrm>
+            <a:off x="1799692" y="3032956"/>
+            <a:ext cx="2403287" cy="369332"/>
+          </a:xfrm>
+          <a:prstGeom prst="rect">
+            <a:avLst/>
+          </a:prstGeom>
+        </p:spPr>
+        <p:txBody>
+          <a:bodyPr wrap="none">
+            <a:spAutoFit/>
+          </a:bodyPr>
+          <a:lstStyle/>
+          <a:p>
+            <a:r>
+              <a:rPr lang="fr-CH" b="1" u="none" dirty="0" smtClean="0"/>
+              <a:t>Canal 2 </a:t>
+            </a:r>
+            <a:r>
+              <a:rPr lang="fr-CH" u="none" dirty="0" smtClean="0"/>
+              <a:t>: Asynchrone</a:t>
+            </a:r>
+            <a:endParaRPr lang="fr-CH" u="none" dirty="0"/>
+          </a:p>
+        </p:txBody>
+      </p:sp>
+      <p:sp>
+        <p:nvSpPr>
+          <p:cNvPr id="52" name="Flèche à angle droit 51"/>
+          <p:cNvSpPr/>
+          <p:nvPr/>
+        </p:nvSpPr>
+        <p:spPr bwMode="auto">
+          <a:xfrm rot="10800000" flipH="1">
+            <a:off x="2771800" y="2070631"/>
+            <a:ext cx="3248000" cy="530276"/>
+          </a:xfrm>
+          <a:prstGeom prst="bentUpArrow">
+            <a:avLst>
+              <a:gd name="adj1" fmla="val 10630"/>
+              <a:gd name="adj2" fmla="val 16789"/>
+              <a:gd name="adj3" fmla="val 29106"/>
+            </a:avLst>
+          </a:prstGeom>
+          <a:solidFill>
+            <a:schemeClr val="tx1">
+              <a:lumMod val="95000"/>
+              <a:lumOff val="5000"/>
+            </a:schemeClr>
+          </a:solidFill>
+          <a:ln w="9525" cap="flat" cmpd="sng" algn="ctr">
+            <a:solidFill>
+              <a:schemeClr val="tx1"/>
+            </a:solidFill>
+            <a:prstDash val="solid"/>
+            <a:round/>
+            <a:headEnd type="none" w="med" len="med"/>
+            <a:tailEnd type="none" w="med" len="med"/>
+          </a:ln>
+          <a:effectLst/>
+        </p:spPr>
+        <p:txBody>
+          <a:bodyPr vert="horz" wrap="square" lIns="91440" tIns="45720" rIns="91440" bIns="45720" numCol="1" rtlCol="0" anchor="t" anchorCtr="0" compatLnSpc="1">
+            <a:prstTxWarp prst="textNoShape">
+              <a:avLst/>
+            </a:prstTxWarp>
+          </a:bodyPr>
+          <a:lstStyle/>
+          <a:p>
+            <a:pPr marL="0" marR="0" indent="0" algn="l" defTabSz="914400" rtl="0" eaLnBrk="1" fontAlgn="base" latinLnBrk="0" hangingPunct="1">
+              <a:lnSpc>
+                <a:spcPct val="100000"/>
+              </a:lnSpc>
+              <a:spcBef>
+                <a:spcPct val="0"/>
+              </a:spcBef>
+              <a:spcAft>
+                <a:spcPct val="0"/>
+              </a:spcAft>
+              <a:buClrTx/>
+              <a:buSzTx/>
+              <a:buFontTx/>
+              <a:buNone/>
+              <a:tabLst/>
+            </a:pPr>
+            <a:endParaRPr kumimoji="0" lang="fr-CH" sz="1800" b="0" i="0" u="sng" strike="noStrike" cap="none" normalizeH="0" baseline="0" smtClean="0">
+              <a:ln>
+                <a:noFill/>
+              </a:ln>
+              <a:solidFill>
+                <a:schemeClr val="tx1"/>
+              </a:solidFill>
+              <a:effectLst/>
+              <a:latin typeface="Arial" charset="0"/>
+            </a:endParaRPr>
+          </a:p>
+        </p:txBody>
+      </p:sp>
+      <p:cxnSp>
+        <p:nvCxnSpPr>
+          <p:cNvPr id="54" name="Connecteur droit 53"/>
+          <p:cNvCxnSpPr/>
+          <p:nvPr/>
+        </p:nvCxnSpPr>
+        <p:spPr bwMode="auto">
+          <a:xfrm>
+            <a:off x="4716016" y="3717032"/>
+            <a:ext cx="3970784" cy="0"/>
+          </a:xfrm>
+          <a:prstGeom prst="line">
+            <a:avLst/>
+          </a:prstGeom>
+          <a:solidFill>
+            <a:schemeClr val="accent1"/>
+          </a:solidFill>
+          <a:ln w="9525" cap="flat" cmpd="sng" algn="ctr">
+            <a:solidFill>
+              <a:schemeClr val="tx1"/>
+            </a:solidFill>
+            <a:prstDash val="dash"/>
+            <a:round/>
+            <a:headEnd type="none" w="med" len="med"/>
+            <a:tailEnd type="none" w="med" len="med"/>
+          </a:ln>
+          <a:effectLst/>
+        </p:spPr>
+      </p:cxnSp>
+    </p:spTree>
+  </p:cSld>
+  <p:clrMapOvr>
+    <a:masterClrMapping/>
+  </p:clrMapOvr>
+  <p:transition>
+    <p:fade/>
+  </p:transition>
+  <p:timing>
+    <p:tnLst>
+      <p:par>
+        <p:cTn id="1" dur="indefinite" restart="never" nodeType="tmRoot"/>
+      </p:par>
+    </p:tnLst>
+  </p:timing>
+</p:sld>
+</file>
+
+<file path=ppt/slides/slide12.xml><?xml version="1.0" encoding="utf-8"?>
+<p:sld xmlns:a="http://schemas.openxmlformats.org/drawingml/2006/main" xmlns:r="http://schemas.openxmlformats.org/officeDocument/2006/relationships" xmlns:p="http://schemas.openxmlformats.org/presentationml/2006/main">
+  <p:cSld>
+    <p:spTree>
+      <p:nvGrpSpPr>
+        <p:cNvPr id="1" name=""/>
+        <p:cNvGrpSpPr/>
+        <p:nvPr/>
+      </p:nvGrpSpPr>
+      <p:grpSpPr>
+        <a:xfrm>
+          <a:off x="0" y="0"/>
+          <a:ext cx="0" cy="0"/>
+          <a:chOff x="0" y="0"/>
+          <a:chExt cx="0" cy="0"/>
+        </a:xfrm>
+      </p:grpSpPr>
+      <p:sp>
+        <p:nvSpPr>
+          <p:cNvPr id="14" name="Rectangle 4"/>
+          <p:cNvSpPr>
+            <a:spLocks noChangeArrowheads="1"/>
+          </p:cNvSpPr>
+          <p:nvPr/>
+        </p:nvSpPr>
+        <p:spPr bwMode="auto">
+          <a:xfrm>
+            <a:off x="0" y="0"/>
+            <a:ext cx="9144000" cy="1143000"/>
+          </a:xfrm>
+          <a:prstGeom prst="rect">
+            <a:avLst/>
+          </a:prstGeom>
+          <a:gradFill rotWithShape="1">
+            <a:gsLst>
+              <a:gs pos="0">
+                <a:srgbClr val="00B400"/>
+              </a:gs>
+              <a:gs pos="100000">
+                <a:srgbClr val="006000"/>
+              </a:gs>
+            </a:gsLst>
+            <a:lin ang="5400000" scaled="1"/>
+          </a:gradFill>
+          <a:ln w="9525">
+            <a:noFill/>
+            <a:miter lim="800000"/>
+            <a:headEnd/>
+            <a:tailEnd/>
+          </a:ln>
+          <a:effectLst/>
+        </p:spPr>
+        <p:txBody>
+          <a:bodyPr wrap="none" anchor="ctr"/>
+          <a:lstStyle/>
+          <a:p>
+            <a:endParaRPr lang="fr-CH"/>
+          </a:p>
+        </p:txBody>
+      </p:sp>
+      <p:sp>
+        <p:nvSpPr>
+          <p:cNvPr id="17" name="Rectangle 13"/>
+          <p:cNvSpPr>
+            <a:spLocks noChangeArrowheads="1"/>
+          </p:cNvSpPr>
+          <p:nvPr/>
+        </p:nvSpPr>
+        <p:spPr bwMode="auto">
+          <a:xfrm>
+            <a:off x="0" y="1143000"/>
+            <a:ext cx="9144000" cy="152400"/>
+          </a:xfrm>
+          <a:prstGeom prst="rect">
+            <a:avLst/>
+          </a:prstGeom>
+          <a:gradFill rotWithShape="1">
+            <a:gsLst>
+              <a:gs pos="0">
+                <a:srgbClr val="5F5F5F"/>
+              </a:gs>
+              <a:gs pos="100000">
+                <a:srgbClr val="DDDDDD">
+                  <a:alpha val="0"/>
+                </a:srgbClr>
+              </a:gs>
+            </a:gsLst>
+            <a:lin ang="5400000" scaled="1"/>
+          </a:gradFill>
+          <a:ln w="9525">
+            <a:noFill/>
+            <a:miter lim="800000"/>
+            <a:headEnd/>
+            <a:tailEnd/>
+          </a:ln>
+          <a:effectLst/>
+        </p:spPr>
+        <p:txBody>
+          <a:bodyPr wrap="none" anchor="ctr"/>
+          <a:lstStyle/>
+          <a:p>
+            <a:endParaRPr lang="fr-CH"/>
+          </a:p>
+        </p:txBody>
+      </p:sp>
+      <p:sp>
+        <p:nvSpPr>
+          <p:cNvPr id="18" name="Rectangle 14"/>
+          <p:cNvSpPr>
+            <a:spLocks noChangeArrowheads="1"/>
+          </p:cNvSpPr>
+          <p:nvPr/>
+        </p:nvSpPr>
+        <p:spPr bwMode="auto">
+          <a:xfrm>
+            <a:off x="0" y="6629400"/>
+            <a:ext cx="9144000" cy="228600"/>
+          </a:xfrm>
+          <a:prstGeom prst="rect">
+            <a:avLst/>
+          </a:prstGeom>
+          <a:gradFill rotWithShape="1">
+            <a:gsLst>
+              <a:gs pos="0">
+                <a:srgbClr val="DDDDDD">
+                  <a:alpha val="0"/>
+                </a:srgbClr>
+              </a:gs>
+              <a:gs pos="100000">
+                <a:srgbClr val="767676"/>
+              </a:gs>
+            </a:gsLst>
+            <a:lin ang="5400000" scaled="1"/>
+          </a:gradFill>
+          <a:ln w="9525">
+            <a:noFill/>
+            <a:miter lim="800000"/>
+            <a:headEnd/>
+            <a:tailEnd/>
+          </a:ln>
+          <a:effectLst/>
+        </p:spPr>
+        <p:txBody>
+          <a:bodyPr wrap="none" anchor="ctr"/>
+          <a:lstStyle/>
+          <a:p>
+            <a:endParaRPr lang="fr-CH"/>
+          </a:p>
+        </p:txBody>
+      </p:sp>
+      <p:sp>
+        <p:nvSpPr>
           <p:cNvPr id="19" name="Espace réservé du numéro de diapositive 11"/>
           <p:cNvSpPr>
             <a:spLocks noGrp="1"/>
@@ -6040,7 +8104,7 @@
                 </a:solidFill>
               </a:rPr>
               <a:pPr/>
-              <a:t>11</a:t>
+              <a:t>12</a:t>
             </a:fld>
             <a:r>
               <a:rPr lang="fr-FR" dirty="0" smtClean="0">
@@ -6051,7 +8115,7 @@
                   </a:schemeClr>
                 </a:solidFill>
               </a:rPr>
-              <a:t>/12</a:t>
+              <a:t>/14</a:t>
             </a:r>
             <a:endParaRPr lang="fr-FR" dirty="0">
               <a:solidFill>
@@ -6720,7 +8784,7 @@
 </p:sld>
 </file>
 
-<file path=ppt/slides/slide12.xml><?xml version="1.0" encoding="utf-8"?>
+<file path=ppt/slides/slide13.xml><?xml version="1.0" encoding="utf-8"?>
 <p:sld xmlns:a="http://schemas.openxmlformats.org/drawingml/2006/main" xmlns:r="http://schemas.openxmlformats.org/officeDocument/2006/relationships" xmlns:p="http://schemas.openxmlformats.org/presentationml/2006/main">
   <p:cSld>
     <p:spTree>
@@ -6998,7 +9062,7 @@
                 </a:solidFill>
               </a:rPr>
               <a:pPr/>
-              <a:t>12</a:t>
+              <a:t>13</a:t>
             </a:fld>
             <a:r>
               <a:rPr lang="fr-FR" dirty="0" smtClean="0">
@@ -7009,7 +9073,7 @@
                   </a:schemeClr>
                 </a:solidFill>
               </a:rPr>
-              <a:t>/12</a:t>
+              <a:t>/14</a:t>
             </a:r>
             <a:endParaRPr lang="fr-FR" dirty="0">
               <a:solidFill>
@@ -7562,7 +9626,7 @@
 </p:sld>
 </file>
 
-<file path=ppt/slides/slide13.xml><?xml version="1.0" encoding="utf-8"?>
+<file path=ppt/slides/slide14.xml><?xml version="1.0" encoding="utf-8"?>
 <p:sld xmlns:a="http://schemas.openxmlformats.org/drawingml/2006/main" xmlns:r="http://schemas.openxmlformats.org/officeDocument/2006/relationships" xmlns:p="http://schemas.openxmlformats.org/presentationml/2006/main">
   <p:cSld>
     <p:spTree>
@@ -8587,7 +10651,7 @@
                 </a:solidFill>
               </a:rPr>
               <a:pPr/>
-              <a:t>13</a:t>
+              <a:t>14</a:t>
             </a:fld>
             <a:r>
               <a:rPr lang="fr-FR" dirty="0" smtClean="0">
@@ -8598,7 +10662,7 @@
                   </a:schemeClr>
                 </a:solidFill>
               </a:rPr>
-              <a:t>/12</a:t>
+              <a:t>/14</a:t>
             </a:r>
             <a:endParaRPr lang="fr-FR" dirty="0">
               <a:solidFill>
@@ -9044,7 +11108,7 @@
                   </a:schemeClr>
                 </a:solidFill>
               </a:rPr>
-              <a:t>/12</a:t>
+              <a:t>/14</a:t>
             </a:r>
             <a:endParaRPr lang="fr-FR" dirty="0">
               <a:solidFill>
@@ -9184,8 +11248,23 @@
               <a:rPr lang="fr-FR" u="none" dirty="0" smtClean="0">
                 <a:latin typeface="Trebuchet MS" pitchFamily="34" charset="0"/>
               </a:rPr>
-              <a:t>Architecture</a:t>
-            </a:r>
+              <a:t>Architecture </a:t>
+            </a:r>
+            <a:r>
+              <a:rPr lang="fr-FR" u="none" dirty="0" smtClean="0">
+                <a:latin typeface="Trebuchet MS" pitchFamily="34" charset="0"/>
+              </a:rPr>
+              <a:t>Observable </a:t>
+            </a:r>
+            <a:r>
+              <a:rPr lang="fr-FR" u="none" dirty="0" smtClean="0">
+                <a:latin typeface="Trebuchet MS" pitchFamily="34" charset="0"/>
+              </a:rPr>
+              <a:t>/ Observé</a:t>
+            </a:r>
+            <a:endParaRPr lang="fr-FR" u="none" dirty="0" smtClean="0">
+              <a:latin typeface="Trebuchet MS" pitchFamily="34" charset="0"/>
+            </a:endParaRPr>
           </a:p>
           <a:p>
             <a:pPr marL="342900" indent="-342900">
@@ -9671,7 +11750,7 @@
                   </a:schemeClr>
                 </a:solidFill>
               </a:rPr>
-              <a:t>/12</a:t>
+              <a:t>/14</a:t>
             </a:r>
             <a:endParaRPr lang="fr-FR" dirty="0">
               <a:solidFill>
@@ -10365,7 +12444,7 @@
                   </a:schemeClr>
                 </a:solidFill>
               </a:rPr>
-              <a:t>/12</a:t>
+              <a:t>/14</a:t>
             </a:r>
             <a:endParaRPr lang="fr-FR" dirty="0">
               <a:solidFill>
@@ -13157,7 +15236,7 @@
                   </a:schemeClr>
                 </a:solidFill>
               </a:rPr>
-              <a:t>/12</a:t>
+              <a:t>/14</a:t>
             </a:r>
             <a:endParaRPr lang="fr-FR" dirty="0">
               <a:solidFill>
@@ -13336,7 +15415,7 @@
         </p:blipFill>
         <p:spPr bwMode="auto">
           <a:xfrm>
-            <a:off x="2265680" y="1493521"/>
+            <a:off x="2590800" y="1493520"/>
             <a:ext cx="5180781" cy="4347748"/>
           </a:xfrm>
           <a:prstGeom prst="rect">
@@ -13696,7 +15775,7 @@
                   </a:schemeClr>
                 </a:solidFill>
               </a:rPr>
-              <a:t>/12</a:t>
+              <a:t>/14</a:t>
             </a:r>
             <a:endParaRPr lang="fr-FR" dirty="0">
               <a:solidFill>
@@ -13816,8 +15895,13 @@
           <a:p>
             <a:r>
               <a:rPr lang="fr-FR" u="none" dirty="0" smtClean="0"/>
-              <a:t>Durée : 1 semaine (32 heures)</a:t>
-            </a:r>
+              <a:t>Durée : 1 semaine (32 heures</a:t>
+            </a:r>
+            <a:r>
+              <a:rPr lang="fr-FR" u="none" dirty="0" smtClean="0"/>
+              <a:t>)</a:t>
+            </a:r>
+            <a:endParaRPr lang="fr-FR" u="none" dirty="0" smtClean="0"/>
           </a:p>
           <a:p>
             <a:endParaRPr lang="fr-FR" u="none" dirty="0" smtClean="0"/>
@@ -14090,7 +16174,7 @@
                   </a:schemeClr>
                 </a:solidFill>
               </a:rPr>
-              <a:t>/12</a:t>
+              <a:t>/14</a:t>
             </a:r>
             <a:endParaRPr lang="fr-FR" dirty="0">
               <a:solidFill>
@@ -14309,7 +16393,7 @@
       </p:grpSpPr>
       <p:sp>
         <p:nvSpPr>
-          <p:cNvPr id="44" name="Rectangle 4"/>
+          <p:cNvPr id="7" name="Rectangle 4"/>
           <p:cNvSpPr>
             <a:spLocks noChangeArrowheads="1"/>
           </p:cNvSpPr>
@@ -14352,7 +16436,7 @@
       </p:sp>
       <p:sp>
         <p:nvSpPr>
-          <p:cNvPr id="45" name="Rectangle 33"/>
+          <p:cNvPr id="8" name="Rectangle 298"/>
           <p:cNvSpPr>
             <a:spLocks noChangeArrowheads="1"/>
           </p:cNvSpPr>
@@ -14397,7 +16481,7 @@
       </p:sp>
       <p:sp>
         <p:nvSpPr>
-          <p:cNvPr id="46" name="Rectangle 34"/>
+          <p:cNvPr id="9" name="Rectangle 300"/>
           <p:cNvSpPr>
             <a:spLocks noChangeArrowheads="1"/>
           </p:cNvSpPr>
@@ -14442,7 +16526,7 @@
       </p:sp>
       <p:sp>
         <p:nvSpPr>
-          <p:cNvPr id="47" name="Espace réservé du numéro de diapositive 24"/>
+          <p:cNvPr id="10" name="Espace réservé du numéro de diapositive 83"/>
           <p:cNvSpPr>
             <a:spLocks noGrp="1"/>
           </p:cNvSpPr>
@@ -14481,7 +16565,450 @@
                   </a:schemeClr>
                 </a:solidFill>
               </a:rPr>
-              <a:t>/12</a:t>
+              <a:t>/14</a:t>
+            </a:r>
+            <a:endParaRPr lang="fr-FR" dirty="0">
+              <a:solidFill>
+                <a:schemeClr val="tx1">
+                  <a:lumMod val="65000"/>
+                  <a:lumOff val="35000"/>
+                </a:schemeClr>
+              </a:solidFill>
+            </a:endParaRPr>
+          </a:p>
+        </p:txBody>
+      </p:sp>
+      <p:sp>
+        <p:nvSpPr>
+          <p:cNvPr id="11" name="Espace réservé de la date 84"/>
+          <p:cNvSpPr>
+            <a:spLocks noGrp="1"/>
+          </p:cNvSpPr>
+          <p:nvPr>
+            <p:ph type="dt" sz="half" idx="10"/>
+          </p:nvPr>
+        </p:nvSpPr>
+        <p:spPr>
+          <a:xfrm>
+            <a:off x="457200" y="6384972"/>
+            <a:ext cx="2133600" cy="476250"/>
+          </a:xfrm>
+        </p:spPr>
+        <p:txBody>
+          <a:bodyPr/>
+          <a:lstStyle/>
+          <a:p>
+            <a:fld id="{D3D5CAE2-8D26-4FEA-92BD-591A5553A1EE}" type="datetime1">
+              <a:rPr lang="fr-CH" smtClean="0">
+                <a:solidFill>
+                  <a:schemeClr val="tx1">
+                    <a:lumMod val="65000"/>
+                    <a:lumOff val="35000"/>
+                  </a:schemeClr>
+                </a:solidFill>
+              </a:rPr>
+              <a:pPr/>
+              <a:t>11.06.2010</a:t>
+            </a:fld>
+            <a:endParaRPr lang="fr-FR">
+              <a:solidFill>
+                <a:schemeClr val="tx1">
+                  <a:lumMod val="65000"/>
+                  <a:lumOff val="35000"/>
+                </a:schemeClr>
+              </a:solidFill>
+            </a:endParaRPr>
+          </a:p>
+        </p:txBody>
+      </p:sp>
+      <p:sp>
+        <p:nvSpPr>
+          <p:cNvPr id="12" name="Text Box 5"/>
+          <p:cNvSpPr txBox="1">
+            <a:spLocks noChangeArrowheads="1"/>
+          </p:cNvSpPr>
+          <p:nvPr/>
+        </p:nvSpPr>
+        <p:spPr bwMode="auto">
+          <a:xfrm>
+            <a:off x="0" y="381000"/>
+            <a:ext cx="9144000" cy="396875"/>
+          </a:xfrm>
+          <a:prstGeom prst="rect">
+            <a:avLst/>
+          </a:prstGeom>
+          <a:noFill/>
+          <a:ln w="9525">
+            <a:noFill/>
+            <a:miter lim="800000"/>
+            <a:headEnd/>
+            <a:tailEnd/>
+          </a:ln>
+          <a:effectLst/>
+        </p:spPr>
+        <p:txBody>
+          <a:bodyPr>
+            <a:spAutoFit/>
+          </a:bodyPr>
+          <a:lstStyle/>
+          <a:p>
+            <a:pPr algn="ctr"/>
+            <a:r>
+              <a:rPr lang="fr-FR" sz="2000" b="1" u="none" dirty="0" smtClean="0">
+                <a:solidFill>
+                  <a:schemeClr val="bg1"/>
+                </a:solidFill>
+                <a:effectLst>
+                  <a:outerShdw blurRad="38100" dist="38100" dir="2700000" algn="tl">
+                    <a:srgbClr val="C0C0C0"/>
+                  </a:outerShdw>
+                </a:effectLst>
+                <a:latin typeface="Trebuchet MS" pitchFamily="34" charset="0"/>
+              </a:rPr>
+              <a:t>ARCHITECTURE</a:t>
+            </a:r>
+            <a:endParaRPr lang="fr-FR" sz="2000" b="1" u="none" dirty="0">
+              <a:solidFill>
+                <a:schemeClr val="bg1"/>
+              </a:solidFill>
+              <a:effectLst>
+                <a:outerShdw blurRad="38100" dist="38100" dir="2700000" algn="tl">
+                  <a:srgbClr val="C0C0C0"/>
+                </a:outerShdw>
+              </a:effectLst>
+              <a:latin typeface="Trebuchet MS" pitchFamily="34" charset="0"/>
+            </a:endParaRPr>
+          </a:p>
+        </p:txBody>
+      </p:sp>
+      <p:sp>
+        <p:nvSpPr>
+          <p:cNvPr id="13" name="Espace réservé du pied de page 13"/>
+          <p:cNvSpPr>
+            <a:spLocks noGrp="1"/>
+          </p:cNvSpPr>
+          <p:nvPr>
+            <p:ph type="ftr" sz="quarter" idx="11"/>
+          </p:nvPr>
+        </p:nvSpPr>
+        <p:spPr>
+          <a:xfrm>
+            <a:off x="3124200" y="6384972"/>
+            <a:ext cx="2895600" cy="476250"/>
+          </a:xfrm>
+        </p:spPr>
+        <p:txBody>
+          <a:bodyPr/>
+          <a:lstStyle/>
+          <a:p>
+            <a:r>
+              <a:rPr lang="fr-FR" dirty="0" smtClean="0">
+                <a:solidFill>
+                  <a:schemeClr val="tx1">
+                    <a:lumMod val="65000"/>
+                    <a:lumOff val="35000"/>
+                  </a:schemeClr>
+                </a:solidFill>
+              </a:rPr>
+              <a:t>ADO – PPZ – LFH – RPN</a:t>
+            </a:r>
+          </a:p>
+        </p:txBody>
+      </p:sp>
+      <p:pic>
+        <p:nvPicPr>
+          <p:cNvPr id="1026" name="Picture 2" descr="D:\Developpement\Java\WorkSpace\ASDTowerDefense\documents\v2.0\Architecture\HeritageJeu.png"/>
+          <p:cNvPicPr>
+            <a:picLocks noChangeAspect="1" noChangeArrowheads="1"/>
+          </p:cNvPicPr>
+          <p:nvPr/>
+        </p:nvPicPr>
+        <p:blipFill>
+          <a:blip r:embed="rId2" cstate="print"/>
+          <a:srcRect/>
+          <a:stretch>
+            <a:fillRect/>
+          </a:stretch>
+        </p:blipFill>
+        <p:spPr bwMode="auto">
+          <a:xfrm>
+            <a:off x="1799692" y="2240868"/>
+            <a:ext cx="5306461" cy="3623506"/>
+          </a:xfrm>
+          <a:prstGeom prst="rect">
+            <a:avLst/>
+          </a:prstGeom>
+          <a:noFill/>
+        </p:spPr>
+      </p:pic>
+      <p:sp>
+        <p:nvSpPr>
+          <p:cNvPr id="16" name="ZoneTexte 15"/>
+          <p:cNvSpPr txBox="1"/>
+          <p:nvPr/>
+        </p:nvSpPr>
+        <p:spPr>
+          <a:xfrm>
+            <a:off x="1115658" y="1628800"/>
+            <a:ext cx="4788490" cy="369332"/>
+          </a:xfrm>
+          <a:prstGeom prst="rect">
+            <a:avLst/>
+          </a:prstGeom>
+          <a:noFill/>
+        </p:spPr>
+        <p:txBody>
+          <a:bodyPr wrap="none" rtlCol="0">
+            <a:spAutoFit/>
+          </a:bodyPr>
+          <a:lstStyle/>
+          <a:p>
+            <a:r>
+              <a:rPr lang="fr-CH" u="none" dirty="0" smtClean="0"/>
+              <a:t>Même model pour le jeu solo et multi-joueurs</a:t>
+            </a:r>
+            <a:endParaRPr lang="fr-CH" u="none" dirty="0"/>
+          </a:p>
+        </p:txBody>
+      </p:sp>
+      <p:pic>
+        <p:nvPicPr>
+          <p:cNvPr id="17" name="Picture 3" descr="C:\Documents and Settings\Administrateur\Bureau\accessoires-redacteur-en-chef-texte-icone-3655-128.png"/>
+          <p:cNvPicPr>
+            <a:picLocks noChangeAspect="1" noChangeArrowheads="1"/>
+          </p:cNvPicPr>
+          <p:nvPr/>
+        </p:nvPicPr>
+        <p:blipFill>
+          <a:blip r:embed="rId3" cstate="print"/>
+          <a:srcRect/>
+          <a:stretch>
+            <a:fillRect/>
+          </a:stretch>
+        </p:blipFill>
+        <p:spPr bwMode="auto">
+          <a:xfrm>
+            <a:off x="583801" y="1592796"/>
+            <a:ext cx="459807" cy="459807"/>
+          </a:xfrm>
+          <a:prstGeom prst="rect">
+            <a:avLst/>
+          </a:prstGeom>
+          <a:ln>
+            <a:noFill/>
+          </a:ln>
+          <a:effectLst>
+            <a:outerShdw blurRad="292100" dist="139700" dir="2700000" algn="tl" rotWithShape="0">
+              <a:srgbClr val="333333">
+                <a:alpha val="65000"/>
+              </a:srgbClr>
+            </a:outerShdw>
+          </a:effectLst>
+        </p:spPr>
+      </p:pic>
+    </p:spTree>
+  </p:cSld>
+  <p:clrMapOvr>
+    <a:masterClrMapping/>
+  </p:clrMapOvr>
+  <p:transition>
+    <p:fade/>
+  </p:transition>
+</p:sld>
+</file>
+
+<file path=ppt/slides/slide9.xml><?xml version="1.0" encoding="utf-8"?>
+<p:sld xmlns:a="http://schemas.openxmlformats.org/drawingml/2006/main" xmlns:r="http://schemas.openxmlformats.org/officeDocument/2006/relationships" xmlns:p="http://schemas.openxmlformats.org/presentationml/2006/main">
+  <p:cSld>
+    <p:spTree>
+      <p:nvGrpSpPr>
+        <p:cNvPr id="1" name=""/>
+        <p:cNvGrpSpPr/>
+        <p:nvPr/>
+      </p:nvGrpSpPr>
+      <p:grpSpPr>
+        <a:xfrm>
+          <a:off x="0" y="0"/>
+          <a:ext cx="0" cy="0"/>
+          <a:chOff x="0" y="0"/>
+          <a:chExt cx="0" cy="0"/>
+        </a:xfrm>
+      </p:grpSpPr>
+      <p:sp>
+        <p:nvSpPr>
+          <p:cNvPr id="44" name="Rectangle 4"/>
+          <p:cNvSpPr>
+            <a:spLocks noChangeArrowheads="1"/>
+          </p:cNvSpPr>
+          <p:nvPr/>
+        </p:nvSpPr>
+        <p:spPr bwMode="auto">
+          <a:xfrm>
+            <a:off x="0" y="0"/>
+            <a:ext cx="9144000" cy="1143000"/>
+          </a:xfrm>
+          <a:prstGeom prst="rect">
+            <a:avLst/>
+          </a:prstGeom>
+          <a:gradFill rotWithShape="1">
+            <a:gsLst>
+              <a:gs pos="0">
+                <a:srgbClr val="00B400"/>
+              </a:gs>
+              <a:gs pos="100000">
+                <a:srgbClr val="006000"/>
+              </a:gs>
+            </a:gsLst>
+            <a:lin ang="5400000" scaled="1"/>
+          </a:gradFill>
+          <a:ln w="9525">
+            <a:noFill/>
+            <a:miter lim="800000"/>
+            <a:headEnd/>
+            <a:tailEnd/>
+          </a:ln>
+          <a:effectLst/>
+        </p:spPr>
+        <p:txBody>
+          <a:bodyPr wrap="none" anchor="ctr"/>
+          <a:lstStyle/>
+          <a:p>
+            <a:endParaRPr lang="fr-CH"/>
+          </a:p>
+        </p:txBody>
+      </p:sp>
+      <p:sp>
+        <p:nvSpPr>
+          <p:cNvPr id="45" name="Rectangle 33"/>
+          <p:cNvSpPr>
+            <a:spLocks noChangeArrowheads="1"/>
+          </p:cNvSpPr>
+          <p:nvPr/>
+        </p:nvSpPr>
+        <p:spPr bwMode="auto">
+          <a:xfrm>
+            <a:off x="0" y="1143000"/>
+            <a:ext cx="9144000" cy="152400"/>
+          </a:xfrm>
+          <a:prstGeom prst="rect">
+            <a:avLst/>
+          </a:prstGeom>
+          <a:gradFill rotWithShape="1">
+            <a:gsLst>
+              <a:gs pos="0">
+                <a:srgbClr val="5F5F5F"/>
+              </a:gs>
+              <a:gs pos="100000">
+                <a:srgbClr val="DDDDDD">
+                  <a:alpha val="0"/>
+                </a:srgbClr>
+              </a:gs>
+            </a:gsLst>
+            <a:lin ang="5400000" scaled="1"/>
+          </a:gradFill>
+          <a:ln w="9525">
+            <a:noFill/>
+            <a:miter lim="800000"/>
+            <a:headEnd/>
+            <a:tailEnd/>
+          </a:ln>
+          <a:effectLst/>
+        </p:spPr>
+        <p:txBody>
+          <a:bodyPr wrap="none" anchor="ctr"/>
+          <a:lstStyle/>
+          <a:p>
+            <a:endParaRPr lang="fr-CH"/>
+          </a:p>
+        </p:txBody>
+      </p:sp>
+      <p:sp>
+        <p:nvSpPr>
+          <p:cNvPr id="46" name="Rectangle 34"/>
+          <p:cNvSpPr>
+            <a:spLocks noChangeArrowheads="1"/>
+          </p:cNvSpPr>
+          <p:nvPr/>
+        </p:nvSpPr>
+        <p:spPr bwMode="auto">
+          <a:xfrm>
+            <a:off x="0" y="6629400"/>
+            <a:ext cx="9144000" cy="228600"/>
+          </a:xfrm>
+          <a:prstGeom prst="rect">
+            <a:avLst/>
+          </a:prstGeom>
+          <a:gradFill rotWithShape="1">
+            <a:gsLst>
+              <a:gs pos="0">
+                <a:srgbClr val="DDDDDD">
+                  <a:alpha val="0"/>
+                </a:srgbClr>
+              </a:gs>
+              <a:gs pos="100000">
+                <a:srgbClr val="767676"/>
+              </a:gs>
+            </a:gsLst>
+            <a:lin ang="5400000" scaled="1"/>
+          </a:gradFill>
+          <a:ln w="9525">
+            <a:noFill/>
+            <a:miter lim="800000"/>
+            <a:headEnd/>
+            <a:tailEnd/>
+          </a:ln>
+          <a:effectLst/>
+        </p:spPr>
+        <p:txBody>
+          <a:bodyPr wrap="none" anchor="ctr"/>
+          <a:lstStyle/>
+          <a:p>
+            <a:endParaRPr lang="fr-CH"/>
+          </a:p>
+        </p:txBody>
+      </p:sp>
+      <p:sp>
+        <p:nvSpPr>
+          <p:cNvPr id="47" name="Espace réservé du numéro de diapositive 24"/>
+          <p:cNvSpPr>
+            <a:spLocks noGrp="1"/>
+          </p:cNvSpPr>
+          <p:nvPr>
+            <p:ph type="sldNum" sz="quarter" idx="12"/>
+          </p:nvPr>
+        </p:nvSpPr>
+        <p:spPr>
+          <a:xfrm>
+            <a:off x="6553200" y="6384972"/>
+            <a:ext cx="2133600" cy="476250"/>
+          </a:xfrm>
+        </p:spPr>
+        <p:txBody>
+          <a:bodyPr/>
+          <a:lstStyle/>
+          <a:p>
+            <a:fld id="{420F5742-7484-4AFF-BE5C-C36DF30CE89D}" type="slidenum">
+              <a:rPr lang="fr-FR" smtClean="0">
+                <a:solidFill>
+                  <a:schemeClr val="tx1">
+                    <a:lumMod val="65000"/>
+                    <a:lumOff val="35000"/>
+                  </a:schemeClr>
+                </a:solidFill>
+              </a:rPr>
+              <a:pPr/>
+              <a:t>9</a:t>
+            </a:fld>
+            <a:r>
+              <a:rPr lang="fr-FR" dirty="0" smtClean="0">
+                <a:solidFill>
+                  <a:schemeClr val="tx1">
+                    <a:lumMod val="65000"/>
+                    <a:lumOff val="35000"/>
+                  </a:schemeClr>
+                </a:solidFill>
+              </a:rPr>
+              <a:t>/14</a:t>
             </a:r>
             <a:endParaRPr lang="fr-FR" dirty="0">
               <a:solidFill>
@@ -15555,1892 +18082,6 @@
           <a:noFill/>
         </p:spPr>
       </p:pic>
-    </p:spTree>
-  </p:cSld>
-  <p:clrMapOvr>
-    <a:masterClrMapping/>
-  </p:clrMapOvr>
-  <p:transition>
-    <p:fade/>
-  </p:transition>
-  <p:timing>
-    <p:tnLst>
-      <p:par>
-        <p:cTn id="1" dur="indefinite" restart="never" nodeType="tmRoot"/>
-      </p:par>
-    </p:tnLst>
-  </p:timing>
-</p:sld>
-</file>
-
-<file path=ppt/slides/slide9.xml><?xml version="1.0" encoding="utf-8"?>
-<p:sld xmlns:a="http://schemas.openxmlformats.org/drawingml/2006/main" xmlns:r="http://schemas.openxmlformats.org/officeDocument/2006/relationships" xmlns:p="http://schemas.openxmlformats.org/presentationml/2006/main">
-  <p:cSld>
-    <p:spTree>
-      <p:nvGrpSpPr>
-        <p:cNvPr id="1" name=""/>
-        <p:cNvGrpSpPr/>
-        <p:nvPr/>
-      </p:nvGrpSpPr>
-      <p:grpSpPr>
-        <a:xfrm>
-          <a:off x="0" y="0"/>
-          <a:ext cx="0" cy="0"/>
-          <a:chOff x="0" y="0"/>
-          <a:chExt cx="0" cy="0"/>
-        </a:xfrm>
-      </p:grpSpPr>
-      <p:grpSp>
-        <p:nvGrpSpPr>
-          <p:cNvPr id="2" name="Groupe 23"/>
-          <p:cNvGrpSpPr/>
-          <p:nvPr/>
-        </p:nvGrpSpPr>
-        <p:grpSpPr>
-          <a:xfrm>
-            <a:off x="6012160" y="1854609"/>
-            <a:ext cx="1116124" cy="530275"/>
-            <a:chOff x="827584" y="2240868"/>
-            <a:chExt cx="1116124" cy="530275"/>
-          </a:xfrm>
-        </p:grpSpPr>
-        <p:sp>
-          <p:nvSpPr>
-            <p:cNvPr id="22" name="Flèche droite 21"/>
-            <p:cNvSpPr/>
-            <p:nvPr/>
-          </p:nvSpPr>
-          <p:spPr bwMode="auto">
-            <a:xfrm>
-              <a:off x="827584" y="2240868"/>
-              <a:ext cx="1116124" cy="251916"/>
-            </a:xfrm>
-            <a:prstGeom prst="rightArrow">
-              <a:avLst/>
-            </a:prstGeom>
-            <a:solidFill>
-              <a:schemeClr val="accent1"/>
-            </a:solidFill>
-            <a:ln w="9525" cap="flat" cmpd="sng" algn="ctr">
-              <a:solidFill>
-                <a:schemeClr val="tx1"/>
-              </a:solidFill>
-              <a:prstDash val="solid"/>
-              <a:round/>
-              <a:headEnd type="none" w="med" len="med"/>
-              <a:tailEnd type="none" w="med" len="med"/>
-            </a:ln>
-            <a:effectLst/>
-          </p:spPr>
-          <p:txBody>
-            <a:bodyPr vert="horz" wrap="square" lIns="91440" tIns="45720" rIns="91440" bIns="45720" numCol="1" rtlCol="0" anchor="t" anchorCtr="0" compatLnSpc="1">
-              <a:prstTxWarp prst="textNoShape">
-                <a:avLst/>
-              </a:prstTxWarp>
-            </a:bodyPr>
-            <a:lstStyle/>
-            <a:p>
-              <a:pPr marL="0" marR="0" indent="0" algn="l" defTabSz="914400" rtl="0" eaLnBrk="1" fontAlgn="base" latinLnBrk="0" hangingPunct="1">
-                <a:lnSpc>
-                  <a:spcPct val="100000"/>
-                </a:lnSpc>
-                <a:spcBef>
-                  <a:spcPct val="0"/>
-                </a:spcBef>
-                <a:spcAft>
-                  <a:spcPct val="0"/>
-                </a:spcAft>
-                <a:buClrTx/>
-                <a:buSzTx/>
-                <a:buFontTx/>
-                <a:buNone/>
-                <a:tabLst/>
-              </a:pPr>
-              <a:endParaRPr kumimoji="0" lang="fr-CH" sz="1800" b="0" i="0" u="sng" strike="noStrike" cap="none" normalizeH="0" baseline="0" smtClean="0">
-                <a:ln>
-                  <a:noFill/>
-                </a:ln>
-                <a:solidFill>
-                  <a:schemeClr val="tx1"/>
-                </a:solidFill>
-                <a:effectLst/>
-                <a:latin typeface="Arial" charset="0"/>
-              </a:endParaRPr>
-            </a:p>
-          </p:txBody>
-        </p:sp>
-        <p:sp>
-          <p:nvSpPr>
-            <p:cNvPr id="23" name="Flèche droite 22"/>
-            <p:cNvSpPr/>
-            <p:nvPr/>
-          </p:nvSpPr>
-          <p:spPr bwMode="auto">
-            <a:xfrm rot="10800000">
-              <a:off x="827584" y="2519227"/>
-              <a:ext cx="1116124" cy="251916"/>
-            </a:xfrm>
-            <a:prstGeom prst="rightArrow">
-              <a:avLst/>
-            </a:prstGeom>
-            <a:solidFill>
-              <a:schemeClr val="accent1"/>
-            </a:solidFill>
-            <a:ln w="9525" cap="flat" cmpd="sng" algn="ctr">
-              <a:solidFill>
-                <a:schemeClr val="tx1"/>
-              </a:solidFill>
-              <a:prstDash val="solid"/>
-              <a:round/>
-              <a:headEnd type="none" w="med" len="med"/>
-              <a:tailEnd type="none" w="med" len="med"/>
-            </a:ln>
-            <a:effectLst/>
-          </p:spPr>
-          <p:txBody>
-            <a:bodyPr vert="horz" wrap="square" lIns="91440" tIns="45720" rIns="91440" bIns="45720" numCol="1" rtlCol="0" anchor="t" anchorCtr="0" compatLnSpc="1">
-              <a:prstTxWarp prst="textNoShape">
-                <a:avLst/>
-              </a:prstTxWarp>
-            </a:bodyPr>
-            <a:lstStyle/>
-            <a:p>
-              <a:pPr marL="0" marR="0" indent="0" algn="l" defTabSz="914400" rtl="0" eaLnBrk="1" fontAlgn="base" latinLnBrk="0" hangingPunct="1">
-                <a:lnSpc>
-                  <a:spcPct val="100000"/>
-                </a:lnSpc>
-                <a:spcBef>
-                  <a:spcPct val="0"/>
-                </a:spcBef>
-                <a:spcAft>
-                  <a:spcPct val="0"/>
-                </a:spcAft>
-                <a:buClrTx/>
-                <a:buSzTx/>
-                <a:buFontTx/>
-                <a:buNone/>
-                <a:tabLst/>
-              </a:pPr>
-              <a:endParaRPr kumimoji="0" lang="fr-CH" sz="1800" b="0" i="0" u="sng" strike="noStrike" cap="none" normalizeH="0" baseline="0" smtClean="0">
-                <a:ln>
-                  <a:noFill/>
-                </a:ln>
-                <a:solidFill>
-                  <a:schemeClr val="tx1"/>
-                </a:solidFill>
-                <a:effectLst/>
-                <a:latin typeface="Arial" charset="0"/>
-              </a:endParaRPr>
-            </a:p>
-          </p:txBody>
-        </p:sp>
-      </p:grpSp>
-      <p:sp>
-        <p:nvSpPr>
-          <p:cNvPr id="4" name="Espace réservé de la date 3"/>
-          <p:cNvSpPr>
-            <a:spLocks noGrp="1"/>
-          </p:cNvSpPr>
-          <p:nvPr>
-            <p:ph type="dt" sz="half" idx="10"/>
-          </p:nvPr>
-        </p:nvSpPr>
-        <p:spPr>
-          <a:xfrm>
-            <a:off x="457200" y="6384972"/>
-            <a:ext cx="2133600" cy="476250"/>
-          </a:xfrm>
-        </p:spPr>
-        <p:txBody>
-          <a:bodyPr/>
-          <a:lstStyle/>
-          <a:p>
-            <a:fld id="{DE3EECC3-BAC3-4A29-8636-7743FF9A3806}" type="datetime1">
-              <a:rPr lang="fr-CH" smtClean="0">
-                <a:solidFill>
-                  <a:schemeClr val="tx1">
-                    <a:lumMod val="65000"/>
-                    <a:lumOff val="35000"/>
-                  </a:schemeClr>
-                </a:solidFill>
-              </a:rPr>
-              <a:pPr/>
-              <a:t>11.06.2010</a:t>
-            </a:fld>
-            <a:endParaRPr lang="fr-FR" dirty="0">
-              <a:solidFill>
-                <a:schemeClr val="tx1">
-                  <a:lumMod val="65000"/>
-                  <a:lumOff val="35000"/>
-                </a:schemeClr>
-              </a:solidFill>
-            </a:endParaRPr>
-          </a:p>
-        </p:txBody>
-      </p:sp>
-      <p:sp>
-        <p:nvSpPr>
-          <p:cNvPr id="6" name="Espace réservé du numéro de diapositive 5"/>
-          <p:cNvSpPr>
-            <a:spLocks noGrp="1"/>
-          </p:cNvSpPr>
-          <p:nvPr>
-            <p:ph type="sldNum" sz="quarter" idx="12"/>
-          </p:nvPr>
-        </p:nvSpPr>
-        <p:spPr>
-          <a:xfrm>
-            <a:off x="6553200" y="6384972"/>
-            <a:ext cx="2133600" cy="476250"/>
-          </a:xfrm>
-        </p:spPr>
-        <p:txBody>
-          <a:bodyPr/>
-          <a:lstStyle/>
-          <a:p>
-            <a:fld id="{420F5742-7484-4AFF-BE5C-C36DF30CE89D}" type="slidenum">
-              <a:rPr lang="fr-FR" smtClean="0">
-                <a:solidFill>
-                  <a:schemeClr val="tx1">
-                    <a:lumMod val="65000"/>
-                    <a:lumOff val="35000"/>
-                  </a:schemeClr>
-                </a:solidFill>
-              </a:rPr>
-              <a:pPr/>
-              <a:t>9</a:t>
-            </a:fld>
-            <a:r>
-              <a:rPr lang="fr-FR" dirty="0" smtClean="0">
-                <a:solidFill>
-                  <a:schemeClr val="tx1">
-                    <a:lumMod val="65000"/>
-                    <a:lumOff val="35000"/>
-                  </a:schemeClr>
-                </a:solidFill>
-              </a:rPr>
-              <a:t>/13</a:t>
-            </a:r>
-            <a:endParaRPr lang="fr-FR" dirty="0">
-              <a:solidFill>
-                <a:schemeClr val="tx1">
-                  <a:lumMod val="65000"/>
-                  <a:lumOff val="35000"/>
-                </a:schemeClr>
-              </a:solidFill>
-            </a:endParaRPr>
-          </a:p>
-        </p:txBody>
-      </p:sp>
-      <p:sp>
-        <p:nvSpPr>
-          <p:cNvPr id="7" name="Rectangle 4"/>
-          <p:cNvSpPr>
-            <a:spLocks noChangeArrowheads="1"/>
-          </p:cNvSpPr>
-          <p:nvPr/>
-        </p:nvSpPr>
-        <p:spPr bwMode="auto">
-          <a:xfrm>
-            <a:off x="0" y="0"/>
-            <a:ext cx="9144000" cy="1143000"/>
-          </a:xfrm>
-          <a:prstGeom prst="rect">
-            <a:avLst/>
-          </a:prstGeom>
-          <a:gradFill rotWithShape="1">
-            <a:gsLst>
-              <a:gs pos="0">
-                <a:srgbClr val="00B400"/>
-              </a:gs>
-              <a:gs pos="100000">
-                <a:srgbClr val="006000"/>
-              </a:gs>
-            </a:gsLst>
-            <a:lin ang="5400000" scaled="1"/>
-          </a:gradFill>
-          <a:ln w="9525">
-            <a:noFill/>
-            <a:miter lim="800000"/>
-            <a:headEnd/>
-            <a:tailEnd/>
-          </a:ln>
-          <a:effectLst/>
-        </p:spPr>
-        <p:txBody>
-          <a:bodyPr wrap="none" anchor="ctr"/>
-          <a:lstStyle/>
-          <a:p>
-            <a:endParaRPr lang="fr-CH"/>
-          </a:p>
-        </p:txBody>
-      </p:sp>
-      <p:sp>
-        <p:nvSpPr>
-          <p:cNvPr id="8" name="Rectangle 33"/>
-          <p:cNvSpPr>
-            <a:spLocks noChangeArrowheads="1"/>
-          </p:cNvSpPr>
-          <p:nvPr/>
-        </p:nvSpPr>
-        <p:spPr bwMode="auto">
-          <a:xfrm>
-            <a:off x="0" y="1143000"/>
-            <a:ext cx="9144000" cy="152400"/>
-          </a:xfrm>
-          <a:prstGeom prst="rect">
-            <a:avLst/>
-          </a:prstGeom>
-          <a:gradFill rotWithShape="1">
-            <a:gsLst>
-              <a:gs pos="0">
-                <a:srgbClr val="5F5F5F"/>
-              </a:gs>
-              <a:gs pos="100000">
-                <a:srgbClr val="DDDDDD">
-                  <a:alpha val="0"/>
-                </a:srgbClr>
-              </a:gs>
-            </a:gsLst>
-            <a:lin ang="5400000" scaled="1"/>
-          </a:gradFill>
-          <a:ln w="9525">
-            <a:noFill/>
-            <a:miter lim="800000"/>
-            <a:headEnd/>
-            <a:tailEnd/>
-          </a:ln>
-          <a:effectLst/>
-        </p:spPr>
-        <p:txBody>
-          <a:bodyPr wrap="none" anchor="ctr"/>
-          <a:lstStyle/>
-          <a:p>
-            <a:endParaRPr lang="fr-CH"/>
-          </a:p>
-        </p:txBody>
-      </p:sp>
-      <p:sp>
-        <p:nvSpPr>
-          <p:cNvPr id="11" name="Text Box 5"/>
-          <p:cNvSpPr txBox="1">
-            <a:spLocks noChangeArrowheads="1"/>
-          </p:cNvSpPr>
-          <p:nvPr/>
-        </p:nvSpPr>
-        <p:spPr bwMode="auto">
-          <a:xfrm>
-            <a:off x="0" y="381000"/>
-            <a:ext cx="9144000" cy="396875"/>
-          </a:xfrm>
-          <a:prstGeom prst="rect">
-            <a:avLst/>
-          </a:prstGeom>
-          <a:noFill/>
-          <a:ln w="9525">
-            <a:noFill/>
-            <a:miter lim="800000"/>
-            <a:headEnd/>
-            <a:tailEnd/>
-          </a:ln>
-          <a:effectLst/>
-        </p:spPr>
-        <p:txBody>
-          <a:bodyPr>
-            <a:spAutoFit/>
-          </a:bodyPr>
-          <a:lstStyle/>
-          <a:p>
-            <a:pPr algn="ctr"/>
-            <a:r>
-              <a:rPr lang="fr-FR" sz="2000" b="1" u="none" dirty="0" smtClean="0">
-                <a:solidFill>
-                  <a:schemeClr val="bg1"/>
-                </a:solidFill>
-                <a:effectLst>
-                  <a:outerShdw blurRad="38100" dist="38100" dir="2700000" algn="tl">
-                    <a:srgbClr val="C0C0C0"/>
-                  </a:outerShdw>
-                </a:effectLst>
-                <a:latin typeface="Trebuchet MS" pitchFamily="34" charset="0"/>
-              </a:rPr>
-              <a:t>CLIENT / SERVEUR</a:t>
-            </a:r>
-            <a:endParaRPr lang="fr-FR" sz="2000" b="1" u="none" dirty="0">
-              <a:solidFill>
-                <a:schemeClr val="bg1"/>
-              </a:solidFill>
-              <a:effectLst>
-                <a:outerShdw blurRad="38100" dist="38100" dir="2700000" algn="tl">
-                  <a:srgbClr val="C0C0C0"/>
-                </a:outerShdw>
-              </a:effectLst>
-              <a:latin typeface="Trebuchet MS" pitchFamily="34" charset="0"/>
-            </a:endParaRPr>
-          </a:p>
-        </p:txBody>
-      </p:sp>
-      <p:sp>
-        <p:nvSpPr>
-          <p:cNvPr id="104" name="Rectangle 34"/>
-          <p:cNvSpPr>
-            <a:spLocks noChangeArrowheads="1"/>
-          </p:cNvSpPr>
-          <p:nvPr/>
-        </p:nvSpPr>
-        <p:spPr bwMode="auto">
-          <a:xfrm>
-            <a:off x="0" y="6632622"/>
-            <a:ext cx="9144000" cy="228600"/>
-          </a:xfrm>
-          <a:prstGeom prst="rect">
-            <a:avLst/>
-          </a:prstGeom>
-          <a:gradFill rotWithShape="1">
-            <a:gsLst>
-              <a:gs pos="0">
-                <a:srgbClr val="DDDDDD">
-                  <a:alpha val="0"/>
-                </a:srgbClr>
-              </a:gs>
-              <a:gs pos="100000">
-                <a:srgbClr val="767676"/>
-              </a:gs>
-            </a:gsLst>
-            <a:lin ang="5400000" scaled="1"/>
-          </a:gradFill>
-          <a:ln w="9525">
-            <a:noFill/>
-            <a:miter lim="800000"/>
-            <a:headEnd/>
-            <a:tailEnd/>
-          </a:ln>
-          <a:effectLst/>
-        </p:spPr>
-        <p:txBody>
-          <a:bodyPr wrap="none" anchor="ctr"/>
-          <a:lstStyle/>
-          <a:p>
-            <a:endParaRPr lang="fr-CH"/>
-          </a:p>
-        </p:txBody>
-      </p:sp>
-      <p:sp>
-        <p:nvSpPr>
-          <p:cNvPr id="105" name="Espace réservé du pied de page 13"/>
-          <p:cNvSpPr>
-            <a:spLocks noGrp="1"/>
-          </p:cNvSpPr>
-          <p:nvPr>
-            <p:ph type="ftr" sz="quarter" idx="11"/>
-          </p:nvPr>
-        </p:nvSpPr>
-        <p:spPr>
-          <a:xfrm>
-            <a:off x="3124200" y="6384972"/>
-            <a:ext cx="2895600" cy="476250"/>
-          </a:xfrm>
-        </p:spPr>
-        <p:txBody>
-          <a:bodyPr/>
-          <a:lstStyle/>
-          <a:p>
-            <a:r>
-              <a:rPr lang="fr-FR" dirty="0" smtClean="0">
-                <a:solidFill>
-                  <a:schemeClr val="tx1">
-                    <a:lumMod val="65000"/>
-                    <a:lumOff val="35000"/>
-                  </a:schemeClr>
-                </a:solidFill>
-              </a:rPr>
-              <a:t>ADO – PPZ – LFH – RPN</a:t>
-            </a:r>
-          </a:p>
-        </p:txBody>
-      </p:sp>
-      <p:sp>
-        <p:nvSpPr>
-          <p:cNvPr id="10" name="Rectangle à coins arrondis 9"/>
-          <p:cNvSpPr/>
-          <p:nvPr/>
-        </p:nvSpPr>
-        <p:spPr bwMode="auto">
-          <a:xfrm>
-            <a:off x="7236296" y="1772784"/>
-            <a:ext cx="1080000" cy="720000"/>
-          </a:xfrm>
-          <a:prstGeom prst="roundRect">
-            <a:avLst/>
-          </a:prstGeom>
-          <a:solidFill>
-            <a:schemeClr val="accent1"/>
-          </a:solidFill>
-          <a:ln w="9525" cap="flat" cmpd="sng" algn="ctr">
-            <a:solidFill>
-              <a:schemeClr val="tx1"/>
-            </a:solidFill>
-            <a:prstDash val="solid"/>
-            <a:round/>
-            <a:headEnd type="none" w="med" len="med"/>
-            <a:tailEnd type="none" w="med" len="med"/>
-          </a:ln>
-          <a:effectLst/>
-        </p:spPr>
-        <p:txBody>
-          <a:bodyPr vert="horz" wrap="square" lIns="91440" tIns="45720" rIns="91440" bIns="45720" numCol="1" rtlCol="0" anchor="t" anchorCtr="0" compatLnSpc="1">
-            <a:prstTxWarp prst="textNoShape">
-              <a:avLst/>
-            </a:prstTxWarp>
-          </a:bodyPr>
-          <a:lstStyle/>
-          <a:p>
-            <a:pPr marL="0" marR="0" indent="0" algn="ctr" defTabSz="914400" rtl="0" eaLnBrk="1" fontAlgn="base" latinLnBrk="0" hangingPunct="1">
-              <a:lnSpc>
-                <a:spcPct val="100000"/>
-              </a:lnSpc>
-              <a:spcBef>
-                <a:spcPct val="0"/>
-              </a:spcBef>
-              <a:spcAft>
-                <a:spcPct val="0"/>
-              </a:spcAft>
-              <a:buClrTx/>
-              <a:buSzTx/>
-              <a:buFontTx/>
-              <a:buNone/>
-              <a:tabLst/>
-            </a:pPr>
-            <a:r>
-              <a:rPr kumimoji="0" lang="fr-CH" sz="1800" b="0" i="0" u="none" strike="noStrike" cap="none" normalizeH="0" baseline="0" dirty="0" smtClean="0">
-                <a:ln>
-                  <a:noFill/>
-                </a:ln>
-                <a:solidFill>
-                  <a:schemeClr val="tx1"/>
-                </a:solidFill>
-                <a:effectLst/>
-                <a:latin typeface="Arial" charset="0"/>
-              </a:rPr>
-              <a:t>Joueur</a:t>
-            </a:r>
-          </a:p>
-        </p:txBody>
-      </p:sp>
-      <p:sp>
-        <p:nvSpPr>
-          <p:cNvPr id="15" name="Rectangle à coins arrondis 14"/>
-          <p:cNvSpPr/>
-          <p:nvPr/>
-        </p:nvSpPr>
-        <p:spPr bwMode="auto">
-          <a:xfrm>
-            <a:off x="1738046" y="3951058"/>
-            <a:ext cx="1080120" cy="1044116"/>
-          </a:xfrm>
-          <a:prstGeom prst="roundRect">
-            <a:avLst/>
-          </a:prstGeom>
-          <a:solidFill>
-            <a:schemeClr val="accent1"/>
-          </a:solidFill>
-          <a:ln w="9525" cap="flat" cmpd="sng" algn="ctr">
-            <a:solidFill>
-              <a:schemeClr val="tx1"/>
-            </a:solidFill>
-            <a:prstDash val="solid"/>
-            <a:round/>
-            <a:headEnd type="none" w="med" len="med"/>
-            <a:tailEnd type="none" w="med" len="med"/>
-          </a:ln>
-          <a:effectLst/>
-        </p:spPr>
-        <p:txBody>
-          <a:bodyPr vert="horz" wrap="square" lIns="91440" tIns="45720" rIns="91440" bIns="45720" numCol="1" rtlCol="0" anchor="t" anchorCtr="0" compatLnSpc="1">
-            <a:prstTxWarp prst="textNoShape">
-              <a:avLst/>
-            </a:prstTxWarp>
-          </a:bodyPr>
-          <a:lstStyle/>
-          <a:p>
-            <a:pPr marL="0" marR="0" indent="0" algn="ctr" defTabSz="914400" rtl="0" eaLnBrk="1" fontAlgn="base" latinLnBrk="0" hangingPunct="1">
-              <a:lnSpc>
-                <a:spcPct val="100000"/>
-              </a:lnSpc>
-              <a:spcBef>
-                <a:spcPct val="0"/>
-              </a:spcBef>
-              <a:spcAft>
-                <a:spcPct val="0"/>
-              </a:spcAft>
-              <a:buClrTx/>
-              <a:buSzTx/>
-              <a:buFontTx/>
-              <a:buNone/>
-              <a:tabLst/>
-            </a:pPr>
-            <a:r>
-              <a:rPr kumimoji="0" lang="fr-CH" sz="1800" b="0" i="0" u="none" strike="noStrike" cap="none" normalizeH="0" baseline="0" dirty="0" smtClean="0">
-                <a:ln>
-                  <a:noFill/>
-                </a:ln>
-                <a:solidFill>
-                  <a:schemeClr val="tx1"/>
-                </a:solidFill>
-                <a:effectLst/>
-                <a:latin typeface="Arial" charset="0"/>
-              </a:rPr>
-              <a:t>Modèle</a:t>
-            </a:r>
-          </a:p>
-          <a:p>
-            <a:pPr marL="0" marR="0" indent="0" algn="ctr" defTabSz="914400" rtl="0" eaLnBrk="1" fontAlgn="base" latinLnBrk="0" hangingPunct="1">
-              <a:lnSpc>
-                <a:spcPct val="100000"/>
-              </a:lnSpc>
-              <a:spcBef>
-                <a:spcPct val="0"/>
-              </a:spcBef>
-              <a:spcAft>
-                <a:spcPct val="0"/>
-              </a:spcAft>
-              <a:buClrTx/>
-              <a:buSzTx/>
-              <a:buFontTx/>
-              <a:buNone/>
-              <a:tabLst/>
-            </a:pPr>
-            <a:r>
-              <a:rPr lang="fr-CH" u="none" dirty="0" smtClean="0"/>
-              <a:t>(Jeu)</a:t>
-            </a:r>
-            <a:endParaRPr kumimoji="0" lang="fr-CH" sz="1800" b="0" i="0" u="none" strike="noStrike" cap="none" normalizeH="0" baseline="0" dirty="0" smtClean="0">
-              <a:ln>
-                <a:noFill/>
-              </a:ln>
-              <a:solidFill>
-                <a:schemeClr val="tx1"/>
-              </a:solidFill>
-              <a:effectLst/>
-              <a:latin typeface="Arial" charset="0"/>
-            </a:endParaRPr>
-          </a:p>
-        </p:txBody>
-      </p:sp>
-      <p:sp>
-        <p:nvSpPr>
-          <p:cNvPr id="16" name="Ellipse 15"/>
-          <p:cNvSpPr/>
-          <p:nvPr/>
-        </p:nvSpPr>
-        <p:spPr bwMode="auto">
-          <a:xfrm>
-            <a:off x="1432012" y="1709080"/>
-            <a:ext cx="1692188" cy="936104"/>
-          </a:xfrm>
-          <a:prstGeom prst="ellipse">
-            <a:avLst/>
-          </a:prstGeom>
-          <a:solidFill>
-            <a:schemeClr val="accent1"/>
-          </a:solidFill>
-          <a:ln w="9525" cap="flat" cmpd="sng" algn="ctr">
-            <a:solidFill>
-              <a:schemeClr val="tx1"/>
-            </a:solidFill>
-            <a:prstDash val="solid"/>
-            <a:round/>
-            <a:headEnd type="none" w="med" len="med"/>
-            <a:tailEnd type="none" w="med" len="med"/>
-          </a:ln>
-          <a:effectLst/>
-        </p:spPr>
-        <p:txBody>
-          <a:bodyPr vert="horz" wrap="square" lIns="91440" tIns="45720" rIns="91440" bIns="45720" numCol="1" rtlCol="0" anchor="t" anchorCtr="0" compatLnSpc="1">
-            <a:prstTxWarp prst="textNoShape">
-              <a:avLst/>
-            </a:prstTxWarp>
-          </a:bodyPr>
-          <a:lstStyle/>
-          <a:p>
-            <a:pPr marL="0" marR="0" indent="0" algn="ctr" defTabSz="914400" rtl="0" eaLnBrk="1" fontAlgn="base" latinLnBrk="0" hangingPunct="1">
-              <a:lnSpc>
-                <a:spcPct val="100000"/>
-              </a:lnSpc>
-              <a:spcBef>
-                <a:spcPct val="0"/>
-              </a:spcBef>
-              <a:spcAft>
-                <a:spcPct val="0"/>
-              </a:spcAft>
-              <a:buClrTx/>
-              <a:buSzTx/>
-              <a:buFontTx/>
-              <a:buNone/>
-              <a:tabLst/>
-            </a:pPr>
-            <a:r>
-              <a:rPr kumimoji="0" lang="fr-CH" sz="1800" b="0" i="0" u="none" strike="noStrike" cap="none" normalizeH="0" baseline="0" dirty="0" smtClean="0">
-                <a:ln>
-                  <a:noFill/>
-                </a:ln>
-                <a:solidFill>
-                  <a:schemeClr val="tx1"/>
-                </a:solidFill>
-                <a:effectLst/>
-                <a:latin typeface="Arial" charset="0"/>
-              </a:rPr>
-              <a:t>Ecouteur</a:t>
-            </a:r>
-          </a:p>
-        </p:txBody>
-      </p:sp>
-      <p:sp>
-        <p:nvSpPr>
-          <p:cNvPr id="18" name="Rectangle à coins arrondis 17"/>
-          <p:cNvSpPr/>
-          <p:nvPr/>
-        </p:nvSpPr>
-        <p:spPr bwMode="auto">
-          <a:xfrm>
-            <a:off x="7236296" y="2645184"/>
-            <a:ext cx="1080000" cy="720000"/>
-          </a:xfrm>
-          <a:prstGeom prst="roundRect">
-            <a:avLst/>
-          </a:prstGeom>
-          <a:solidFill>
-            <a:schemeClr val="accent1"/>
-          </a:solidFill>
-          <a:ln w="9525" cap="flat" cmpd="sng" algn="ctr">
-            <a:solidFill>
-              <a:schemeClr val="tx1"/>
-            </a:solidFill>
-            <a:prstDash val="solid"/>
-            <a:round/>
-            <a:headEnd type="none" w="med" len="med"/>
-            <a:tailEnd type="none" w="med" len="med"/>
-          </a:ln>
-          <a:effectLst/>
-        </p:spPr>
-        <p:txBody>
-          <a:bodyPr vert="horz" wrap="square" lIns="91440" tIns="45720" rIns="91440" bIns="45720" numCol="1" rtlCol="0" anchor="t" anchorCtr="0" compatLnSpc="1">
-            <a:prstTxWarp prst="textNoShape">
-              <a:avLst/>
-            </a:prstTxWarp>
-          </a:bodyPr>
-          <a:lstStyle/>
-          <a:p>
-            <a:pPr marL="0" marR="0" indent="0" algn="ctr" defTabSz="914400" rtl="0" eaLnBrk="1" fontAlgn="base" latinLnBrk="0" hangingPunct="1">
-              <a:lnSpc>
-                <a:spcPct val="100000"/>
-              </a:lnSpc>
-              <a:spcBef>
-                <a:spcPct val="0"/>
-              </a:spcBef>
-              <a:spcAft>
-                <a:spcPct val="0"/>
-              </a:spcAft>
-              <a:buClrTx/>
-              <a:buSzTx/>
-              <a:buFontTx/>
-              <a:buNone/>
-              <a:tabLst/>
-            </a:pPr>
-            <a:r>
-              <a:rPr kumimoji="0" lang="fr-CH" sz="1800" b="0" i="0" u="none" strike="noStrike" cap="none" normalizeH="0" baseline="0" dirty="0" smtClean="0">
-                <a:ln>
-                  <a:noFill/>
-                </a:ln>
-                <a:solidFill>
-                  <a:schemeClr val="tx1"/>
-                </a:solidFill>
-                <a:effectLst/>
-                <a:latin typeface="Arial" charset="0"/>
-              </a:rPr>
-              <a:t>Joueur</a:t>
-            </a:r>
-          </a:p>
-        </p:txBody>
-      </p:sp>
-      <p:sp>
-        <p:nvSpPr>
-          <p:cNvPr id="19" name="Rectangle à coins arrondis 18"/>
-          <p:cNvSpPr/>
-          <p:nvPr/>
-        </p:nvSpPr>
-        <p:spPr bwMode="auto">
-          <a:xfrm>
-            <a:off x="7236296" y="3501008"/>
-            <a:ext cx="1080000" cy="720000"/>
-          </a:xfrm>
-          <a:prstGeom prst="roundRect">
-            <a:avLst/>
-          </a:prstGeom>
-          <a:solidFill>
-            <a:schemeClr val="accent1"/>
-          </a:solidFill>
-          <a:ln w="9525" cap="flat" cmpd="sng" algn="ctr">
-            <a:solidFill>
-              <a:schemeClr val="tx1"/>
-            </a:solidFill>
-            <a:prstDash val="solid"/>
-            <a:round/>
-            <a:headEnd type="none" w="med" len="med"/>
-            <a:tailEnd type="none" w="med" len="med"/>
-          </a:ln>
-          <a:effectLst/>
-        </p:spPr>
-        <p:txBody>
-          <a:bodyPr vert="horz" wrap="square" lIns="91440" tIns="45720" rIns="91440" bIns="45720" numCol="1" rtlCol="0" anchor="t" anchorCtr="0" compatLnSpc="1">
-            <a:prstTxWarp prst="textNoShape">
-              <a:avLst/>
-            </a:prstTxWarp>
-          </a:bodyPr>
-          <a:lstStyle/>
-          <a:p>
-            <a:pPr marL="0" marR="0" indent="0" algn="ctr" defTabSz="914400" rtl="0" eaLnBrk="1" fontAlgn="base" latinLnBrk="0" hangingPunct="1">
-              <a:lnSpc>
-                <a:spcPct val="100000"/>
-              </a:lnSpc>
-              <a:spcBef>
-                <a:spcPct val="0"/>
-              </a:spcBef>
-              <a:spcAft>
-                <a:spcPct val="0"/>
-              </a:spcAft>
-              <a:buClrTx/>
-              <a:buSzTx/>
-              <a:buFontTx/>
-              <a:buNone/>
-              <a:tabLst/>
-            </a:pPr>
-            <a:r>
-              <a:rPr kumimoji="0" lang="fr-CH" sz="1800" b="0" i="0" u="none" strike="noStrike" cap="none" normalizeH="0" baseline="0" dirty="0" smtClean="0">
-                <a:ln>
-                  <a:noFill/>
-                </a:ln>
-                <a:solidFill>
-                  <a:schemeClr val="tx1"/>
-                </a:solidFill>
-                <a:effectLst/>
-                <a:latin typeface="Arial" charset="0"/>
-              </a:rPr>
-              <a:t>Joueur</a:t>
-            </a:r>
-          </a:p>
-        </p:txBody>
-      </p:sp>
-      <p:sp>
-        <p:nvSpPr>
-          <p:cNvPr id="20" name="Rectangle à coins arrondis 19"/>
-          <p:cNvSpPr/>
-          <p:nvPr/>
-        </p:nvSpPr>
-        <p:spPr bwMode="auto">
-          <a:xfrm>
-            <a:off x="7236296" y="4365104"/>
-            <a:ext cx="1080000" cy="720000"/>
-          </a:xfrm>
-          <a:prstGeom prst="roundRect">
-            <a:avLst/>
-          </a:prstGeom>
-          <a:solidFill>
-            <a:schemeClr val="accent1"/>
-          </a:solidFill>
-          <a:ln w="9525" cap="flat" cmpd="sng" algn="ctr">
-            <a:solidFill>
-              <a:schemeClr val="tx1"/>
-            </a:solidFill>
-            <a:prstDash val="solid"/>
-            <a:round/>
-            <a:headEnd type="none" w="med" len="med"/>
-            <a:tailEnd type="none" w="med" len="med"/>
-          </a:ln>
-          <a:effectLst/>
-        </p:spPr>
-        <p:txBody>
-          <a:bodyPr vert="horz" wrap="square" lIns="91440" tIns="45720" rIns="91440" bIns="45720" numCol="1" rtlCol="0" anchor="t" anchorCtr="0" compatLnSpc="1">
-            <a:prstTxWarp prst="textNoShape">
-              <a:avLst/>
-            </a:prstTxWarp>
-          </a:bodyPr>
-          <a:lstStyle/>
-          <a:p>
-            <a:pPr marL="0" marR="0" indent="0" algn="ctr" defTabSz="914400" rtl="0" eaLnBrk="1" fontAlgn="base" latinLnBrk="0" hangingPunct="1">
-              <a:lnSpc>
-                <a:spcPct val="100000"/>
-              </a:lnSpc>
-              <a:spcBef>
-                <a:spcPct val="0"/>
-              </a:spcBef>
-              <a:spcAft>
-                <a:spcPct val="0"/>
-              </a:spcAft>
-              <a:buClrTx/>
-              <a:buSzTx/>
-              <a:buFontTx/>
-              <a:buNone/>
-              <a:tabLst/>
-            </a:pPr>
-            <a:r>
-              <a:rPr kumimoji="0" lang="fr-CH" sz="1800" b="0" i="0" u="none" strike="noStrike" cap="none" normalizeH="0" baseline="0" dirty="0" smtClean="0">
-                <a:ln>
-                  <a:noFill/>
-                </a:ln>
-                <a:solidFill>
-                  <a:schemeClr val="tx1"/>
-                </a:solidFill>
-                <a:effectLst/>
-                <a:latin typeface="Arial" charset="0"/>
-              </a:rPr>
-              <a:t>Joueur</a:t>
-            </a:r>
-          </a:p>
-        </p:txBody>
-      </p:sp>
-      <p:sp>
-        <p:nvSpPr>
-          <p:cNvPr id="21" name="Rectangle 20"/>
-          <p:cNvSpPr/>
-          <p:nvPr/>
-        </p:nvSpPr>
-        <p:spPr bwMode="auto">
-          <a:xfrm>
-            <a:off x="5688124" y="1772784"/>
-            <a:ext cx="216024" cy="3402370"/>
-          </a:xfrm>
-          <a:prstGeom prst="rect">
-            <a:avLst/>
-          </a:prstGeom>
-          <a:solidFill>
-            <a:schemeClr val="accent1"/>
-          </a:solidFill>
-          <a:ln w="9525" cap="flat" cmpd="sng" algn="ctr">
-            <a:solidFill>
-              <a:schemeClr val="tx1"/>
-            </a:solidFill>
-            <a:prstDash val="solid"/>
-            <a:round/>
-            <a:headEnd type="none" w="med" len="med"/>
-            <a:tailEnd type="none" w="med" len="med"/>
-          </a:ln>
-          <a:effectLst/>
-        </p:spPr>
-        <p:txBody>
-          <a:bodyPr vert="horz" wrap="square" lIns="91440" tIns="45720" rIns="91440" bIns="45720" numCol="1" rtlCol="0" anchor="t" anchorCtr="0" compatLnSpc="1">
-            <a:prstTxWarp prst="textNoShape">
-              <a:avLst/>
-            </a:prstTxWarp>
-          </a:bodyPr>
-          <a:lstStyle/>
-          <a:p>
-            <a:pPr marL="0" marR="0" indent="0" algn="l" defTabSz="914400" rtl="0" eaLnBrk="1" fontAlgn="base" latinLnBrk="0" hangingPunct="1">
-              <a:lnSpc>
-                <a:spcPct val="100000"/>
-              </a:lnSpc>
-              <a:spcBef>
-                <a:spcPct val="0"/>
-              </a:spcBef>
-              <a:spcAft>
-                <a:spcPct val="0"/>
-              </a:spcAft>
-              <a:buClrTx/>
-              <a:buSzTx/>
-              <a:buFontTx/>
-              <a:buNone/>
-              <a:tabLst/>
-            </a:pPr>
-            <a:endParaRPr kumimoji="0" lang="fr-CH" sz="1800" b="0" i="0" u="sng" strike="noStrike" cap="none" normalizeH="0" baseline="0" smtClean="0">
-              <a:ln>
-                <a:noFill/>
-              </a:ln>
-              <a:solidFill>
-                <a:schemeClr val="tx1"/>
-              </a:solidFill>
-              <a:effectLst/>
-              <a:latin typeface="Arial" charset="0"/>
-            </a:endParaRPr>
-          </a:p>
-        </p:txBody>
-      </p:sp>
-      <p:grpSp>
-        <p:nvGrpSpPr>
-          <p:cNvPr id="3" name="Groupe 24"/>
-          <p:cNvGrpSpPr/>
-          <p:nvPr/>
-        </p:nvGrpSpPr>
-        <p:grpSpPr>
-          <a:xfrm>
-            <a:off x="6048164" y="2754709"/>
-            <a:ext cx="1116124" cy="530275"/>
-            <a:chOff x="827584" y="2240868"/>
-            <a:chExt cx="1116124" cy="530275"/>
-          </a:xfrm>
-        </p:grpSpPr>
-        <p:sp>
-          <p:nvSpPr>
-            <p:cNvPr id="26" name="Flèche droite 25"/>
-            <p:cNvSpPr/>
-            <p:nvPr/>
-          </p:nvSpPr>
-          <p:spPr bwMode="auto">
-            <a:xfrm>
-              <a:off x="827584" y="2240868"/>
-              <a:ext cx="1116124" cy="251916"/>
-            </a:xfrm>
-            <a:prstGeom prst="rightArrow">
-              <a:avLst/>
-            </a:prstGeom>
-            <a:solidFill>
-              <a:schemeClr val="accent1"/>
-            </a:solidFill>
-            <a:ln w="9525" cap="flat" cmpd="sng" algn="ctr">
-              <a:solidFill>
-                <a:schemeClr val="tx1"/>
-              </a:solidFill>
-              <a:prstDash val="solid"/>
-              <a:round/>
-              <a:headEnd type="none" w="med" len="med"/>
-              <a:tailEnd type="none" w="med" len="med"/>
-            </a:ln>
-            <a:effectLst/>
-          </p:spPr>
-          <p:txBody>
-            <a:bodyPr vert="horz" wrap="square" lIns="91440" tIns="45720" rIns="91440" bIns="45720" numCol="1" rtlCol="0" anchor="t" anchorCtr="0" compatLnSpc="1">
-              <a:prstTxWarp prst="textNoShape">
-                <a:avLst/>
-              </a:prstTxWarp>
-            </a:bodyPr>
-            <a:lstStyle/>
-            <a:p>
-              <a:pPr marL="0" marR="0" indent="0" algn="l" defTabSz="914400" rtl="0" eaLnBrk="1" fontAlgn="base" latinLnBrk="0" hangingPunct="1">
-                <a:lnSpc>
-                  <a:spcPct val="100000"/>
-                </a:lnSpc>
-                <a:spcBef>
-                  <a:spcPct val="0"/>
-                </a:spcBef>
-                <a:spcAft>
-                  <a:spcPct val="0"/>
-                </a:spcAft>
-                <a:buClrTx/>
-                <a:buSzTx/>
-                <a:buFontTx/>
-                <a:buNone/>
-                <a:tabLst/>
-              </a:pPr>
-              <a:endParaRPr kumimoji="0" lang="fr-CH" sz="1800" b="0" i="0" u="sng" strike="noStrike" cap="none" normalizeH="0" baseline="0" smtClean="0">
-                <a:ln>
-                  <a:noFill/>
-                </a:ln>
-                <a:solidFill>
-                  <a:schemeClr val="tx1"/>
-                </a:solidFill>
-                <a:effectLst/>
-                <a:latin typeface="Arial" charset="0"/>
-              </a:endParaRPr>
-            </a:p>
-          </p:txBody>
-        </p:sp>
-        <p:sp>
-          <p:nvSpPr>
-            <p:cNvPr id="27" name="Flèche droite 26"/>
-            <p:cNvSpPr/>
-            <p:nvPr/>
-          </p:nvSpPr>
-          <p:spPr bwMode="auto">
-            <a:xfrm rot="10800000">
-              <a:off x="827584" y="2519227"/>
-              <a:ext cx="1116124" cy="251916"/>
-            </a:xfrm>
-            <a:prstGeom prst="rightArrow">
-              <a:avLst/>
-            </a:prstGeom>
-            <a:solidFill>
-              <a:schemeClr val="accent1"/>
-            </a:solidFill>
-            <a:ln w="9525" cap="flat" cmpd="sng" algn="ctr">
-              <a:solidFill>
-                <a:schemeClr val="tx1"/>
-              </a:solidFill>
-              <a:prstDash val="solid"/>
-              <a:round/>
-              <a:headEnd type="none" w="med" len="med"/>
-              <a:tailEnd type="none" w="med" len="med"/>
-            </a:ln>
-            <a:effectLst/>
-          </p:spPr>
-          <p:txBody>
-            <a:bodyPr vert="horz" wrap="square" lIns="91440" tIns="45720" rIns="91440" bIns="45720" numCol="1" rtlCol="0" anchor="t" anchorCtr="0" compatLnSpc="1">
-              <a:prstTxWarp prst="textNoShape">
-                <a:avLst/>
-              </a:prstTxWarp>
-            </a:bodyPr>
-            <a:lstStyle/>
-            <a:p>
-              <a:pPr marL="0" marR="0" indent="0" algn="l" defTabSz="914400" rtl="0" eaLnBrk="1" fontAlgn="base" latinLnBrk="0" hangingPunct="1">
-                <a:lnSpc>
-                  <a:spcPct val="100000"/>
-                </a:lnSpc>
-                <a:spcBef>
-                  <a:spcPct val="0"/>
-                </a:spcBef>
-                <a:spcAft>
-                  <a:spcPct val="0"/>
-                </a:spcAft>
-                <a:buClrTx/>
-                <a:buSzTx/>
-                <a:buFontTx/>
-                <a:buNone/>
-                <a:tabLst/>
-              </a:pPr>
-              <a:endParaRPr kumimoji="0" lang="fr-CH" sz="1800" b="0" i="0" u="sng" strike="noStrike" cap="none" normalizeH="0" baseline="0" smtClean="0">
-                <a:ln>
-                  <a:noFill/>
-                </a:ln>
-                <a:solidFill>
-                  <a:schemeClr val="tx1"/>
-                </a:solidFill>
-                <a:effectLst/>
-                <a:latin typeface="Arial" charset="0"/>
-              </a:endParaRPr>
-            </a:p>
-          </p:txBody>
-        </p:sp>
-      </p:grpSp>
-      <p:grpSp>
-        <p:nvGrpSpPr>
-          <p:cNvPr id="5" name="Groupe 27"/>
-          <p:cNvGrpSpPr/>
-          <p:nvPr/>
-        </p:nvGrpSpPr>
-        <p:grpSpPr>
-          <a:xfrm>
-            <a:off x="6012160" y="3609020"/>
-            <a:ext cx="1116124" cy="530275"/>
-            <a:chOff x="827584" y="2240868"/>
-            <a:chExt cx="1116124" cy="530275"/>
-          </a:xfrm>
-        </p:grpSpPr>
-        <p:sp>
-          <p:nvSpPr>
-            <p:cNvPr id="29" name="Flèche droite 28"/>
-            <p:cNvSpPr/>
-            <p:nvPr/>
-          </p:nvSpPr>
-          <p:spPr bwMode="auto">
-            <a:xfrm>
-              <a:off x="827584" y="2240868"/>
-              <a:ext cx="1116124" cy="251916"/>
-            </a:xfrm>
-            <a:prstGeom prst="rightArrow">
-              <a:avLst/>
-            </a:prstGeom>
-            <a:solidFill>
-              <a:schemeClr val="accent1"/>
-            </a:solidFill>
-            <a:ln w="9525" cap="flat" cmpd="sng" algn="ctr">
-              <a:solidFill>
-                <a:schemeClr val="tx1"/>
-              </a:solidFill>
-              <a:prstDash val="solid"/>
-              <a:round/>
-              <a:headEnd type="none" w="med" len="med"/>
-              <a:tailEnd type="none" w="med" len="med"/>
-            </a:ln>
-            <a:effectLst/>
-          </p:spPr>
-          <p:txBody>
-            <a:bodyPr vert="horz" wrap="square" lIns="91440" tIns="45720" rIns="91440" bIns="45720" numCol="1" rtlCol="0" anchor="t" anchorCtr="0" compatLnSpc="1">
-              <a:prstTxWarp prst="textNoShape">
-                <a:avLst/>
-              </a:prstTxWarp>
-            </a:bodyPr>
-            <a:lstStyle/>
-            <a:p>
-              <a:pPr marL="0" marR="0" indent="0" algn="l" defTabSz="914400" rtl="0" eaLnBrk="1" fontAlgn="base" latinLnBrk="0" hangingPunct="1">
-                <a:lnSpc>
-                  <a:spcPct val="100000"/>
-                </a:lnSpc>
-                <a:spcBef>
-                  <a:spcPct val="0"/>
-                </a:spcBef>
-                <a:spcAft>
-                  <a:spcPct val="0"/>
-                </a:spcAft>
-                <a:buClrTx/>
-                <a:buSzTx/>
-                <a:buFontTx/>
-                <a:buNone/>
-                <a:tabLst/>
-              </a:pPr>
-              <a:endParaRPr kumimoji="0" lang="fr-CH" sz="1800" b="0" i="0" u="sng" strike="noStrike" cap="none" normalizeH="0" baseline="0" smtClean="0">
-                <a:ln>
-                  <a:noFill/>
-                </a:ln>
-                <a:solidFill>
-                  <a:schemeClr val="tx1"/>
-                </a:solidFill>
-                <a:effectLst/>
-                <a:latin typeface="Arial" charset="0"/>
-              </a:endParaRPr>
-            </a:p>
-          </p:txBody>
-        </p:sp>
-        <p:sp>
-          <p:nvSpPr>
-            <p:cNvPr id="30" name="Flèche droite 29"/>
-            <p:cNvSpPr/>
-            <p:nvPr/>
-          </p:nvSpPr>
-          <p:spPr bwMode="auto">
-            <a:xfrm rot="10800000">
-              <a:off x="827584" y="2519227"/>
-              <a:ext cx="1116124" cy="251916"/>
-            </a:xfrm>
-            <a:prstGeom prst="rightArrow">
-              <a:avLst/>
-            </a:prstGeom>
-            <a:solidFill>
-              <a:schemeClr val="accent1"/>
-            </a:solidFill>
-            <a:ln w="9525" cap="flat" cmpd="sng" algn="ctr">
-              <a:solidFill>
-                <a:schemeClr val="tx1"/>
-              </a:solidFill>
-              <a:prstDash val="solid"/>
-              <a:round/>
-              <a:headEnd type="none" w="med" len="med"/>
-              <a:tailEnd type="none" w="med" len="med"/>
-            </a:ln>
-            <a:effectLst/>
-          </p:spPr>
-          <p:txBody>
-            <a:bodyPr vert="horz" wrap="square" lIns="91440" tIns="45720" rIns="91440" bIns="45720" numCol="1" rtlCol="0" anchor="t" anchorCtr="0" compatLnSpc="1">
-              <a:prstTxWarp prst="textNoShape">
-                <a:avLst/>
-              </a:prstTxWarp>
-            </a:bodyPr>
-            <a:lstStyle/>
-            <a:p>
-              <a:pPr marL="0" marR="0" indent="0" algn="l" defTabSz="914400" rtl="0" eaLnBrk="1" fontAlgn="base" latinLnBrk="0" hangingPunct="1">
-                <a:lnSpc>
-                  <a:spcPct val="100000"/>
-                </a:lnSpc>
-                <a:spcBef>
-                  <a:spcPct val="0"/>
-                </a:spcBef>
-                <a:spcAft>
-                  <a:spcPct val="0"/>
-                </a:spcAft>
-                <a:buClrTx/>
-                <a:buSzTx/>
-                <a:buFontTx/>
-                <a:buNone/>
-                <a:tabLst/>
-              </a:pPr>
-              <a:endParaRPr kumimoji="0" lang="fr-CH" sz="1800" b="0" i="0" u="sng" strike="noStrike" cap="none" normalizeH="0" baseline="0" smtClean="0">
-                <a:ln>
-                  <a:noFill/>
-                </a:ln>
-                <a:solidFill>
-                  <a:schemeClr val="tx1"/>
-                </a:solidFill>
-                <a:effectLst/>
-                <a:latin typeface="Arial" charset="0"/>
-              </a:endParaRPr>
-            </a:p>
-          </p:txBody>
-        </p:sp>
-      </p:grpSp>
-      <p:grpSp>
-        <p:nvGrpSpPr>
-          <p:cNvPr id="9" name="Groupe 30"/>
-          <p:cNvGrpSpPr/>
-          <p:nvPr/>
-        </p:nvGrpSpPr>
-        <p:grpSpPr>
-          <a:xfrm>
-            <a:off x="6012160" y="4473116"/>
-            <a:ext cx="1116124" cy="530275"/>
-            <a:chOff x="827584" y="2240868"/>
-            <a:chExt cx="1116124" cy="530275"/>
-          </a:xfrm>
-        </p:grpSpPr>
-        <p:sp>
-          <p:nvSpPr>
-            <p:cNvPr id="32" name="Flèche droite 31"/>
-            <p:cNvSpPr/>
-            <p:nvPr/>
-          </p:nvSpPr>
-          <p:spPr bwMode="auto">
-            <a:xfrm>
-              <a:off x="827584" y="2240868"/>
-              <a:ext cx="1116124" cy="251916"/>
-            </a:xfrm>
-            <a:prstGeom prst="rightArrow">
-              <a:avLst/>
-            </a:prstGeom>
-            <a:solidFill>
-              <a:schemeClr val="accent1"/>
-            </a:solidFill>
-            <a:ln w="9525" cap="flat" cmpd="sng" algn="ctr">
-              <a:solidFill>
-                <a:schemeClr val="tx1"/>
-              </a:solidFill>
-              <a:prstDash val="solid"/>
-              <a:round/>
-              <a:headEnd type="none" w="med" len="med"/>
-              <a:tailEnd type="none" w="med" len="med"/>
-            </a:ln>
-            <a:effectLst/>
-          </p:spPr>
-          <p:txBody>
-            <a:bodyPr vert="horz" wrap="square" lIns="91440" tIns="45720" rIns="91440" bIns="45720" numCol="1" rtlCol="0" anchor="t" anchorCtr="0" compatLnSpc="1">
-              <a:prstTxWarp prst="textNoShape">
-                <a:avLst/>
-              </a:prstTxWarp>
-            </a:bodyPr>
-            <a:lstStyle/>
-            <a:p>
-              <a:pPr marL="0" marR="0" indent="0" algn="l" defTabSz="914400" rtl="0" eaLnBrk="1" fontAlgn="base" latinLnBrk="0" hangingPunct="1">
-                <a:lnSpc>
-                  <a:spcPct val="100000"/>
-                </a:lnSpc>
-                <a:spcBef>
-                  <a:spcPct val="0"/>
-                </a:spcBef>
-                <a:spcAft>
-                  <a:spcPct val="0"/>
-                </a:spcAft>
-                <a:buClrTx/>
-                <a:buSzTx/>
-                <a:buFontTx/>
-                <a:buNone/>
-                <a:tabLst/>
-              </a:pPr>
-              <a:endParaRPr kumimoji="0" lang="fr-CH" sz="1800" b="0" i="0" u="sng" strike="noStrike" cap="none" normalizeH="0" baseline="0" smtClean="0">
-                <a:ln>
-                  <a:noFill/>
-                </a:ln>
-                <a:solidFill>
-                  <a:schemeClr val="tx1"/>
-                </a:solidFill>
-                <a:effectLst/>
-                <a:latin typeface="Arial" charset="0"/>
-              </a:endParaRPr>
-            </a:p>
-          </p:txBody>
-        </p:sp>
-        <p:sp>
-          <p:nvSpPr>
-            <p:cNvPr id="33" name="Flèche droite 32"/>
-            <p:cNvSpPr/>
-            <p:nvPr/>
-          </p:nvSpPr>
-          <p:spPr bwMode="auto">
-            <a:xfrm rot="10800000">
-              <a:off x="827584" y="2519227"/>
-              <a:ext cx="1116124" cy="251916"/>
-            </a:xfrm>
-            <a:prstGeom prst="rightArrow">
-              <a:avLst/>
-            </a:prstGeom>
-            <a:solidFill>
-              <a:schemeClr val="accent1"/>
-            </a:solidFill>
-            <a:ln w="9525" cap="flat" cmpd="sng" algn="ctr">
-              <a:solidFill>
-                <a:schemeClr val="tx1"/>
-              </a:solidFill>
-              <a:prstDash val="solid"/>
-              <a:round/>
-              <a:headEnd type="none" w="med" len="med"/>
-              <a:tailEnd type="none" w="med" len="med"/>
-            </a:ln>
-            <a:effectLst/>
-          </p:spPr>
-          <p:txBody>
-            <a:bodyPr vert="horz" wrap="square" lIns="91440" tIns="45720" rIns="91440" bIns="45720" numCol="1" rtlCol="0" anchor="t" anchorCtr="0" compatLnSpc="1">
-              <a:prstTxWarp prst="textNoShape">
-                <a:avLst/>
-              </a:prstTxWarp>
-            </a:bodyPr>
-            <a:lstStyle/>
-            <a:p>
-              <a:pPr marL="0" marR="0" indent="0" algn="l" defTabSz="914400" rtl="0" eaLnBrk="1" fontAlgn="base" latinLnBrk="0" hangingPunct="1">
-                <a:lnSpc>
-                  <a:spcPct val="100000"/>
-                </a:lnSpc>
-                <a:spcBef>
-                  <a:spcPct val="0"/>
-                </a:spcBef>
-                <a:spcAft>
-                  <a:spcPct val="0"/>
-                </a:spcAft>
-                <a:buClrTx/>
-                <a:buSzTx/>
-                <a:buFontTx/>
-                <a:buNone/>
-                <a:tabLst/>
-              </a:pPr>
-              <a:endParaRPr kumimoji="0" lang="fr-CH" sz="1800" b="0" i="0" u="sng" strike="noStrike" cap="none" normalizeH="0" baseline="0" smtClean="0">
-                <a:ln>
-                  <a:noFill/>
-                </a:ln>
-                <a:solidFill>
-                  <a:schemeClr val="tx1"/>
-                </a:solidFill>
-                <a:effectLst/>
-                <a:latin typeface="Arial" charset="0"/>
-              </a:endParaRPr>
-            </a:p>
-          </p:txBody>
-        </p:sp>
-      </p:grpSp>
-      <p:sp>
-        <p:nvSpPr>
-          <p:cNvPr id="37" name="Rectangle à coins arrondis 36"/>
-          <p:cNvSpPr/>
-          <p:nvPr/>
-        </p:nvSpPr>
-        <p:spPr bwMode="auto">
-          <a:xfrm>
-            <a:off x="2951820" y="3006625"/>
-            <a:ext cx="1393794" cy="773974"/>
-          </a:xfrm>
-          <a:prstGeom prst="roundRect">
-            <a:avLst/>
-          </a:prstGeom>
-          <a:solidFill>
-            <a:schemeClr val="accent1"/>
-          </a:solidFill>
-          <a:ln w="9525" cap="flat" cmpd="sng" algn="ctr">
-            <a:solidFill>
-              <a:schemeClr val="tx1"/>
-            </a:solidFill>
-            <a:prstDash val="solid"/>
-            <a:round/>
-            <a:headEnd type="none" w="med" len="med"/>
-            <a:tailEnd type="none" w="med" len="med"/>
-          </a:ln>
-          <a:effectLst/>
-        </p:spPr>
-        <p:txBody>
-          <a:bodyPr vert="horz" wrap="square" lIns="91440" tIns="45720" rIns="91440" bIns="45720" numCol="1" rtlCol="0" anchor="t" anchorCtr="0" compatLnSpc="1">
-            <a:prstTxWarp prst="textNoShape">
-              <a:avLst/>
-            </a:prstTxWarp>
-          </a:bodyPr>
-          <a:lstStyle/>
-          <a:p>
-            <a:pPr marL="0" marR="0" indent="0" algn="ctr" defTabSz="914400" rtl="0" eaLnBrk="1" fontAlgn="base" latinLnBrk="0" hangingPunct="1">
-              <a:lnSpc>
-                <a:spcPct val="100000"/>
-              </a:lnSpc>
-              <a:spcBef>
-                <a:spcPct val="0"/>
-              </a:spcBef>
-              <a:spcAft>
-                <a:spcPct val="0"/>
-              </a:spcAft>
-              <a:buClrTx/>
-              <a:buSzTx/>
-              <a:buFontTx/>
-              <a:buNone/>
-              <a:tabLst/>
-            </a:pPr>
-            <a:r>
-              <a:rPr kumimoji="0" lang="fr-CH" sz="1800" b="0" i="0" u="none" strike="noStrike" cap="none" normalizeH="0" baseline="0" dirty="0" smtClean="0">
-                <a:ln>
-                  <a:noFill/>
-                </a:ln>
-                <a:solidFill>
-                  <a:schemeClr val="tx1"/>
-                </a:solidFill>
-                <a:effectLst/>
-                <a:latin typeface="Arial" charset="0"/>
-              </a:rPr>
-              <a:t>Serveur</a:t>
-            </a:r>
-          </a:p>
-        </p:txBody>
-      </p:sp>
-      <p:sp>
-        <p:nvSpPr>
-          <p:cNvPr id="38" name="Flèche vers le bas 37"/>
-          <p:cNvSpPr/>
-          <p:nvPr/>
-        </p:nvSpPr>
-        <p:spPr bwMode="auto">
-          <a:xfrm>
-            <a:off x="2123728" y="2754709"/>
-            <a:ext cx="288032" cy="1106227"/>
-          </a:xfrm>
-          <a:prstGeom prst="downArrow">
-            <a:avLst/>
-          </a:prstGeom>
-          <a:solidFill>
-            <a:schemeClr val="accent1"/>
-          </a:solidFill>
-          <a:ln w="9525" cap="flat" cmpd="sng" algn="ctr">
-            <a:solidFill>
-              <a:schemeClr val="tx1"/>
-            </a:solidFill>
-            <a:prstDash val="solid"/>
-            <a:round/>
-            <a:headEnd type="none" w="med" len="med"/>
-            <a:tailEnd type="none" w="med" len="med"/>
-          </a:ln>
-          <a:effectLst/>
-        </p:spPr>
-        <p:txBody>
-          <a:bodyPr vert="horz" wrap="square" lIns="91440" tIns="45720" rIns="91440" bIns="45720" numCol="1" rtlCol="0" anchor="t" anchorCtr="0" compatLnSpc="1">
-            <a:prstTxWarp prst="textNoShape">
-              <a:avLst/>
-            </a:prstTxWarp>
-          </a:bodyPr>
-          <a:lstStyle/>
-          <a:p>
-            <a:pPr marL="0" marR="0" indent="0" algn="l" defTabSz="914400" rtl="0" eaLnBrk="1" fontAlgn="base" latinLnBrk="0" hangingPunct="1">
-              <a:lnSpc>
-                <a:spcPct val="100000"/>
-              </a:lnSpc>
-              <a:spcBef>
-                <a:spcPct val="0"/>
-              </a:spcBef>
-              <a:spcAft>
-                <a:spcPct val="0"/>
-              </a:spcAft>
-              <a:buClrTx/>
-              <a:buSzTx/>
-              <a:buFontTx/>
-              <a:buNone/>
-              <a:tabLst/>
-            </a:pPr>
-            <a:endParaRPr kumimoji="0" lang="fr-CH" sz="1800" b="0" i="0" u="sng" strike="noStrike" cap="none" normalizeH="0" baseline="0" smtClean="0">
-              <a:ln>
-                <a:noFill/>
-              </a:ln>
-              <a:solidFill>
-                <a:schemeClr val="tx1"/>
-              </a:solidFill>
-              <a:effectLst/>
-              <a:latin typeface="Arial" charset="0"/>
-            </a:endParaRPr>
-          </a:p>
-        </p:txBody>
-      </p:sp>
-      <p:sp>
-        <p:nvSpPr>
-          <p:cNvPr id="39" name="Flèche droite 38"/>
-          <p:cNvSpPr/>
-          <p:nvPr/>
-        </p:nvSpPr>
-        <p:spPr bwMode="auto">
-          <a:xfrm>
-            <a:off x="3239852" y="2060960"/>
-            <a:ext cx="2268252" cy="251916"/>
-          </a:xfrm>
-          <a:prstGeom prst="rightArrow">
-            <a:avLst/>
-          </a:prstGeom>
-          <a:solidFill>
-            <a:schemeClr val="accent1"/>
-          </a:solidFill>
-          <a:ln w="9525" cap="flat" cmpd="sng" algn="ctr">
-            <a:solidFill>
-              <a:schemeClr val="tx1"/>
-            </a:solidFill>
-            <a:prstDash val="solid"/>
-            <a:round/>
-            <a:headEnd type="none" w="med" len="med"/>
-            <a:tailEnd type="none" w="med" len="med"/>
-          </a:ln>
-          <a:effectLst/>
-        </p:spPr>
-        <p:txBody>
-          <a:bodyPr vert="horz" wrap="square" lIns="91440" tIns="45720" rIns="91440" bIns="45720" numCol="1" rtlCol="0" anchor="t" anchorCtr="0" compatLnSpc="1">
-            <a:prstTxWarp prst="textNoShape">
-              <a:avLst/>
-            </a:prstTxWarp>
-          </a:bodyPr>
-          <a:lstStyle/>
-          <a:p>
-            <a:pPr marL="0" marR="0" indent="0" algn="l" defTabSz="914400" rtl="0" eaLnBrk="1" fontAlgn="base" latinLnBrk="0" hangingPunct="1">
-              <a:lnSpc>
-                <a:spcPct val="100000"/>
-              </a:lnSpc>
-              <a:spcBef>
-                <a:spcPct val="0"/>
-              </a:spcBef>
-              <a:spcAft>
-                <a:spcPct val="0"/>
-              </a:spcAft>
-              <a:buClrTx/>
-              <a:buSzTx/>
-              <a:buFontTx/>
-              <a:buNone/>
-              <a:tabLst/>
-            </a:pPr>
-            <a:endParaRPr kumimoji="0" lang="fr-CH" sz="1800" b="0" i="0" u="sng" strike="noStrike" cap="none" normalizeH="0" baseline="0" smtClean="0">
-              <a:ln>
-                <a:noFill/>
-              </a:ln>
-              <a:solidFill>
-                <a:schemeClr val="tx1"/>
-              </a:solidFill>
-              <a:effectLst/>
-              <a:latin typeface="Arial" charset="0"/>
-            </a:endParaRPr>
-          </a:p>
-        </p:txBody>
-      </p:sp>
-      <p:grpSp>
-        <p:nvGrpSpPr>
-          <p:cNvPr id="12" name="Groupe 39"/>
-          <p:cNvGrpSpPr/>
-          <p:nvPr/>
-        </p:nvGrpSpPr>
-        <p:grpSpPr>
-          <a:xfrm>
-            <a:off x="4463988" y="3104964"/>
-            <a:ext cx="1116124" cy="530275"/>
-            <a:chOff x="827584" y="2240868"/>
-            <a:chExt cx="1116124" cy="530275"/>
-          </a:xfrm>
-        </p:grpSpPr>
-        <p:sp>
-          <p:nvSpPr>
-            <p:cNvPr id="41" name="Flèche droite 40"/>
-            <p:cNvSpPr/>
-            <p:nvPr/>
-          </p:nvSpPr>
-          <p:spPr bwMode="auto">
-            <a:xfrm>
-              <a:off x="827584" y="2240868"/>
-              <a:ext cx="1116124" cy="251916"/>
-            </a:xfrm>
-            <a:prstGeom prst="rightArrow">
-              <a:avLst/>
-            </a:prstGeom>
-            <a:solidFill>
-              <a:schemeClr val="accent1"/>
-            </a:solidFill>
-            <a:ln w="9525" cap="flat" cmpd="sng" algn="ctr">
-              <a:solidFill>
-                <a:schemeClr val="tx1"/>
-              </a:solidFill>
-              <a:prstDash val="solid"/>
-              <a:round/>
-              <a:headEnd type="none" w="med" len="med"/>
-              <a:tailEnd type="none" w="med" len="med"/>
-            </a:ln>
-            <a:effectLst/>
-          </p:spPr>
-          <p:txBody>
-            <a:bodyPr vert="horz" wrap="square" lIns="91440" tIns="45720" rIns="91440" bIns="45720" numCol="1" rtlCol="0" anchor="t" anchorCtr="0" compatLnSpc="1">
-              <a:prstTxWarp prst="textNoShape">
-                <a:avLst/>
-              </a:prstTxWarp>
-            </a:bodyPr>
-            <a:lstStyle/>
-            <a:p>
-              <a:pPr marL="0" marR="0" indent="0" algn="l" defTabSz="914400" rtl="0" eaLnBrk="1" fontAlgn="base" latinLnBrk="0" hangingPunct="1">
-                <a:lnSpc>
-                  <a:spcPct val="100000"/>
-                </a:lnSpc>
-                <a:spcBef>
-                  <a:spcPct val="0"/>
-                </a:spcBef>
-                <a:spcAft>
-                  <a:spcPct val="0"/>
-                </a:spcAft>
-                <a:buClrTx/>
-                <a:buSzTx/>
-                <a:buFontTx/>
-                <a:buNone/>
-                <a:tabLst/>
-              </a:pPr>
-              <a:endParaRPr kumimoji="0" lang="fr-CH" sz="1800" b="0" i="0" u="sng" strike="noStrike" cap="none" normalizeH="0" baseline="0" smtClean="0">
-                <a:ln>
-                  <a:noFill/>
-                </a:ln>
-                <a:solidFill>
-                  <a:schemeClr val="tx1"/>
-                </a:solidFill>
-                <a:effectLst/>
-                <a:latin typeface="Arial" charset="0"/>
-              </a:endParaRPr>
-            </a:p>
-          </p:txBody>
-        </p:sp>
-        <p:sp>
-          <p:nvSpPr>
-            <p:cNvPr id="42" name="Flèche droite 41"/>
-            <p:cNvSpPr/>
-            <p:nvPr/>
-          </p:nvSpPr>
-          <p:spPr bwMode="auto">
-            <a:xfrm rot="10800000">
-              <a:off x="827584" y="2519227"/>
-              <a:ext cx="1116124" cy="251916"/>
-            </a:xfrm>
-            <a:prstGeom prst="rightArrow">
-              <a:avLst/>
-            </a:prstGeom>
-            <a:solidFill>
-              <a:schemeClr val="accent1"/>
-            </a:solidFill>
-            <a:ln w="9525" cap="flat" cmpd="sng" algn="ctr">
-              <a:solidFill>
-                <a:schemeClr val="tx1"/>
-              </a:solidFill>
-              <a:prstDash val="solid"/>
-              <a:round/>
-              <a:headEnd type="none" w="med" len="med"/>
-              <a:tailEnd type="none" w="med" len="med"/>
-            </a:ln>
-            <a:effectLst/>
-          </p:spPr>
-          <p:txBody>
-            <a:bodyPr vert="horz" wrap="square" lIns="91440" tIns="45720" rIns="91440" bIns="45720" numCol="1" rtlCol="0" anchor="t" anchorCtr="0" compatLnSpc="1">
-              <a:prstTxWarp prst="textNoShape">
-                <a:avLst/>
-              </a:prstTxWarp>
-            </a:bodyPr>
-            <a:lstStyle/>
-            <a:p>
-              <a:pPr marL="0" marR="0" indent="0" algn="l" defTabSz="914400" rtl="0" eaLnBrk="1" fontAlgn="base" latinLnBrk="0" hangingPunct="1">
-                <a:lnSpc>
-                  <a:spcPct val="100000"/>
-                </a:lnSpc>
-                <a:spcBef>
-                  <a:spcPct val="0"/>
-                </a:spcBef>
-                <a:spcAft>
-                  <a:spcPct val="0"/>
-                </a:spcAft>
-                <a:buClrTx/>
-                <a:buSzTx/>
-                <a:buFontTx/>
-                <a:buNone/>
-                <a:tabLst/>
-              </a:pPr>
-              <a:endParaRPr kumimoji="0" lang="fr-CH" sz="1800" b="0" i="0" u="sng" strike="noStrike" cap="none" normalizeH="0" baseline="0" smtClean="0">
-                <a:ln>
-                  <a:noFill/>
-                </a:ln>
-                <a:solidFill>
-                  <a:schemeClr val="tx1"/>
-                </a:solidFill>
-                <a:effectLst/>
-                <a:latin typeface="Arial" charset="0"/>
-              </a:endParaRPr>
-            </a:p>
-          </p:txBody>
-        </p:sp>
-      </p:grpSp>
-      <p:sp>
-        <p:nvSpPr>
-          <p:cNvPr id="44" name="Flèche angle droit à deux pointes 43"/>
-          <p:cNvSpPr/>
-          <p:nvPr/>
-        </p:nvSpPr>
-        <p:spPr bwMode="auto">
-          <a:xfrm>
-            <a:off x="2951820" y="3860936"/>
-            <a:ext cx="936104" cy="918030"/>
-          </a:xfrm>
-          <a:prstGeom prst="leftUpArrow">
-            <a:avLst>
-              <a:gd name="adj1" fmla="val 8658"/>
-              <a:gd name="adj2" fmla="val 20097"/>
-              <a:gd name="adj3" fmla="val 25000"/>
-            </a:avLst>
-          </a:prstGeom>
-          <a:solidFill>
-            <a:schemeClr val="accent1"/>
-          </a:solidFill>
-          <a:ln w="9525" cap="flat" cmpd="sng" algn="ctr">
-            <a:solidFill>
-              <a:schemeClr val="tx1"/>
-            </a:solidFill>
-            <a:prstDash val="solid"/>
-            <a:round/>
-            <a:headEnd type="none" w="med" len="med"/>
-            <a:tailEnd type="none" w="med" len="med"/>
-          </a:ln>
-          <a:effectLst/>
-        </p:spPr>
-        <p:txBody>
-          <a:bodyPr vert="horz" wrap="square" lIns="91440" tIns="45720" rIns="91440" bIns="45720" numCol="1" rtlCol="0" anchor="t" anchorCtr="0" compatLnSpc="1">
-            <a:prstTxWarp prst="textNoShape">
-              <a:avLst/>
-            </a:prstTxWarp>
-          </a:bodyPr>
-          <a:lstStyle/>
-          <a:p>
-            <a:pPr marL="0" marR="0" indent="0" algn="l" defTabSz="914400" rtl="0" eaLnBrk="1" fontAlgn="base" latinLnBrk="0" hangingPunct="1">
-              <a:lnSpc>
-                <a:spcPct val="100000"/>
-              </a:lnSpc>
-              <a:spcBef>
-                <a:spcPct val="0"/>
-              </a:spcBef>
-              <a:spcAft>
-                <a:spcPct val="0"/>
-              </a:spcAft>
-              <a:buClrTx/>
-              <a:buSzTx/>
-              <a:buFontTx/>
-              <a:buNone/>
-              <a:tabLst/>
-            </a:pPr>
-            <a:endParaRPr kumimoji="0" lang="fr-CH" sz="1800" b="0" i="0" u="sng" strike="noStrike" cap="none" normalizeH="0" baseline="0" smtClean="0">
-              <a:ln>
-                <a:noFill/>
-              </a:ln>
-              <a:solidFill>
-                <a:schemeClr val="tx1"/>
-              </a:solidFill>
-              <a:effectLst/>
-              <a:latin typeface="Arial" charset="0"/>
-            </a:endParaRPr>
-          </a:p>
-        </p:txBody>
-      </p:sp>
-      <p:sp>
-        <p:nvSpPr>
-          <p:cNvPr id="45" name="ZoneTexte 44"/>
-          <p:cNvSpPr txBox="1"/>
-          <p:nvPr/>
-        </p:nvSpPr>
-        <p:spPr>
-          <a:xfrm>
-            <a:off x="4893275" y="5265204"/>
-            <a:ext cx="1838965" cy="369332"/>
-          </a:xfrm>
-          <a:prstGeom prst="rect">
-            <a:avLst/>
-          </a:prstGeom>
-          <a:noFill/>
-        </p:spPr>
-        <p:txBody>
-          <a:bodyPr wrap="none" rtlCol="0">
-            <a:spAutoFit/>
-          </a:bodyPr>
-          <a:lstStyle/>
-          <a:p>
-            <a:r>
-              <a:rPr lang="fr-CH" i="1" u="none" dirty="0" smtClean="0"/>
-              <a:t>Couche Réseau</a:t>
-            </a:r>
-            <a:endParaRPr lang="fr-CH" i="1" u="none" dirty="0"/>
-          </a:p>
-        </p:txBody>
-      </p:sp>
     </p:spTree>
   </p:cSld>
   <p:clrMapOvr>
@@ -18583,4 +19224,287 @@
   <a:objectDefaults/>
   <a:extraClrSchemeLst/>
 </a:theme>
+</file>
+
+<file path=ppt/theme/theme3.xml><?xml version="1.0" encoding="utf-8"?>
+<a:theme xmlns:a="http://schemas.openxmlformats.org/drawingml/2006/main" name="Thème Office">
+  <a:themeElements>
+    <a:clrScheme name="Office">
+      <a:dk1>
+        <a:sysClr val="windowText" lastClr="000000"/>
+      </a:dk1>
+      <a:lt1>
+        <a:sysClr val="window" lastClr="FFFFFF"/>
+      </a:lt1>
+      <a:dk2>
+        <a:srgbClr val="1F497D"/>
+      </a:dk2>
+      <a:lt2>
+        <a:srgbClr val="EEECE1"/>
+      </a:lt2>
+      <a:accent1>
+        <a:srgbClr val="4F81BD"/>
+      </a:accent1>
+      <a:accent2>
+        <a:srgbClr val="C0504D"/>
+      </a:accent2>
+      <a:accent3>
+        <a:srgbClr val="9BBB59"/>
+      </a:accent3>
+      <a:accent4>
+        <a:srgbClr val="8064A2"/>
+      </a:accent4>
+      <a:accent5>
+        <a:srgbClr val="4BACC6"/>
+      </a:accent5>
+      <a:accent6>
+        <a:srgbClr val="F79646"/>
+      </a:accent6>
+      <a:hlink>
+        <a:srgbClr val="0000FF"/>
+      </a:hlink>
+      <a:folHlink>
+        <a:srgbClr val="800080"/>
+      </a:folHlink>
+    </a:clrScheme>
+    <a:fontScheme name="Office">
+      <a:majorFont>
+        <a:latin typeface="Calibri"/>
+        <a:ea typeface=""/>
+        <a:cs typeface=""/>
+        <a:font script="Jpan" typeface="ＭＳ Ｐゴシック"/>
+        <a:font script="Hang" typeface="맑은 고딕"/>
+        <a:font script="Hans" typeface="宋体"/>
+        <a:font script="Hant" typeface="新細明體"/>
+        <a:font script="Arab" typeface="Times New Roman"/>
+        <a:font script="Hebr" typeface="Times New Roman"/>
+        <a:font script="Thai" typeface="Angsana New"/>
+        <a:font script="Ethi" typeface="Nyala"/>
+        <a:font script="Beng" typeface="Vrinda"/>
+        <a:font script="Gujr" typeface="Shruti"/>
+        <a:font script="Khmr" typeface="MoolBoran"/>
+        <a:font script="Knda" typeface="Tunga"/>
+        <a:font script="Guru" typeface="Raavi"/>
+        <a:font script="Cans" typeface="Euphemia"/>
+        <a:font script="Cher" typeface="Plantagenet Cherokee"/>
+        <a:font script="Yiii" typeface="Microsoft Yi Baiti"/>
+        <a:font script="Tibt" typeface="Microsoft Himalaya"/>
+        <a:font script="Thaa" typeface="MV Boli"/>
+        <a:font script="Deva" typeface="Mangal"/>
+        <a:font script="Telu" typeface="Gautami"/>
+        <a:font script="Taml" typeface="Latha"/>
+        <a:font script="Syrc" typeface="Estrangelo Edessa"/>
+        <a:font script="Orya" typeface="Kalinga"/>
+        <a:font script="Mlym" typeface="Kartika"/>
+        <a:font script="Laoo" typeface="DokChampa"/>
+        <a:font script="Sinh" typeface="Iskoola Pota"/>
+        <a:font script="Mong" typeface="Mongolian Baiti"/>
+        <a:font script="Viet" typeface="Times New Roman"/>
+        <a:font script="Uigh" typeface="Microsoft Uighur"/>
+      </a:majorFont>
+      <a:minorFont>
+        <a:latin typeface="Calibri"/>
+        <a:ea typeface=""/>
+        <a:cs typeface=""/>
+        <a:font script="Jpan" typeface="ＭＳ Ｐゴシック"/>
+        <a:font script="Hang" typeface="맑은 고딕"/>
+        <a:font script="Hans" typeface="宋体"/>
+        <a:font script="Hant" typeface="新細明體"/>
+        <a:font script="Arab" typeface="Arial"/>
+        <a:font script="Hebr" typeface="Arial"/>
+        <a:font script="Thai" typeface="Cordia New"/>
+        <a:font script="Ethi" typeface="Nyala"/>
+        <a:font script="Beng" typeface="Vrinda"/>
+        <a:font script="Gujr" typeface="Shruti"/>
+        <a:font script="Khmr" typeface="DaunPenh"/>
+        <a:font script="Knda" typeface="Tunga"/>
+        <a:font script="Guru" typeface="Raavi"/>
+        <a:font script="Cans" typeface="Euphemia"/>
+        <a:font script="Cher" typeface="Plantagenet Cherokee"/>
+        <a:font script="Yiii" typeface="Microsoft Yi Baiti"/>
+        <a:font script="Tibt" typeface="Microsoft Himalaya"/>
+        <a:font script="Thaa" typeface="MV Boli"/>
+        <a:font script="Deva" typeface="Mangal"/>
+        <a:font script="Telu" typeface="Gautami"/>
+        <a:font script="Taml" typeface="Latha"/>
+        <a:font script="Syrc" typeface="Estrangelo Edessa"/>
+        <a:font script="Orya" typeface="Kalinga"/>
+        <a:font script="Mlym" typeface="Kartika"/>
+        <a:font script="Laoo" typeface="DokChampa"/>
+        <a:font script="Sinh" typeface="Iskoola Pota"/>
+        <a:font script="Mong" typeface="Mongolian Baiti"/>
+        <a:font script="Viet" typeface="Arial"/>
+        <a:font script="Uigh" typeface="Microsoft Uighur"/>
+      </a:minorFont>
+    </a:fontScheme>
+    <a:fmtScheme name="Office">
+      <a:fillStyleLst>
+        <a:solidFill>
+          <a:schemeClr val="phClr"/>
+        </a:solidFill>
+        <a:gradFill rotWithShape="1">
+          <a:gsLst>
+            <a:gs pos="0">
+              <a:schemeClr val="phClr">
+                <a:tint val="50000"/>
+                <a:satMod val="300000"/>
+              </a:schemeClr>
+            </a:gs>
+            <a:gs pos="35000">
+              <a:schemeClr val="phClr">
+                <a:tint val="37000"/>
+                <a:satMod val="300000"/>
+              </a:schemeClr>
+            </a:gs>
+            <a:gs pos="100000">
+              <a:schemeClr val="phClr">
+                <a:tint val="15000"/>
+                <a:satMod val="350000"/>
+              </a:schemeClr>
+            </a:gs>
+          </a:gsLst>
+          <a:lin ang="16200000" scaled="1"/>
+        </a:gradFill>
+        <a:gradFill rotWithShape="1">
+          <a:gsLst>
+            <a:gs pos="0">
+              <a:schemeClr val="phClr">
+                <a:shade val="51000"/>
+                <a:satMod val="130000"/>
+              </a:schemeClr>
+            </a:gs>
+            <a:gs pos="80000">
+              <a:schemeClr val="phClr">
+                <a:shade val="93000"/>
+                <a:satMod val="130000"/>
+              </a:schemeClr>
+            </a:gs>
+            <a:gs pos="100000">
+              <a:schemeClr val="phClr">
+                <a:shade val="94000"/>
+                <a:satMod val="135000"/>
+              </a:schemeClr>
+            </a:gs>
+          </a:gsLst>
+          <a:lin ang="16200000" scaled="0"/>
+        </a:gradFill>
+      </a:fillStyleLst>
+      <a:lnStyleLst>
+        <a:ln w="9525" cap="flat" cmpd="sng" algn="ctr">
+          <a:solidFill>
+            <a:schemeClr val="phClr">
+              <a:shade val="95000"/>
+              <a:satMod val="105000"/>
+            </a:schemeClr>
+          </a:solidFill>
+          <a:prstDash val="solid"/>
+        </a:ln>
+        <a:ln w="25400" cap="flat" cmpd="sng" algn="ctr">
+          <a:solidFill>
+            <a:schemeClr val="phClr"/>
+          </a:solidFill>
+          <a:prstDash val="solid"/>
+        </a:ln>
+        <a:ln w="38100" cap="flat" cmpd="sng" algn="ctr">
+          <a:solidFill>
+            <a:schemeClr val="phClr"/>
+          </a:solidFill>
+          <a:prstDash val="solid"/>
+        </a:ln>
+      </a:lnStyleLst>
+      <a:effectStyleLst>
+        <a:effectStyle>
+          <a:effectLst>
+            <a:outerShdw blurRad="40000" dist="20000" dir="5400000" rotWithShape="0">
+              <a:srgbClr val="000000">
+                <a:alpha val="38000"/>
+              </a:srgbClr>
+            </a:outerShdw>
+          </a:effectLst>
+        </a:effectStyle>
+        <a:effectStyle>
+          <a:effectLst>
+            <a:outerShdw blurRad="40000" dist="23000" dir="5400000" rotWithShape="0">
+              <a:srgbClr val="000000">
+                <a:alpha val="35000"/>
+              </a:srgbClr>
+            </a:outerShdw>
+          </a:effectLst>
+        </a:effectStyle>
+        <a:effectStyle>
+          <a:effectLst>
+            <a:outerShdw blurRad="40000" dist="23000" dir="5400000" rotWithShape="0">
+              <a:srgbClr val="000000">
+                <a:alpha val="35000"/>
+              </a:srgbClr>
+            </a:outerShdw>
+          </a:effectLst>
+          <a:scene3d>
+            <a:camera prst="orthographicFront">
+              <a:rot lat="0" lon="0" rev="0"/>
+            </a:camera>
+            <a:lightRig rig="threePt" dir="t">
+              <a:rot lat="0" lon="0" rev="1200000"/>
+            </a:lightRig>
+          </a:scene3d>
+          <a:sp3d>
+            <a:bevelT w="63500" h="25400"/>
+          </a:sp3d>
+        </a:effectStyle>
+      </a:effectStyleLst>
+      <a:bgFillStyleLst>
+        <a:solidFill>
+          <a:schemeClr val="phClr"/>
+        </a:solidFill>
+        <a:gradFill rotWithShape="1">
+          <a:gsLst>
+            <a:gs pos="0">
+              <a:schemeClr val="phClr">
+                <a:tint val="40000"/>
+                <a:satMod val="350000"/>
+              </a:schemeClr>
+            </a:gs>
+            <a:gs pos="40000">
+              <a:schemeClr val="phClr">
+                <a:tint val="45000"/>
+                <a:shade val="99000"/>
+                <a:satMod val="350000"/>
+              </a:schemeClr>
+            </a:gs>
+            <a:gs pos="100000">
+              <a:schemeClr val="phClr">
+                <a:shade val="20000"/>
+                <a:satMod val="255000"/>
+              </a:schemeClr>
+            </a:gs>
+          </a:gsLst>
+          <a:path path="circle">
+            <a:fillToRect l="50000" t="-80000" r="50000" b="180000"/>
+          </a:path>
+        </a:gradFill>
+        <a:gradFill rotWithShape="1">
+          <a:gsLst>
+            <a:gs pos="0">
+              <a:schemeClr val="phClr">
+                <a:tint val="80000"/>
+                <a:satMod val="300000"/>
+              </a:schemeClr>
+            </a:gs>
+            <a:gs pos="100000">
+              <a:schemeClr val="phClr">
+                <a:shade val="30000"/>
+                <a:satMod val="200000"/>
+              </a:schemeClr>
+            </a:gs>
+          </a:gsLst>
+          <a:path path="circle">
+            <a:fillToRect l="50000" t="50000" r="50000" b="50000"/>
+          </a:path>
+        </a:gradFill>
+      </a:bgFillStyleLst>
+    </a:fmtScheme>
+  </a:themeElements>
+  <a:objectDefaults/>
+  <a:extraClrSchemeLst/>
+</a:theme>
 </file>
--- a/trunk/documents/v2.0/Presentation final ASD - Tower Defense v2.0.pptx
+++ b/trunk/documents/v2.0/Presentation final ASD - Tower Defense v2.0.pptx
@@ -238,6 +238,7 @@
           <a:p>
             <a:fld id="{D19BDA0B-9CF4-4E2C-A86B-E59A5271373D}" type="datetimeFigureOut">
               <a:rPr lang="fr-CH" smtClean="0"/>
+              <a:pPr/>
               <a:t>11.06.2010</a:t>
             </a:fld>
             <a:endParaRPr lang="fr-CH"/>
@@ -304,6 +305,7 @@
           <a:p>
             <a:fld id="{AA2B24B0-A6B6-4BC4-9512-DE084E2B9CEF}" type="slidenum">
               <a:rPr lang="fr-CH" smtClean="0"/>
+              <a:pPr/>
               <a:t>‹N°›</a:t>
             </a:fld>
             <a:endParaRPr lang="fr-CH"/>
@@ -11248,23 +11250,8 @@
               <a:rPr lang="fr-FR" u="none" dirty="0" smtClean="0">
                 <a:latin typeface="Trebuchet MS" pitchFamily="34" charset="0"/>
               </a:rPr>
-              <a:t>Architecture </a:t>
-            </a:r>
-            <a:r>
-              <a:rPr lang="fr-FR" u="none" dirty="0" smtClean="0">
-                <a:latin typeface="Trebuchet MS" pitchFamily="34" charset="0"/>
-              </a:rPr>
-              <a:t>Observable </a:t>
-            </a:r>
-            <a:r>
-              <a:rPr lang="fr-FR" u="none" dirty="0" smtClean="0">
-                <a:latin typeface="Trebuchet MS" pitchFamily="34" charset="0"/>
-              </a:rPr>
-              <a:t>/ Observé</a:t>
-            </a:r>
-            <a:endParaRPr lang="fr-FR" u="none" dirty="0" smtClean="0">
-              <a:latin typeface="Trebuchet MS" pitchFamily="34" charset="0"/>
-            </a:endParaRPr>
+              <a:t>Architecture Observable / Observé</a:t>
+            </a:r>
           </a:p>
           <a:p>
             <a:pPr marL="342900" indent="-342900">
@@ -15895,13 +15882,8 @@
           <a:p>
             <a:r>
               <a:rPr lang="fr-FR" u="none" dirty="0" smtClean="0"/>
-              <a:t>Durée : 1 semaine (32 heures</a:t>
-            </a:r>
-            <a:r>
-              <a:rPr lang="fr-FR" u="none" dirty="0" smtClean="0"/>
-              <a:t>)</a:t>
-            </a:r>
-            <a:endParaRPr lang="fr-FR" u="none" dirty="0" smtClean="0"/>
+              <a:t>Durée : 1 semaine (32 heures)</a:t>
+            </a:r>
           </a:p>
           <a:p>
             <a:endParaRPr lang="fr-FR" u="none" dirty="0" smtClean="0"/>
@@ -16814,6 +16796,13 @@
   <p:transition>
     <p:fade/>
   </p:transition>
+  <p:timing>
+    <p:tnLst>
+      <p:par>
+        <p:cTn id="1" dur="indefinite" restart="never" nodeType="tmRoot"/>
+      </p:par>
+    </p:tnLst>
+  </p:timing>
 </p:sld>
 </file>
 
